--- a/documents/EFK.pptx
+++ b/documents/EFK.pptx
@@ -6,10 +6,10 @@
     <p:sldMasterId id="2147483657" r:id="rId2"/>
   </p:sldMasterIdLst>
   <p:notesMasterIdLst>
-    <p:notesMasterId r:id="rId24"/>
+    <p:notesMasterId r:id="rId31"/>
   </p:notesMasterIdLst>
   <p:handoutMasterIdLst>
-    <p:handoutMasterId r:id="rId25"/>
+    <p:handoutMasterId r:id="rId32"/>
   </p:handoutMasterIdLst>
   <p:sldIdLst>
     <p:sldId id="266" r:id="rId3"/>
@@ -24,38 +24,45 @@
     <p:sldId id="326" r:id="rId12"/>
     <p:sldId id="327" r:id="rId13"/>
     <p:sldId id="328" r:id="rId14"/>
-    <p:sldId id="299" r:id="rId15"/>
-    <p:sldId id="279" r:id="rId16"/>
-    <p:sldId id="300" r:id="rId17"/>
-    <p:sldId id="272" r:id="rId18"/>
-    <p:sldId id="330" r:id="rId19"/>
-    <p:sldId id="331" r:id="rId20"/>
-    <p:sldId id="332" r:id="rId21"/>
-    <p:sldId id="302" r:id="rId22"/>
-    <p:sldId id="303" r:id="rId23"/>
+    <p:sldId id="333" r:id="rId15"/>
+    <p:sldId id="334" r:id="rId16"/>
+    <p:sldId id="299" r:id="rId17"/>
+    <p:sldId id="279" r:id="rId18"/>
+    <p:sldId id="300" r:id="rId19"/>
+    <p:sldId id="272" r:id="rId20"/>
+    <p:sldId id="330" r:id="rId21"/>
+    <p:sldId id="331" r:id="rId22"/>
+    <p:sldId id="332" r:id="rId23"/>
+    <p:sldId id="301" r:id="rId24"/>
+    <p:sldId id="336" r:id="rId25"/>
+    <p:sldId id="335" r:id="rId26"/>
+    <p:sldId id="337" r:id="rId27"/>
+    <p:sldId id="338" r:id="rId28"/>
+    <p:sldId id="302" r:id="rId29"/>
+    <p:sldId id="303" r:id="rId30"/>
   </p:sldIdLst>
   <p:sldSz cx="9144000" cy="5143500" type="screen16x9"/>
   <p:notesSz cx="6858000" cy="9144000"/>
   <p:embeddedFontLst>
     <p:embeddedFont>
       <p:font typeface="Calibri" panose="020F0502020204030204" pitchFamily="34" charset="0"/>
-      <p:regular r:id="rId26"/>
-      <p:bold r:id="rId27"/>
-      <p:italic r:id="rId28"/>
-      <p:boldItalic r:id="rId29"/>
+      <p:regular r:id="rId33"/>
+      <p:bold r:id="rId34"/>
+      <p:italic r:id="rId35"/>
+      <p:boldItalic r:id="rId36"/>
     </p:embeddedFont>
     <p:embeddedFont>
       <p:font typeface="Calibri Light" panose="020F0302020204030204" pitchFamily="34" charset="0"/>
-      <p:regular r:id="rId30"/>
-      <p:italic r:id="rId31"/>
+      <p:regular r:id="rId37"/>
+      <p:italic r:id="rId38"/>
     </p:embeddedFont>
     <p:embeddedFont>
       <p:font typeface="FontAwesome" panose="020B0604020202020204" charset="0"/>
-      <p:regular r:id="rId32"/>
+      <p:regular r:id="rId39"/>
     </p:embeddedFont>
     <p:embeddedFont>
       <p:font typeface="Raleway Black" panose="020B0604020202020204" charset="0"/>
-      <p:bold r:id="rId33"/>
+      <p:bold r:id="rId40"/>
     </p:embeddedFont>
   </p:embeddedFontLst>
   <p:defaultTextStyle>
@@ -175,6 +182,32 @@
 </p:presentation>
 </file>
 
+<file path=ppt/commentAuthors.xml><?xml version="1.0" encoding="utf-8"?>
+<p:cmAuthorLst xmlns:a="http://schemas.openxmlformats.org/drawingml/2006/main" xmlns:r="http://schemas.openxmlformats.org/officeDocument/2006/relationships" xmlns:p="http://schemas.openxmlformats.org/presentationml/2006/main">
+  <p:cmAuthor id="1" name="Bùi Bá Trường" initials="BBT" lastIdx="1" clrIdx="0">
+    <p:extLst>
+      <p:ext uri="{19B8F6BF-5375-455C-9EA6-DF929625EA0E}">
+        <p15:presenceInfo xmlns:p15="http://schemas.microsoft.com/office/powerpoint/2012/main" userId="8ec656ac19e31240" providerId="Windows Live"/>
+      </p:ext>
+    </p:extLst>
+  </p:cmAuthor>
+</p:cmAuthorLst>
+</file>
+
+<file path=ppt/comments/comment1.xml><?xml version="1.0" encoding="utf-8"?>
+<p:cmLst xmlns:a="http://schemas.openxmlformats.org/drawingml/2006/main" xmlns:r="http://schemas.openxmlformats.org/officeDocument/2006/relationships" xmlns:p="http://schemas.openxmlformats.org/presentationml/2006/main">
+  <p:cm authorId="1" dt="2019-10-18T13:32:45.160" idx="1">
+    <p:pos x="10" y="10"/>
+    <p:text/>
+    <p:extLst>
+      <p:ext uri="{C676402C-5697-4E1C-873F-D02D1690AC5C}">
+        <p15:threadingInfo xmlns:p15="http://schemas.microsoft.com/office/powerpoint/2012/main" timeZoneBias="-420"/>
+      </p:ext>
+    </p:extLst>
+  </p:cm>
+</p:cmLst>
+</file>
+
 <file path=ppt/handoutMasters/handoutMaster1.xml><?xml version="1.0" encoding="utf-8"?>
 <p:handoutMaster xmlns:a="http://schemas.openxmlformats.org/drawingml/2006/main" xmlns:r="http://schemas.openxmlformats.org/officeDocument/2006/relationships" xmlns:p="http://schemas.openxmlformats.org/presentationml/2006/main">
   <p:cSld>
@@ -257,7 +290,7 @@
           <a:p>
             <a:fld id="{DD1FDAA2-155F-4D4D-80FA-13EF88C96703}" type="datetimeFigureOut">
               <a:rPr lang="es-ES_tradnl" smtClean="0"/>
-              <a:t>23/08/2019</a:t>
+              <a:t>18/10/2019</a:t>
             </a:fld>
             <a:endParaRPr lang="es-ES_tradnl"/>
           </a:p>
@@ -422,7 +455,7 @@
           <a:p>
             <a:fld id="{36221A30-4CC4-49E4-B147-03AC43CBFBC5}" type="datetimeFigureOut">
               <a:rPr lang="en-US" smtClean="0"/>
-              <a:t>8/23/2019</a:t>
+              <a:t>10/18/2019</a:t>
             </a:fld>
             <a:endParaRPr lang="en-US"/>
           </a:p>
@@ -2801,7 +2834,7 @@
 </file>
 
 <file path=ppt/slideLayouts/slideLayout19.xml><?xml version="1.0" encoding="utf-8"?>
-<p:sldLayout xmlns:a="http://schemas.openxmlformats.org/drawingml/2006/main" xmlns:r="http://schemas.openxmlformats.org/officeDocument/2006/relationships" xmlns:p="http://schemas.openxmlformats.org/presentationml/2006/main" preserve="1" userDrawn="1">
+<p:sldLayout xmlns:a="http://schemas.openxmlformats.org/drawingml/2006/main" xmlns:r="http://schemas.openxmlformats.org/officeDocument/2006/relationships" xmlns:p="http://schemas.openxmlformats.org/presentationml/2006/main" userDrawn="1">
   <p:cSld name="9_Simple title slide">
     <p:bg>
       <p:bgPr>
@@ -2925,7 +2958,7 @@
     </p:spTree>
     <p:extLst>
       <p:ext uri="{BB962C8B-B14F-4D97-AF65-F5344CB8AC3E}">
-        <p14:creationId xmlns:p14="http://schemas.microsoft.com/office/powerpoint/2010/main" val="1950938080"/>
+        <p14:creationId xmlns:p14="http://schemas.microsoft.com/office/powerpoint/2010/main" val="1589809553"/>
       </p:ext>
     </p:extLst>
   </p:cSld>
@@ -3148,6 +3181,167 @@
 
 <file path=ppt/slideLayouts/slideLayout20.xml><?xml version="1.0" encoding="utf-8"?>
 <p:sldLayout xmlns:a="http://schemas.openxmlformats.org/drawingml/2006/main" xmlns:r="http://schemas.openxmlformats.org/officeDocument/2006/relationships" xmlns:p="http://schemas.openxmlformats.org/presentationml/2006/main" preserve="1" userDrawn="1">
+  <p:cSld name="9_Simple title slide">
+    <p:bg>
+      <p:bgPr>
+        <a:solidFill>
+          <a:schemeClr val="accent1"/>
+        </a:solidFill>
+        <a:effectLst/>
+      </p:bgPr>
+    </p:bg>
+    <p:spTree>
+      <p:nvGrpSpPr>
+        <p:cNvPr id="1" name=""/>
+        <p:cNvGrpSpPr/>
+        <p:nvPr/>
+      </p:nvGrpSpPr>
+      <p:grpSpPr>
+        <a:xfrm>
+          <a:off x="0" y="0"/>
+          <a:ext cx="0" cy="0"/>
+          <a:chOff x="0" y="0"/>
+          <a:chExt cx="0" cy="0"/>
+        </a:xfrm>
+      </p:grpSpPr>
+      <p:sp>
+        <p:nvSpPr>
+          <p:cNvPr id="8" name="Marcador de texto 7"/>
+          <p:cNvSpPr>
+            <a:spLocks noGrp="1"/>
+          </p:cNvSpPr>
+          <p:nvPr>
+            <p:ph type="body" sz="quarter" idx="10" hasCustomPrompt="1"/>
+          </p:nvPr>
+        </p:nvSpPr>
+        <p:spPr>
+          <a:xfrm>
+            <a:off x="512031" y="1120781"/>
+            <a:ext cx="3009645" cy="3077766"/>
+          </a:xfrm>
+          <a:prstGeom prst="rect">
+            <a:avLst/>
+          </a:prstGeom>
+        </p:spPr>
+        <p:txBody>
+          <a:bodyPr wrap="square" lIns="0" tIns="0" rIns="0" bIns="0" anchor="t" anchorCtr="0">
+            <a:spAutoFit/>
+          </a:bodyPr>
+          <a:lstStyle>
+            <a:lvl1pPr marL="0" indent="0" algn="l">
+              <a:lnSpc>
+                <a:spcPts val="8000"/>
+              </a:lnSpc>
+              <a:buNone/>
+              <a:defRPr sz="10000" b="1" i="0">
+                <a:solidFill>
+                  <a:schemeClr val="accent1">
+                    <a:lumMod val="75000"/>
+                  </a:schemeClr>
+                </a:solidFill>
+                <a:latin typeface="Raleway Black" charset="0"/>
+                <a:ea typeface="Raleway Black" charset="0"/>
+                <a:cs typeface="Raleway Black" charset="0"/>
+              </a:defRPr>
+            </a:lvl1pPr>
+          </a:lstStyle>
+          <a:p>
+            <a:pPr lvl="0"/>
+            <a:r>
+              <a:rPr lang="es-ES_tradnl" dirty="0"/>
+              <a:t>EXPERIENCE</a:t>
+            </a:r>
+          </a:p>
+        </p:txBody>
+      </p:sp>
+      <p:sp>
+        <p:nvSpPr>
+          <p:cNvPr id="5" name="Marcador de texto 7"/>
+          <p:cNvSpPr>
+            <a:spLocks noGrp="1"/>
+          </p:cNvSpPr>
+          <p:nvPr>
+            <p:ph type="body" sz="quarter" idx="11" hasCustomPrompt="1"/>
+          </p:nvPr>
+        </p:nvSpPr>
+        <p:spPr>
+          <a:xfrm>
+            <a:off x="512031" y="2156478"/>
+            <a:ext cx="4059970" cy="611436"/>
+          </a:xfrm>
+          <a:prstGeom prst="rect">
+            <a:avLst/>
+          </a:prstGeom>
+          <a:noFill/>
+        </p:spPr>
+        <p:txBody>
+          <a:bodyPr wrap="square" lIns="0" tIns="72000" rIns="0" bIns="0" anchor="t"/>
+          <a:lstStyle>
+            <a:lvl1pPr marL="0" indent="0" algn="ctr">
+              <a:buNone/>
+              <a:defRPr sz="3500" b="1" i="0">
+                <a:solidFill>
+                  <a:schemeClr val="tx1">
+                    <a:lumMod val="85000"/>
+                    <a:lumOff val="15000"/>
+                  </a:schemeClr>
+                </a:solidFill>
+                <a:latin typeface="Raleway Black" charset="0"/>
+                <a:ea typeface="Raleway Black" charset="0"/>
+                <a:cs typeface="Raleway Black" charset="0"/>
+              </a:defRPr>
+            </a:lvl1pPr>
+          </a:lstStyle>
+          <a:p>
+            <a:pPr lvl="0"/>
+            <a:r>
+              <a:rPr lang="es-ES_tradnl" dirty="0"/>
+              <a:t>EXPERIENCE</a:t>
+            </a:r>
+          </a:p>
+        </p:txBody>
+      </p:sp>
+    </p:spTree>
+    <p:extLst>
+      <p:ext uri="{BB962C8B-B14F-4D97-AF65-F5344CB8AC3E}">
+        <p14:creationId xmlns:p14="http://schemas.microsoft.com/office/powerpoint/2010/main" val="1950938080"/>
+      </p:ext>
+    </p:extLst>
+  </p:cSld>
+  <p:clrMapOvr>
+    <a:overrideClrMapping bg1="dk1" tx1="lt1" bg2="dk2" tx2="lt2" accent1="accent1" accent2="accent2" accent3="accent3" accent4="accent4" accent5="accent5" accent6="accent6" hlink="hlink" folHlink="folHlink"/>
+  </p:clrMapOvr>
+  <p:extLst>
+    <p:ext uri="{DCECCB84-F9BA-43D5-87BE-67443E8EF086}">
+      <p15:sldGuideLst xmlns:p15="http://schemas.microsoft.com/office/powerpoint/2012/main">
+        <p15:guide id="1" pos="2880">
+          <p15:clr>
+            <a:srgbClr val="FBAE40"/>
+          </p15:clr>
+        </p15:guide>
+        <p15:guide id="2" pos="317">
+          <p15:clr>
+            <a:srgbClr val="FBAE40"/>
+          </p15:clr>
+        </p15:guide>
+        <p15:guide id="3" pos="5534">
+          <p15:clr>
+            <a:srgbClr val="FBAE40"/>
+          </p15:clr>
+        </p15:guide>
+        <p15:guide id="4" orient="horz" pos="418">
+          <p15:clr>
+            <a:srgbClr val="FBAE40"/>
+          </p15:clr>
+        </p15:guide>
+      </p15:sldGuideLst>
+    </p:ext>
+  </p:extLst>
+</p:sldLayout>
+</file>
+
+<file path=ppt/slideLayouts/slideLayout21.xml><?xml version="1.0" encoding="utf-8"?>
+<p:sldLayout xmlns:a="http://schemas.openxmlformats.org/drawingml/2006/main" xmlns:r="http://schemas.openxmlformats.org/officeDocument/2006/relationships" xmlns:p="http://schemas.openxmlformats.org/presentationml/2006/main" preserve="1" userDrawn="1">
   <p:cSld name="4_Simple title slide">
     <p:bg>
       <p:bgPr>
@@ -3306,7 +3500,7 @@
 </p:sldLayout>
 </file>
 
-<file path=ppt/slideLayouts/slideLayout21.xml><?xml version="1.0" encoding="utf-8"?>
+<file path=ppt/slideLayouts/slideLayout22.xml><?xml version="1.0" encoding="utf-8"?>
 <p:sldLayout xmlns:a="http://schemas.openxmlformats.org/drawingml/2006/main" xmlns:r="http://schemas.openxmlformats.org/officeDocument/2006/relationships" xmlns:p="http://schemas.openxmlformats.org/presentationml/2006/main" preserve="1" userDrawn="1">
   <p:cSld name="5_Simple title slide">
     <p:bg>
@@ -3466,7 +3660,7 @@
 </p:sldLayout>
 </file>
 
-<file path=ppt/slideLayouts/slideLayout22.xml><?xml version="1.0" encoding="utf-8"?>
+<file path=ppt/slideLayouts/slideLayout23.xml><?xml version="1.0" encoding="utf-8"?>
 <p:sldLayout xmlns:a="http://schemas.openxmlformats.org/drawingml/2006/main" xmlns:r="http://schemas.openxmlformats.org/officeDocument/2006/relationships" xmlns:p="http://schemas.openxmlformats.org/presentationml/2006/main" preserve="1" userDrawn="1">
   <p:cSld name="6_Simple title slide">
     <p:bg>
@@ -3626,7 +3820,7 @@
 </p:sldLayout>
 </file>
 
-<file path=ppt/slideLayouts/slideLayout23.xml><?xml version="1.0" encoding="utf-8"?>
+<file path=ppt/slideLayouts/slideLayout24.xml><?xml version="1.0" encoding="utf-8"?>
 <p:sldLayout xmlns:a="http://schemas.openxmlformats.org/drawingml/2006/main" xmlns:r="http://schemas.openxmlformats.org/officeDocument/2006/relationships" xmlns:p="http://schemas.openxmlformats.org/presentationml/2006/main" preserve="1" userDrawn="1">
   <p:cSld name="7_Simple title slide">
     <p:bg>
@@ -3786,7 +3980,7 @@
 </p:sldLayout>
 </file>
 
-<file path=ppt/slideLayouts/slideLayout24.xml><?xml version="1.0" encoding="utf-8"?>
+<file path=ppt/slideLayouts/slideLayout25.xml><?xml version="1.0" encoding="utf-8"?>
 <p:sldLayout xmlns:a="http://schemas.openxmlformats.org/drawingml/2006/main" xmlns:r="http://schemas.openxmlformats.org/officeDocument/2006/relationships" xmlns:p="http://schemas.openxmlformats.org/presentationml/2006/main" preserve="1" userDrawn="1">
   <p:cSld name="8_Simple title slide">
     <p:bg>
@@ -3946,7 +4140,7 @@
 </p:sldLayout>
 </file>
 
-<file path=ppt/slideLayouts/slideLayout25.xml><?xml version="1.0" encoding="utf-8"?>
+<file path=ppt/slideLayouts/slideLayout26.xml><?xml version="1.0" encoding="utf-8"?>
 <p:sldLayout xmlns:a="http://schemas.openxmlformats.org/drawingml/2006/main" xmlns:r="http://schemas.openxmlformats.org/officeDocument/2006/relationships" xmlns:p="http://schemas.openxmlformats.org/presentationml/2006/main" preserve="1" userDrawn="1">
   <p:cSld name="1_Number title">
     <p:spTree>
@@ -4086,7 +4280,7 @@
 </p:sldLayout>
 </file>
 
-<file path=ppt/slideLayouts/slideLayout26.xml><?xml version="1.0" encoding="utf-8"?>
+<file path=ppt/slideLayouts/slideLayout27.xml><?xml version="1.0" encoding="utf-8"?>
 <p:sldLayout xmlns:a="http://schemas.openxmlformats.org/drawingml/2006/main" xmlns:r="http://schemas.openxmlformats.org/officeDocument/2006/relationships" xmlns:p="http://schemas.openxmlformats.org/presentationml/2006/main" preserve="1" userDrawn="1">
   <p:cSld name="2_Number title">
     <p:spTree>
@@ -4226,7 +4420,7 @@
 </p:sldLayout>
 </file>
 
-<file path=ppt/slideLayouts/slideLayout27.xml><?xml version="1.0" encoding="utf-8"?>
+<file path=ppt/slideLayouts/slideLayout28.xml><?xml version="1.0" encoding="utf-8"?>
 <p:sldLayout xmlns:a="http://schemas.openxmlformats.org/drawingml/2006/main" xmlns:r="http://schemas.openxmlformats.org/officeDocument/2006/relationships" xmlns:p="http://schemas.openxmlformats.org/presentationml/2006/main" preserve="1" userDrawn="1">
   <p:cSld name="3_Number title">
     <p:spTree>
@@ -6929,6 +7123,7 @@
     <p:sldLayoutId id="2147483656" r:id="rId16"/>
     <p:sldLayoutId id="2147483673" r:id="rId17"/>
     <p:sldLayoutId id="2147483684" r:id="rId18"/>
+    <p:sldLayoutId id="2147483685" r:id="rId19"/>
   </p:sldLayoutIdLst>
   <p:txStyles>
     <p:titleStyle>
@@ -7651,10 +7846,10 @@
       </p:cxnSp>
       <p:pic>
         <p:nvPicPr>
-          <p:cNvPr id="3" name="Picture 2">
+          <p:cNvPr id="6" name="Picture 5">
             <a:extLst>
               <a:ext uri="{FF2B5EF4-FFF2-40B4-BE49-F238E27FC236}">
-                <a16:creationId xmlns:a16="http://schemas.microsoft.com/office/drawing/2014/main" id="{5B4C79AC-DC50-40DB-AE0A-4CFA197A7020}"/>
+                <a16:creationId xmlns:a16="http://schemas.microsoft.com/office/drawing/2014/main" id="{6C4B1562-5247-48FA-B83E-E431BFCEFF44}"/>
               </a:ext>
             </a:extLst>
           </p:cNvPr>
@@ -7671,8 +7866,8 @@
         </p:blipFill>
         <p:spPr>
           <a:xfrm>
-            <a:off x="3664270" y="276132"/>
-            <a:ext cx="1815460" cy="694562"/>
+            <a:off x="3837262" y="260350"/>
+            <a:ext cx="1469475" cy="634813"/>
           </a:xfrm>
           <a:prstGeom prst="rect">
             <a:avLst/>
@@ -7837,10 +8032,10 @@
       </p:pic>
       <p:pic>
         <p:nvPicPr>
-          <p:cNvPr id="14" name="Picture 13">
+          <p:cNvPr id="7" name="Picture 6">
             <a:extLst>
               <a:ext uri="{FF2B5EF4-FFF2-40B4-BE49-F238E27FC236}">
-                <a16:creationId xmlns:a16="http://schemas.microsoft.com/office/drawing/2014/main" id="{9298C52D-AFDC-4CA8-AC23-D167AE3A2CC1}"/>
+                <a16:creationId xmlns:a16="http://schemas.microsoft.com/office/drawing/2014/main" id="{3046C5E7-483F-4534-B3BE-66064BCE91CF}"/>
               </a:ext>
             </a:extLst>
           </p:cNvPr>
@@ -7857,8 +8052,8 @@
         </p:blipFill>
         <p:spPr>
           <a:xfrm>
-            <a:off x="7102795" y="152307"/>
-            <a:ext cx="1815460" cy="694562"/>
+            <a:off x="7372900" y="137987"/>
+            <a:ext cx="1316221" cy="568607"/>
           </a:xfrm>
           <a:prstGeom prst="rect">
             <a:avLst/>
@@ -7990,10 +8185,10 @@
       </p:cxnSp>
       <p:pic>
         <p:nvPicPr>
-          <p:cNvPr id="6" name="Picture 5">
+          <p:cNvPr id="7" name="Picture 6">
             <a:extLst>
               <a:ext uri="{FF2B5EF4-FFF2-40B4-BE49-F238E27FC236}">
-                <a16:creationId xmlns:a16="http://schemas.microsoft.com/office/drawing/2014/main" id="{C5CD34FF-F37A-4D6D-B0B9-6502C0EBA22A}"/>
+                <a16:creationId xmlns:a16="http://schemas.microsoft.com/office/drawing/2014/main" id="{16E3A96E-D322-4049-9358-2E76B5AAA965}"/>
               </a:ext>
             </a:extLst>
           </p:cNvPr>
@@ -8010,8 +8205,8 @@
         </p:blipFill>
         <p:spPr>
           <a:xfrm>
-            <a:off x="7102795" y="152307"/>
-            <a:ext cx="1815460" cy="694562"/>
+            <a:off x="7372900" y="137987"/>
+            <a:ext cx="1316221" cy="568607"/>
           </a:xfrm>
           <a:prstGeom prst="rect">
             <a:avLst/>
@@ -8176,10 +8371,10 @@
       </p:pic>
       <p:pic>
         <p:nvPicPr>
-          <p:cNvPr id="14" name="Picture 13">
+          <p:cNvPr id="7" name="Picture 6">
             <a:extLst>
               <a:ext uri="{FF2B5EF4-FFF2-40B4-BE49-F238E27FC236}">
-                <a16:creationId xmlns:a16="http://schemas.microsoft.com/office/drawing/2014/main" id="{B14E60BB-9CF6-47C1-A182-DA9E63246B12}"/>
+                <a16:creationId xmlns:a16="http://schemas.microsoft.com/office/drawing/2014/main" id="{33351C85-E3C8-450A-8328-773D66321EBA}"/>
               </a:ext>
             </a:extLst>
           </p:cNvPr>
@@ -8196,8 +8391,8 @@
         </p:blipFill>
         <p:spPr>
           <a:xfrm>
-            <a:off x="7102795" y="152307"/>
-            <a:ext cx="1815460" cy="694562"/>
+            <a:off x="7372900" y="137987"/>
+            <a:ext cx="1316221" cy="568607"/>
           </a:xfrm>
           <a:prstGeom prst="rect">
             <a:avLst/>
@@ -8218,16 +8413,8 @@
 </file>
 
 <file path=ppt/slides/slide13.xml><?xml version="1.0" encoding="utf-8"?>
-<p:sld xmlns:a="http://schemas.openxmlformats.org/drawingml/2006/main" xmlns:r="http://schemas.openxmlformats.org/officeDocument/2006/relationships" xmlns:p="http://schemas.openxmlformats.org/presentationml/2006/main">
+<p:sld xmlns:a="http://schemas.openxmlformats.org/drawingml/2006/main" xmlns:r="http://schemas.openxmlformats.org/officeDocument/2006/relationships" xmlns:p="http://schemas.openxmlformats.org/presentationml/2006/main" showMasterSp="0">
   <p:cSld>
-    <p:bg>
-      <p:bgPr>
-        <a:solidFill>
-          <a:schemeClr val="accent2"/>
-        </a:solidFill>
-        <a:effectLst/>
-      </p:bgPr>
-    </p:bg>
     <p:spTree>
       <p:nvGrpSpPr>
         <p:cNvPr id="1" name=""/>
@@ -8244,7 +8431,7 @@
       </p:grpSpPr>
       <p:sp>
         <p:nvSpPr>
-          <p:cNvPr id="2" name="Marcador de texto 1"/>
+          <p:cNvPr id="5" name="Marcador de texto 4"/>
           <p:cNvSpPr>
             <a:spLocks noGrp="1"/>
           </p:cNvSpPr>
@@ -8254,8 +8441,8 @@
         </p:nvSpPr>
         <p:spPr>
           <a:xfrm>
-            <a:off x="512030" y="1120781"/>
-            <a:ext cx="3378181" cy="4153958"/>
+            <a:off x="512030" y="1024227"/>
+            <a:ext cx="3077766" cy="2769989"/>
           </a:xfrm>
         </p:spPr>
         <p:txBody>
@@ -8263,21 +8450,15 @@
           <a:lstStyle/>
           <a:p>
             <a:r>
-              <a:rPr lang="es-ES_tradnl" dirty="0">
-                <a:solidFill>
-                  <a:schemeClr val="accent2">
-                    <a:lumMod val="75000"/>
-                  </a:schemeClr>
-                </a:solidFill>
-              </a:rPr>
-              <a:t>ADVANTAGES</a:t>
-            </a:r>
-          </a:p>
-        </p:txBody>
-      </p:sp>
-      <p:sp>
-        <p:nvSpPr>
-          <p:cNvPr id="3" name="Marcador de texto 2"/>
+              <a:rPr lang="es-ES_tradnl" dirty="0"/>
+              <a:t>04</a:t>
+            </a:r>
+          </a:p>
+        </p:txBody>
+      </p:sp>
+      <p:sp>
+        <p:nvSpPr>
+          <p:cNvPr id="16" name="Marcador de texto 15"/>
           <p:cNvSpPr>
             <a:spLocks noGrp="1"/>
           </p:cNvSpPr>
@@ -8287,8 +8468,8 @@
         </p:nvSpPr>
         <p:spPr>
           <a:xfrm>
-            <a:off x="512031" y="2020551"/>
-            <a:ext cx="4059970" cy="611436"/>
+            <a:off x="503238" y="2453044"/>
+            <a:ext cx="4410052" cy="1341171"/>
           </a:xfrm>
         </p:spPr>
         <p:txBody>
@@ -8298,212 +8479,92 @@
             <a:pPr algn="l"/>
             <a:r>
               <a:rPr lang="en-US" dirty="0"/>
-              <a:t>WHY WE USE EFK?</a:t>
+              <a:t>WHY </a:t>
+            </a:r>
+            <a:r>
+              <a:rPr lang="en-US" dirty="0" err="1"/>
+              <a:t>EFK</a:t>
+            </a:r>
+            <a:r>
+              <a:rPr lang="en-US" dirty="0"/>
+              <a:t>, NOT ELK?</a:t>
             </a:r>
             <a:endParaRPr lang="es-ES_tradnl" dirty="0"/>
           </a:p>
         </p:txBody>
       </p:sp>
-      <p:sp>
-        <p:nvSpPr>
-          <p:cNvPr id="4" name="Marcador de texto 8"/>
-          <p:cNvSpPr txBox="1">
-            <a:spLocks/>
-          </p:cNvSpPr>
+      <p:cxnSp>
+        <p:nvCxnSpPr>
+          <p:cNvPr id="9" name="Conector recto 8"/>
+          <p:cNvCxnSpPr/>
           <p:nvPr/>
-        </p:nvSpPr>
-        <p:spPr>
-          <a:xfrm>
-            <a:off x="561368" y="2582559"/>
-            <a:ext cx="4010633" cy="345991"/>
+        </p:nvCxnSpPr>
+        <p:spPr>
+          <a:xfrm>
+            <a:off x="503238" y="2453045"/>
+            <a:ext cx="2985569" cy="0"/>
+          </a:xfrm>
+          <a:prstGeom prst="line">
+            <a:avLst/>
+          </a:prstGeom>
+          <a:ln w="9525">
+            <a:solidFill>
+              <a:schemeClr val="accent5">
+                <a:lumMod val="75000"/>
+              </a:schemeClr>
+            </a:solidFill>
+            <a:headEnd type="oval"/>
+          </a:ln>
+        </p:spPr>
+        <p:style>
+          <a:lnRef idx="1">
+            <a:schemeClr val="accent1"/>
+          </a:lnRef>
+          <a:fillRef idx="0">
+            <a:schemeClr val="accent1"/>
+          </a:fillRef>
+          <a:effectRef idx="0">
+            <a:schemeClr val="accent1"/>
+          </a:effectRef>
+          <a:fontRef idx="minor">
+            <a:schemeClr val="tx1"/>
+          </a:fontRef>
+        </p:style>
+      </p:cxnSp>
+      <p:pic>
+        <p:nvPicPr>
+          <p:cNvPr id="7" name="Picture 6">
+            <a:extLst>
+              <a:ext uri="{FF2B5EF4-FFF2-40B4-BE49-F238E27FC236}">
+                <a16:creationId xmlns:a16="http://schemas.microsoft.com/office/drawing/2014/main" id="{16E3A96E-D322-4049-9358-2E76B5AAA965}"/>
+              </a:ext>
+            </a:extLst>
+          </p:cNvPr>
+          <p:cNvPicPr>
+            <a:picLocks noChangeAspect="1"/>
+          </p:cNvPicPr>
+          <p:nvPr/>
+        </p:nvPicPr>
+        <p:blipFill>
+          <a:blip r:embed="rId2"/>
+          <a:stretch>
+            <a:fillRect/>
+          </a:stretch>
+        </p:blipFill>
+        <p:spPr>
+          <a:xfrm>
+            <a:off x="7372900" y="137987"/>
+            <a:ext cx="1316221" cy="568607"/>
           </a:xfrm>
           <a:prstGeom prst="rect">
             <a:avLst/>
           </a:prstGeom>
-          <a:noFill/>
-        </p:spPr>
-        <p:txBody>
-          <a:bodyPr wrap="square" lIns="0" tIns="72000" rIns="0" bIns="0" anchor="t"/>
-          <a:lstStyle>
-            <a:lvl1pPr marL="0" indent="0" algn="ctr" defTabSz="685800" rtl="0" eaLnBrk="1" latinLnBrk="0" hangingPunct="1">
-              <a:lnSpc>
-                <a:spcPct val="90000"/>
-              </a:lnSpc>
-              <a:spcBef>
-                <a:spcPts val="750"/>
-              </a:spcBef>
-              <a:buFont typeface="Arial"/>
-              <a:buNone/>
-              <a:defRPr sz="3500" b="1" i="0" kern="1200">
-                <a:solidFill>
-                  <a:schemeClr val="tx1">
-                    <a:lumMod val="85000"/>
-                    <a:lumOff val="15000"/>
-                  </a:schemeClr>
-                </a:solidFill>
-                <a:latin typeface="Raleway Black" charset="0"/>
-                <a:ea typeface="Raleway Black" charset="0"/>
-                <a:cs typeface="Raleway Black" charset="0"/>
-              </a:defRPr>
-            </a:lvl1pPr>
-            <a:lvl2pPr marL="514350" indent="-171450" algn="l" defTabSz="685800" rtl="0" eaLnBrk="1" latinLnBrk="0" hangingPunct="1">
-              <a:lnSpc>
-                <a:spcPct val="90000"/>
-              </a:lnSpc>
-              <a:spcBef>
-                <a:spcPts val="375"/>
-              </a:spcBef>
-              <a:buFont typeface="Arial"/>
-              <a:buChar char="•"/>
-              <a:defRPr sz="1800" kern="1200">
-                <a:solidFill>
-                  <a:schemeClr val="tx1"/>
-                </a:solidFill>
-                <a:latin typeface="+mn-lt"/>
-                <a:ea typeface="+mn-ea"/>
-                <a:cs typeface="+mn-cs"/>
-              </a:defRPr>
-            </a:lvl2pPr>
-            <a:lvl3pPr marL="857250" indent="-171450" algn="l" defTabSz="685800" rtl="0" eaLnBrk="1" latinLnBrk="0" hangingPunct="1">
-              <a:lnSpc>
-                <a:spcPct val="90000"/>
-              </a:lnSpc>
-              <a:spcBef>
-                <a:spcPts val="375"/>
-              </a:spcBef>
-              <a:buFont typeface="Arial"/>
-              <a:buChar char="•"/>
-              <a:defRPr sz="1500" kern="1200">
-                <a:solidFill>
-                  <a:schemeClr val="tx1"/>
-                </a:solidFill>
-                <a:latin typeface="+mn-lt"/>
-                <a:ea typeface="+mn-ea"/>
-                <a:cs typeface="+mn-cs"/>
-              </a:defRPr>
-            </a:lvl3pPr>
-            <a:lvl4pPr marL="1200150" indent="-171450" algn="l" defTabSz="685800" rtl="0" eaLnBrk="1" latinLnBrk="0" hangingPunct="1">
-              <a:lnSpc>
-                <a:spcPct val="90000"/>
-              </a:lnSpc>
-              <a:spcBef>
-                <a:spcPts val="375"/>
-              </a:spcBef>
-              <a:buFont typeface="Arial"/>
-              <a:buChar char="•"/>
-              <a:defRPr sz="1350" kern="1200">
-                <a:solidFill>
-                  <a:schemeClr val="tx1"/>
-                </a:solidFill>
-                <a:latin typeface="+mn-lt"/>
-                <a:ea typeface="+mn-ea"/>
-                <a:cs typeface="+mn-cs"/>
-              </a:defRPr>
-            </a:lvl4pPr>
-            <a:lvl5pPr marL="1543050" indent="-171450" algn="l" defTabSz="685800" rtl="0" eaLnBrk="1" latinLnBrk="0" hangingPunct="1">
-              <a:lnSpc>
-                <a:spcPct val="90000"/>
-              </a:lnSpc>
-              <a:spcBef>
-                <a:spcPts val="375"/>
-              </a:spcBef>
-              <a:buFont typeface="Arial"/>
-              <a:buChar char="•"/>
-              <a:defRPr sz="1350" kern="1200">
-                <a:solidFill>
-                  <a:schemeClr val="tx1"/>
-                </a:solidFill>
-                <a:latin typeface="+mn-lt"/>
-                <a:ea typeface="+mn-ea"/>
-                <a:cs typeface="+mn-cs"/>
-              </a:defRPr>
-            </a:lvl5pPr>
-            <a:lvl6pPr marL="1885950" indent="-171450" algn="l" defTabSz="685800" rtl="0" eaLnBrk="1" latinLnBrk="0" hangingPunct="1">
-              <a:lnSpc>
-                <a:spcPct val="90000"/>
-              </a:lnSpc>
-              <a:spcBef>
-                <a:spcPts val="375"/>
-              </a:spcBef>
-              <a:buFont typeface="Arial"/>
-              <a:buChar char="•"/>
-              <a:defRPr sz="1350" kern="1200">
-                <a:solidFill>
-                  <a:schemeClr val="tx1"/>
-                </a:solidFill>
-                <a:latin typeface="+mn-lt"/>
-                <a:ea typeface="+mn-ea"/>
-                <a:cs typeface="+mn-cs"/>
-              </a:defRPr>
-            </a:lvl6pPr>
-            <a:lvl7pPr marL="2228850" indent="-171450" algn="l" defTabSz="685800" rtl="0" eaLnBrk="1" latinLnBrk="0" hangingPunct="1">
-              <a:lnSpc>
-                <a:spcPct val="90000"/>
-              </a:lnSpc>
-              <a:spcBef>
-                <a:spcPts val="375"/>
-              </a:spcBef>
-              <a:buFont typeface="Arial"/>
-              <a:buChar char="•"/>
-              <a:defRPr sz="1350" kern="1200">
-                <a:solidFill>
-                  <a:schemeClr val="tx1"/>
-                </a:solidFill>
-                <a:latin typeface="+mn-lt"/>
-                <a:ea typeface="+mn-ea"/>
-                <a:cs typeface="+mn-cs"/>
-              </a:defRPr>
-            </a:lvl7pPr>
-            <a:lvl8pPr marL="2571750" indent="-171450" algn="l" defTabSz="685800" rtl="0" eaLnBrk="1" latinLnBrk="0" hangingPunct="1">
-              <a:lnSpc>
-                <a:spcPct val="90000"/>
-              </a:lnSpc>
-              <a:spcBef>
-                <a:spcPts val="375"/>
-              </a:spcBef>
-              <a:buFont typeface="Arial"/>
-              <a:buChar char="•"/>
-              <a:defRPr sz="1350" kern="1200">
-                <a:solidFill>
-                  <a:schemeClr val="tx1"/>
-                </a:solidFill>
-                <a:latin typeface="+mn-lt"/>
-                <a:ea typeface="+mn-ea"/>
-                <a:cs typeface="+mn-cs"/>
-              </a:defRPr>
-            </a:lvl8pPr>
-            <a:lvl9pPr marL="2914650" indent="-171450" algn="l" defTabSz="685800" rtl="0" eaLnBrk="1" latinLnBrk="0" hangingPunct="1">
-              <a:lnSpc>
-                <a:spcPct val="90000"/>
-              </a:lnSpc>
-              <a:spcBef>
-                <a:spcPts val="375"/>
-              </a:spcBef>
-              <a:buFont typeface="Arial"/>
-              <a:buChar char="•"/>
-              <a:defRPr sz="1350" kern="1200">
-                <a:solidFill>
-                  <a:schemeClr val="tx1"/>
-                </a:solidFill>
-                <a:latin typeface="+mn-lt"/>
-                <a:ea typeface="+mn-ea"/>
-                <a:cs typeface="+mn-cs"/>
-              </a:defRPr>
-            </a:lvl9pPr>
-          </a:lstStyle>
-          <a:p>
-            <a:pPr algn="l"/>
-            <a:r>
-              <a:rPr lang="es-ES_tradnl" sz="1500" dirty="0"/>
-              <a:t>THE ADVANTAGES OF EFK</a:t>
-            </a:r>
-          </a:p>
-        </p:txBody>
-      </p:sp>
+        </p:spPr>
+      </p:pic>
     </p:spTree>
     <p:extLst>
       <p:ext uri="{BB962C8B-B14F-4D97-AF65-F5344CB8AC3E}">
-        <p14:creationId xmlns:p14="http://schemas.microsoft.com/office/powerpoint/2010/main" val="980578346"/>
+        <p14:creationId xmlns:p14="http://schemas.microsoft.com/office/powerpoint/2010/main" val="3910535932"/>
       </p:ext>
     </p:extLst>
   </p:cSld>
@@ -8542,7 +8603,7 @@
         </p:nvSpPr>
         <p:spPr>
           <a:xfrm>
-            <a:off x="512029" y="440817"/>
+            <a:off x="512029" y="527905"/>
             <a:ext cx="4367701" cy="597510"/>
           </a:xfrm>
         </p:spPr>
@@ -8552,7 +8613,7 @@
           <a:p>
             <a:r>
               <a:rPr lang="es-ES_tradnl" dirty="0"/>
-              <a:t>01</a:t>
+              <a:t>04</a:t>
             </a:r>
           </a:p>
         </p:txBody>
@@ -8578,9 +8639,18 @@
           <a:lstStyle/>
           <a:p>
             <a:r>
-              <a:rPr lang="es-ES_tradnl" dirty="0"/>
-              <a:t>THE ADVANTAGES OF EFK</a:t>
-            </a:r>
+              <a:rPr lang="en-US" sz="1600" dirty="0"/>
+              <a:t>WHY </a:t>
+            </a:r>
+            <a:r>
+              <a:rPr lang="en-US" sz="1600" dirty="0" err="1"/>
+              <a:t>EFK</a:t>
+            </a:r>
+            <a:r>
+              <a:rPr lang="en-US" sz="1600" dirty="0"/>
+              <a:t> NOT ELK?</a:t>
+            </a:r>
+            <a:endParaRPr lang="es-ES_tradnl" sz="1600" dirty="0"/>
           </a:p>
         </p:txBody>
       </p:sp>
@@ -8622,846 +8692,12 @@
           </a:fontRef>
         </p:style>
       </p:cxnSp>
-      <p:sp>
-        <p:nvSpPr>
-          <p:cNvPr id="26" name="Text Placeholder 20"/>
-          <p:cNvSpPr txBox="1">
-            <a:spLocks/>
-          </p:cNvSpPr>
-          <p:nvPr/>
-        </p:nvSpPr>
-        <p:spPr>
-          <a:xfrm>
-            <a:off x="1329714" y="2116839"/>
-            <a:ext cx="516670" cy="346249"/>
-          </a:xfrm>
-          <a:prstGeom prst="rect">
-            <a:avLst/>
-          </a:prstGeom>
-        </p:spPr>
-        <p:txBody>
-          <a:bodyPr wrap="square" lIns="0" tIns="0" rIns="0" bIns="0" anchor="t" anchorCtr="0">
-            <a:spAutoFit/>
-          </a:bodyPr>
-          <a:lstStyle>
-            <a:lvl1pPr marL="0" indent="0" algn="l" defTabSz="685800" rtl="0" eaLnBrk="1" latinLnBrk="0" hangingPunct="1">
-              <a:lnSpc>
-                <a:spcPct val="90000"/>
-              </a:lnSpc>
-              <a:spcBef>
-                <a:spcPts val="750"/>
-              </a:spcBef>
-              <a:buFont typeface="Arial"/>
-              <a:buNone/>
-              <a:defRPr sz="3500" b="1" i="0" kern="1200">
-                <a:solidFill>
-                  <a:srgbClr val="E8E7E9"/>
-                </a:solidFill>
-                <a:latin typeface="Raleway Black" charset="0"/>
-                <a:ea typeface="Raleway Black" charset="0"/>
-                <a:cs typeface="Raleway Black" charset="0"/>
-              </a:defRPr>
-            </a:lvl1pPr>
-            <a:lvl2pPr marL="514350" indent="-171450" algn="l" defTabSz="685800" rtl="0" eaLnBrk="1" latinLnBrk="0" hangingPunct="1">
-              <a:lnSpc>
-                <a:spcPct val="90000"/>
-              </a:lnSpc>
-              <a:spcBef>
-                <a:spcPts val="375"/>
-              </a:spcBef>
-              <a:buFont typeface="Arial"/>
-              <a:buChar char="•"/>
-              <a:defRPr sz="1800" kern="1200">
-                <a:solidFill>
-                  <a:schemeClr val="tx1"/>
-                </a:solidFill>
-                <a:latin typeface="+mn-lt"/>
-                <a:ea typeface="+mn-ea"/>
-                <a:cs typeface="+mn-cs"/>
-              </a:defRPr>
-            </a:lvl2pPr>
-            <a:lvl3pPr marL="857250" indent="-171450" algn="l" defTabSz="685800" rtl="0" eaLnBrk="1" latinLnBrk="0" hangingPunct="1">
-              <a:lnSpc>
-                <a:spcPct val="90000"/>
-              </a:lnSpc>
-              <a:spcBef>
-                <a:spcPts val="375"/>
-              </a:spcBef>
-              <a:buFont typeface="Arial"/>
-              <a:buChar char="•"/>
-              <a:defRPr sz="1500" kern="1200">
-                <a:solidFill>
-                  <a:schemeClr val="tx1"/>
-                </a:solidFill>
-                <a:latin typeface="+mn-lt"/>
-                <a:ea typeface="+mn-ea"/>
-                <a:cs typeface="+mn-cs"/>
-              </a:defRPr>
-            </a:lvl3pPr>
-            <a:lvl4pPr marL="1200150" indent="-171450" algn="l" defTabSz="685800" rtl="0" eaLnBrk="1" latinLnBrk="0" hangingPunct="1">
-              <a:lnSpc>
-                <a:spcPct val="90000"/>
-              </a:lnSpc>
-              <a:spcBef>
-                <a:spcPts val="375"/>
-              </a:spcBef>
-              <a:buFont typeface="Arial"/>
-              <a:buChar char="•"/>
-              <a:defRPr sz="1350" kern="1200">
-                <a:solidFill>
-                  <a:schemeClr val="tx1"/>
-                </a:solidFill>
-                <a:latin typeface="+mn-lt"/>
-                <a:ea typeface="+mn-ea"/>
-                <a:cs typeface="+mn-cs"/>
-              </a:defRPr>
-            </a:lvl4pPr>
-            <a:lvl5pPr marL="1543050" indent="-171450" algn="l" defTabSz="685800" rtl="0" eaLnBrk="1" latinLnBrk="0" hangingPunct="1">
-              <a:lnSpc>
-                <a:spcPct val="90000"/>
-              </a:lnSpc>
-              <a:spcBef>
-                <a:spcPts val="375"/>
-              </a:spcBef>
-              <a:buFont typeface="Arial"/>
-              <a:buChar char="•"/>
-              <a:defRPr sz="1350" kern="1200">
-                <a:solidFill>
-                  <a:schemeClr val="tx1"/>
-                </a:solidFill>
-                <a:latin typeface="+mn-lt"/>
-                <a:ea typeface="+mn-ea"/>
-                <a:cs typeface="+mn-cs"/>
-              </a:defRPr>
-            </a:lvl5pPr>
-            <a:lvl6pPr marL="1885950" indent="-171450" algn="l" defTabSz="685800" rtl="0" eaLnBrk="1" latinLnBrk="0" hangingPunct="1">
-              <a:lnSpc>
-                <a:spcPct val="90000"/>
-              </a:lnSpc>
-              <a:spcBef>
-                <a:spcPts val="375"/>
-              </a:spcBef>
-              <a:buFont typeface="Arial"/>
-              <a:buChar char="•"/>
-              <a:defRPr sz="1350" kern="1200">
-                <a:solidFill>
-                  <a:schemeClr val="tx1"/>
-                </a:solidFill>
-                <a:latin typeface="+mn-lt"/>
-                <a:ea typeface="+mn-ea"/>
-                <a:cs typeface="+mn-cs"/>
-              </a:defRPr>
-            </a:lvl6pPr>
-            <a:lvl7pPr marL="2228850" indent="-171450" algn="l" defTabSz="685800" rtl="0" eaLnBrk="1" latinLnBrk="0" hangingPunct="1">
-              <a:lnSpc>
-                <a:spcPct val="90000"/>
-              </a:lnSpc>
-              <a:spcBef>
-                <a:spcPts val="375"/>
-              </a:spcBef>
-              <a:buFont typeface="Arial"/>
-              <a:buChar char="•"/>
-              <a:defRPr sz="1350" kern="1200">
-                <a:solidFill>
-                  <a:schemeClr val="tx1"/>
-                </a:solidFill>
-                <a:latin typeface="+mn-lt"/>
-                <a:ea typeface="+mn-ea"/>
-                <a:cs typeface="+mn-cs"/>
-              </a:defRPr>
-            </a:lvl7pPr>
-            <a:lvl8pPr marL="2571750" indent="-171450" algn="l" defTabSz="685800" rtl="0" eaLnBrk="1" latinLnBrk="0" hangingPunct="1">
-              <a:lnSpc>
-                <a:spcPct val="90000"/>
-              </a:lnSpc>
-              <a:spcBef>
-                <a:spcPts val="375"/>
-              </a:spcBef>
-              <a:buFont typeface="Arial"/>
-              <a:buChar char="•"/>
-              <a:defRPr sz="1350" kern="1200">
-                <a:solidFill>
-                  <a:schemeClr val="tx1"/>
-                </a:solidFill>
-                <a:latin typeface="+mn-lt"/>
-                <a:ea typeface="+mn-ea"/>
-                <a:cs typeface="+mn-cs"/>
-              </a:defRPr>
-            </a:lvl8pPr>
-            <a:lvl9pPr marL="2914650" indent="-171450" algn="l" defTabSz="685800" rtl="0" eaLnBrk="1" latinLnBrk="0" hangingPunct="1">
-              <a:lnSpc>
-                <a:spcPct val="90000"/>
-              </a:lnSpc>
-              <a:spcBef>
-                <a:spcPts val="375"/>
-              </a:spcBef>
-              <a:buFont typeface="Arial"/>
-              <a:buChar char="•"/>
-              <a:defRPr sz="1350" kern="1200">
-                <a:solidFill>
-                  <a:schemeClr val="tx1"/>
-                </a:solidFill>
-                <a:latin typeface="+mn-lt"/>
-                <a:ea typeface="+mn-ea"/>
-                <a:cs typeface="+mn-cs"/>
-              </a:defRPr>
-            </a:lvl9pPr>
-          </a:lstStyle>
-          <a:p>
-            <a:pPr algn="ctr"/>
-            <a:r>
-              <a:rPr lang="en-US" sz="2500" dirty="0">
-                <a:solidFill>
-                  <a:schemeClr val="bg1"/>
-                </a:solidFill>
-                <a:latin typeface="FontAwesome" pitchFamily="2" charset="0"/>
-              </a:rPr>
-              <a:t></a:t>
-            </a:r>
-            <a:endParaRPr lang="en-US" sz="2500" dirty="0">
-              <a:solidFill>
-                <a:schemeClr val="bg1"/>
-              </a:solidFill>
-              <a:latin typeface="FontAwesome" charset="0"/>
-              <a:ea typeface="FontAwesome" charset="0"/>
-              <a:cs typeface="FontAwesome" charset="0"/>
-            </a:endParaRPr>
-          </a:p>
-        </p:txBody>
-      </p:sp>
-      <p:sp>
-        <p:nvSpPr>
-          <p:cNvPr id="27" name="Text Placeholder 20"/>
-          <p:cNvSpPr txBox="1">
-            <a:spLocks/>
-          </p:cNvSpPr>
-          <p:nvPr/>
-        </p:nvSpPr>
-        <p:spPr>
-          <a:xfrm>
-            <a:off x="4315559" y="2116839"/>
-            <a:ext cx="516670" cy="346249"/>
-          </a:xfrm>
-          <a:prstGeom prst="rect">
-            <a:avLst/>
-          </a:prstGeom>
-        </p:spPr>
-        <p:txBody>
-          <a:bodyPr wrap="square" lIns="0" tIns="0" rIns="0" bIns="0" anchor="t" anchorCtr="0">
-            <a:spAutoFit/>
-          </a:bodyPr>
-          <a:lstStyle>
-            <a:lvl1pPr marL="0" indent="0" algn="l" defTabSz="685800" rtl="0" eaLnBrk="1" latinLnBrk="0" hangingPunct="1">
-              <a:lnSpc>
-                <a:spcPct val="90000"/>
-              </a:lnSpc>
-              <a:spcBef>
-                <a:spcPts val="750"/>
-              </a:spcBef>
-              <a:buFont typeface="Arial"/>
-              <a:buNone/>
-              <a:defRPr sz="3500" b="1" i="0" kern="1200">
-                <a:solidFill>
-                  <a:srgbClr val="E8E7E9"/>
-                </a:solidFill>
-                <a:latin typeface="Raleway Black" charset="0"/>
-                <a:ea typeface="Raleway Black" charset="0"/>
-                <a:cs typeface="Raleway Black" charset="0"/>
-              </a:defRPr>
-            </a:lvl1pPr>
-            <a:lvl2pPr marL="514350" indent="-171450" algn="l" defTabSz="685800" rtl="0" eaLnBrk="1" latinLnBrk="0" hangingPunct="1">
-              <a:lnSpc>
-                <a:spcPct val="90000"/>
-              </a:lnSpc>
-              <a:spcBef>
-                <a:spcPts val="375"/>
-              </a:spcBef>
-              <a:buFont typeface="Arial"/>
-              <a:buChar char="•"/>
-              <a:defRPr sz="1800" kern="1200">
-                <a:solidFill>
-                  <a:schemeClr val="tx1"/>
-                </a:solidFill>
-                <a:latin typeface="+mn-lt"/>
-                <a:ea typeface="+mn-ea"/>
-                <a:cs typeface="+mn-cs"/>
-              </a:defRPr>
-            </a:lvl2pPr>
-            <a:lvl3pPr marL="857250" indent="-171450" algn="l" defTabSz="685800" rtl="0" eaLnBrk="1" latinLnBrk="0" hangingPunct="1">
-              <a:lnSpc>
-                <a:spcPct val="90000"/>
-              </a:lnSpc>
-              <a:spcBef>
-                <a:spcPts val="375"/>
-              </a:spcBef>
-              <a:buFont typeface="Arial"/>
-              <a:buChar char="•"/>
-              <a:defRPr sz="1500" kern="1200">
-                <a:solidFill>
-                  <a:schemeClr val="tx1"/>
-                </a:solidFill>
-                <a:latin typeface="+mn-lt"/>
-                <a:ea typeface="+mn-ea"/>
-                <a:cs typeface="+mn-cs"/>
-              </a:defRPr>
-            </a:lvl3pPr>
-            <a:lvl4pPr marL="1200150" indent="-171450" algn="l" defTabSz="685800" rtl="0" eaLnBrk="1" latinLnBrk="0" hangingPunct="1">
-              <a:lnSpc>
-                <a:spcPct val="90000"/>
-              </a:lnSpc>
-              <a:spcBef>
-                <a:spcPts val="375"/>
-              </a:spcBef>
-              <a:buFont typeface="Arial"/>
-              <a:buChar char="•"/>
-              <a:defRPr sz="1350" kern="1200">
-                <a:solidFill>
-                  <a:schemeClr val="tx1"/>
-                </a:solidFill>
-                <a:latin typeface="+mn-lt"/>
-                <a:ea typeface="+mn-ea"/>
-                <a:cs typeface="+mn-cs"/>
-              </a:defRPr>
-            </a:lvl4pPr>
-            <a:lvl5pPr marL="1543050" indent="-171450" algn="l" defTabSz="685800" rtl="0" eaLnBrk="1" latinLnBrk="0" hangingPunct="1">
-              <a:lnSpc>
-                <a:spcPct val="90000"/>
-              </a:lnSpc>
-              <a:spcBef>
-                <a:spcPts val="375"/>
-              </a:spcBef>
-              <a:buFont typeface="Arial"/>
-              <a:buChar char="•"/>
-              <a:defRPr sz="1350" kern="1200">
-                <a:solidFill>
-                  <a:schemeClr val="tx1"/>
-                </a:solidFill>
-                <a:latin typeface="+mn-lt"/>
-                <a:ea typeface="+mn-ea"/>
-                <a:cs typeface="+mn-cs"/>
-              </a:defRPr>
-            </a:lvl5pPr>
-            <a:lvl6pPr marL="1885950" indent="-171450" algn="l" defTabSz="685800" rtl="0" eaLnBrk="1" latinLnBrk="0" hangingPunct="1">
-              <a:lnSpc>
-                <a:spcPct val="90000"/>
-              </a:lnSpc>
-              <a:spcBef>
-                <a:spcPts val="375"/>
-              </a:spcBef>
-              <a:buFont typeface="Arial"/>
-              <a:buChar char="•"/>
-              <a:defRPr sz="1350" kern="1200">
-                <a:solidFill>
-                  <a:schemeClr val="tx1"/>
-                </a:solidFill>
-                <a:latin typeface="+mn-lt"/>
-                <a:ea typeface="+mn-ea"/>
-                <a:cs typeface="+mn-cs"/>
-              </a:defRPr>
-            </a:lvl6pPr>
-            <a:lvl7pPr marL="2228850" indent="-171450" algn="l" defTabSz="685800" rtl="0" eaLnBrk="1" latinLnBrk="0" hangingPunct="1">
-              <a:lnSpc>
-                <a:spcPct val="90000"/>
-              </a:lnSpc>
-              <a:spcBef>
-                <a:spcPts val="375"/>
-              </a:spcBef>
-              <a:buFont typeface="Arial"/>
-              <a:buChar char="•"/>
-              <a:defRPr sz="1350" kern="1200">
-                <a:solidFill>
-                  <a:schemeClr val="tx1"/>
-                </a:solidFill>
-                <a:latin typeface="+mn-lt"/>
-                <a:ea typeface="+mn-ea"/>
-                <a:cs typeface="+mn-cs"/>
-              </a:defRPr>
-            </a:lvl7pPr>
-            <a:lvl8pPr marL="2571750" indent="-171450" algn="l" defTabSz="685800" rtl="0" eaLnBrk="1" latinLnBrk="0" hangingPunct="1">
-              <a:lnSpc>
-                <a:spcPct val="90000"/>
-              </a:lnSpc>
-              <a:spcBef>
-                <a:spcPts val="375"/>
-              </a:spcBef>
-              <a:buFont typeface="Arial"/>
-              <a:buChar char="•"/>
-              <a:defRPr sz="1350" kern="1200">
-                <a:solidFill>
-                  <a:schemeClr val="tx1"/>
-                </a:solidFill>
-                <a:latin typeface="+mn-lt"/>
-                <a:ea typeface="+mn-ea"/>
-                <a:cs typeface="+mn-cs"/>
-              </a:defRPr>
-            </a:lvl8pPr>
-            <a:lvl9pPr marL="2914650" indent="-171450" algn="l" defTabSz="685800" rtl="0" eaLnBrk="1" latinLnBrk="0" hangingPunct="1">
-              <a:lnSpc>
-                <a:spcPct val="90000"/>
-              </a:lnSpc>
-              <a:spcBef>
-                <a:spcPts val="375"/>
-              </a:spcBef>
-              <a:buFont typeface="Arial"/>
-              <a:buChar char="•"/>
-              <a:defRPr sz="1350" kern="1200">
-                <a:solidFill>
-                  <a:schemeClr val="tx1"/>
-                </a:solidFill>
-                <a:latin typeface="+mn-lt"/>
-                <a:ea typeface="+mn-ea"/>
-                <a:cs typeface="+mn-cs"/>
-              </a:defRPr>
-            </a:lvl9pPr>
-          </a:lstStyle>
-          <a:p>
-            <a:pPr algn="ctr"/>
-            <a:r>
-              <a:rPr lang="en-US" sz="2500" dirty="0">
-                <a:solidFill>
-                  <a:schemeClr val="bg1"/>
-                </a:solidFill>
-                <a:latin typeface="FontAwesome" pitchFamily="2" charset="0"/>
-              </a:rPr>
-              <a:t></a:t>
-            </a:r>
-            <a:endParaRPr lang="en-US" sz="2500" dirty="0">
-              <a:solidFill>
-                <a:schemeClr val="bg1"/>
-              </a:solidFill>
-              <a:latin typeface="FontAwesome" charset="0"/>
-              <a:ea typeface="FontAwesome" charset="0"/>
-              <a:cs typeface="FontAwesome" charset="0"/>
-            </a:endParaRPr>
-          </a:p>
-        </p:txBody>
-      </p:sp>
-      <p:sp>
-        <p:nvSpPr>
-          <p:cNvPr id="29" name="Text Placeholder 20"/>
-          <p:cNvSpPr txBox="1">
-            <a:spLocks/>
-          </p:cNvSpPr>
-          <p:nvPr/>
-        </p:nvSpPr>
-        <p:spPr>
-          <a:xfrm>
-            <a:off x="7542148" y="2116839"/>
-            <a:ext cx="516670" cy="387798"/>
-          </a:xfrm>
-          <a:prstGeom prst="rect">
-            <a:avLst/>
-          </a:prstGeom>
-        </p:spPr>
-        <p:txBody>
-          <a:bodyPr wrap="square" lIns="0" tIns="0" rIns="0" bIns="0" anchor="t" anchorCtr="0">
-            <a:spAutoFit/>
-          </a:bodyPr>
-          <a:lstStyle>
-            <a:lvl1pPr marL="0" indent="0" algn="l" defTabSz="685800" rtl="0" eaLnBrk="1" latinLnBrk="0" hangingPunct="1">
-              <a:lnSpc>
-                <a:spcPct val="90000"/>
-              </a:lnSpc>
-              <a:spcBef>
-                <a:spcPts val="750"/>
-              </a:spcBef>
-              <a:buFont typeface="Arial"/>
-              <a:buNone/>
-              <a:defRPr sz="3500" b="1" i="0" kern="1200">
-                <a:solidFill>
-                  <a:srgbClr val="E8E7E9"/>
-                </a:solidFill>
-                <a:latin typeface="Raleway Black" charset="0"/>
-                <a:ea typeface="Raleway Black" charset="0"/>
-                <a:cs typeface="Raleway Black" charset="0"/>
-              </a:defRPr>
-            </a:lvl1pPr>
-            <a:lvl2pPr marL="514350" indent="-171450" algn="l" defTabSz="685800" rtl="0" eaLnBrk="1" latinLnBrk="0" hangingPunct="1">
-              <a:lnSpc>
-                <a:spcPct val="90000"/>
-              </a:lnSpc>
-              <a:spcBef>
-                <a:spcPts val="375"/>
-              </a:spcBef>
-              <a:buFont typeface="Arial"/>
-              <a:buChar char="•"/>
-              <a:defRPr sz="1800" kern="1200">
-                <a:solidFill>
-                  <a:schemeClr val="tx1"/>
-                </a:solidFill>
-                <a:latin typeface="+mn-lt"/>
-                <a:ea typeface="+mn-ea"/>
-                <a:cs typeface="+mn-cs"/>
-              </a:defRPr>
-            </a:lvl2pPr>
-            <a:lvl3pPr marL="857250" indent="-171450" algn="l" defTabSz="685800" rtl="0" eaLnBrk="1" latinLnBrk="0" hangingPunct="1">
-              <a:lnSpc>
-                <a:spcPct val="90000"/>
-              </a:lnSpc>
-              <a:spcBef>
-                <a:spcPts val="375"/>
-              </a:spcBef>
-              <a:buFont typeface="Arial"/>
-              <a:buChar char="•"/>
-              <a:defRPr sz="1500" kern="1200">
-                <a:solidFill>
-                  <a:schemeClr val="tx1"/>
-                </a:solidFill>
-                <a:latin typeface="+mn-lt"/>
-                <a:ea typeface="+mn-ea"/>
-                <a:cs typeface="+mn-cs"/>
-              </a:defRPr>
-            </a:lvl3pPr>
-            <a:lvl4pPr marL="1200150" indent="-171450" algn="l" defTabSz="685800" rtl="0" eaLnBrk="1" latinLnBrk="0" hangingPunct="1">
-              <a:lnSpc>
-                <a:spcPct val="90000"/>
-              </a:lnSpc>
-              <a:spcBef>
-                <a:spcPts val="375"/>
-              </a:spcBef>
-              <a:buFont typeface="Arial"/>
-              <a:buChar char="•"/>
-              <a:defRPr sz="1350" kern="1200">
-                <a:solidFill>
-                  <a:schemeClr val="tx1"/>
-                </a:solidFill>
-                <a:latin typeface="+mn-lt"/>
-                <a:ea typeface="+mn-ea"/>
-                <a:cs typeface="+mn-cs"/>
-              </a:defRPr>
-            </a:lvl4pPr>
-            <a:lvl5pPr marL="1543050" indent="-171450" algn="l" defTabSz="685800" rtl="0" eaLnBrk="1" latinLnBrk="0" hangingPunct="1">
-              <a:lnSpc>
-                <a:spcPct val="90000"/>
-              </a:lnSpc>
-              <a:spcBef>
-                <a:spcPts val="375"/>
-              </a:spcBef>
-              <a:buFont typeface="Arial"/>
-              <a:buChar char="•"/>
-              <a:defRPr sz="1350" kern="1200">
-                <a:solidFill>
-                  <a:schemeClr val="tx1"/>
-                </a:solidFill>
-                <a:latin typeface="+mn-lt"/>
-                <a:ea typeface="+mn-ea"/>
-                <a:cs typeface="+mn-cs"/>
-              </a:defRPr>
-            </a:lvl5pPr>
-            <a:lvl6pPr marL="1885950" indent="-171450" algn="l" defTabSz="685800" rtl="0" eaLnBrk="1" latinLnBrk="0" hangingPunct="1">
-              <a:lnSpc>
-                <a:spcPct val="90000"/>
-              </a:lnSpc>
-              <a:spcBef>
-                <a:spcPts val="375"/>
-              </a:spcBef>
-              <a:buFont typeface="Arial"/>
-              <a:buChar char="•"/>
-              <a:defRPr sz="1350" kern="1200">
-                <a:solidFill>
-                  <a:schemeClr val="tx1"/>
-                </a:solidFill>
-                <a:latin typeface="+mn-lt"/>
-                <a:ea typeface="+mn-ea"/>
-                <a:cs typeface="+mn-cs"/>
-              </a:defRPr>
-            </a:lvl6pPr>
-            <a:lvl7pPr marL="2228850" indent="-171450" algn="l" defTabSz="685800" rtl="0" eaLnBrk="1" latinLnBrk="0" hangingPunct="1">
-              <a:lnSpc>
-                <a:spcPct val="90000"/>
-              </a:lnSpc>
-              <a:spcBef>
-                <a:spcPts val="375"/>
-              </a:spcBef>
-              <a:buFont typeface="Arial"/>
-              <a:buChar char="•"/>
-              <a:defRPr sz="1350" kern="1200">
-                <a:solidFill>
-                  <a:schemeClr val="tx1"/>
-                </a:solidFill>
-                <a:latin typeface="+mn-lt"/>
-                <a:ea typeface="+mn-ea"/>
-                <a:cs typeface="+mn-cs"/>
-              </a:defRPr>
-            </a:lvl7pPr>
-            <a:lvl8pPr marL="2571750" indent="-171450" algn="l" defTabSz="685800" rtl="0" eaLnBrk="1" latinLnBrk="0" hangingPunct="1">
-              <a:lnSpc>
-                <a:spcPct val="90000"/>
-              </a:lnSpc>
-              <a:spcBef>
-                <a:spcPts val="375"/>
-              </a:spcBef>
-              <a:buFont typeface="Arial"/>
-              <a:buChar char="•"/>
-              <a:defRPr sz="1350" kern="1200">
-                <a:solidFill>
-                  <a:schemeClr val="tx1"/>
-                </a:solidFill>
-                <a:latin typeface="+mn-lt"/>
-                <a:ea typeface="+mn-ea"/>
-                <a:cs typeface="+mn-cs"/>
-              </a:defRPr>
-            </a:lvl8pPr>
-            <a:lvl9pPr marL="2914650" indent="-171450" algn="l" defTabSz="685800" rtl="0" eaLnBrk="1" latinLnBrk="0" hangingPunct="1">
-              <a:lnSpc>
-                <a:spcPct val="90000"/>
-              </a:lnSpc>
-              <a:spcBef>
-                <a:spcPts val="375"/>
-              </a:spcBef>
-              <a:buFont typeface="Arial"/>
-              <a:buChar char="•"/>
-              <a:defRPr sz="1350" kern="1200">
-                <a:solidFill>
-                  <a:schemeClr val="tx1"/>
-                </a:solidFill>
-                <a:latin typeface="+mn-lt"/>
-                <a:ea typeface="+mn-ea"/>
-                <a:cs typeface="+mn-cs"/>
-              </a:defRPr>
-            </a:lvl9pPr>
-          </a:lstStyle>
-          <a:p>
-            <a:pPr algn="ctr"/>
-            <a:r>
-              <a:rPr lang="es-ES_tradnl" sz="2800">
-                <a:solidFill>
-                  <a:schemeClr val="bg1"/>
-                </a:solidFill>
-                <a:latin typeface="FontAwesome"/>
-                <a:ea typeface="FontAwesome"/>
-                <a:cs typeface="FontAwesome"/>
-                <a:sym typeface="FontAwesome"/>
-              </a:rPr>
-              <a:t></a:t>
-            </a:r>
-            <a:endParaRPr lang="en-US" sz="2500" dirty="0">
-              <a:solidFill>
-                <a:schemeClr val="bg1"/>
-              </a:solidFill>
-              <a:latin typeface="FontAwesome" charset="0"/>
-              <a:ea typeface="FontAwesome" charset="0"/>
-              <a:cs typeface="FontAwesome" charset="0"/>
-            </a:endParaRPr>
-          </a:p>
-        </p:txBody>
-      </p:sp>
-      <p:sp>
-        <p:nvSpPr>
-          <p:cNvPr id="3" name="TextBox 2">
+      <p:pic>
+        <p:nvPicPr>
+          <p:cNvPr id="7" name="Picture 6">
             <a:extLst>
               <a:ext uri="{FF2B5EF4-FFF2-40B4-BE49-F238E27FC236}">
-                <a16:creationId xmlns:a16="http://schemas.microsoft.com/office/drawing/2014/main" id="{8FAFDB86-0D33-400E-87E3-98165C816466}"/>
-              </a:ext>
-            </a:extLst>
-          </p:cNvPr>
-          <p:cNvSpPr txBox="1"/>
-          <p:nvPr/>
-        </p:nvSpPr>
-        <p:spPr>
-          <a:xfrm>
-            <a:off x="882316" y="1548063"/>
-            <a:ext cx="6505073" cy="338554"/>
-          </a:xfrm>
-          <a:prstGeom prst="rect">
-            <a:avLst/>
-          </a:prstGeom>
-          <a:noFill/>
-        </p:spPr>
-        <p:txBody>
-          <a:bodyPr wrap="square" rtlCol="0">
-            <a:spAutoFit/>
-          </a:bodyPr>
-          <a:lstStyle/>
-          <a:p>
-            <a:r>
-              <a:rPr lang="en-US" sz="1600" dirty="0"/>
-              <a:t>- Easy log management, collect log from multiple resources.</a:t>
-            </a:r>
-          </a:p>
-        </p:txBody>
-      </p:sp>
-      <p:sp>
-        <p:nvSpPr>
-          <p:cNvPr id="18" name="TextBox 17">
-            <a:extLst>
-              <a:ext uri="{FF2B5EF4-FFF2-40B4-BE49-F238E27FC236}">
-                <a16:creationId xmlns:a16="http://schemas.microsoft.com/office/drawing/2014/main" id="{FD72BD38-61B7-404D-A21B-03236CA77180}"/>
-              </a:ext>
-            </a:extLst>
-          </p:cNvPr>
-          <p:cNvSpPr txBox="1"/>
-          <p:nvPr/>
-        </p:nvSpPr>
-        <p:spPr>
-          <a:xfrm>
-            <a:off x="882316" y="2052796"/>
-            <a:ext cx="6505073" cy="338554"/>
-          </a:xfrm>
-          <a:prstGeom prst="rect">
-            <a:avLst/>
-          </a:prstGeom>
-          <a:noFill/>
-        </p:spPr>
-        <p:txBody>
-          <a:bodyPr wrap="square" rtlCol="0">
-            <a:spAutoFit/>
-          </a:bodyPr>
-          <a:lstStyle/>
-          <a:p>
-            <a:r>
-              <a:rPr lang="en-US" sz="1600" dirty="0"/>
-              <a:t>- Easy to integrate with other systems.</a:t>
-            </a:r>
-          </a:p>
-        </p:txBody>
-      </p:sp>
-      <p:sp>
-        <p:nvSpPr>
-          <p:cNvPr id="19" name="TextBox 18">
-            <a:extLst>
-              <a:ext uri="{FF2B5EF4-FFF2-40B4-BE49-F238E27FC236}">
-                <a16:creationId xmlns:a16="http://schemas.microsoft.com/office/drawing/2014/main" id="{4D7EAB54-E6FA-44DC-845A-F2B314309AEC}"/>
-              </a:ext>
-            </a:extLst>
-          </p:cNvPr>
-          <p:cNvSpPr txBox="1"/>
-          <p:nvPr/>
-        </p:nvSpPr>
-        <p:spPr>
-          <a:xfrm>
-            <a:off x="882316" y="2557529"/>
-            <a:ext cx="6505073" cy="338554"/>
-          </a:xfrm>
-          <a:prstGeom prst="rect">
-            <a:avLst/>
-          </a:prstGeom>
-          <a:noFill/>
-        </p:spPr>
-        <p:txBody>
-          <a:bodyPr wrap="square" rtlCol="0">
-            <a:spAutoFit/>
-          </a:bodyPr>
-          <a:lstStyle/>
-          <a:p>
-            <a:r>
-              <a:rPr lang="en-US" sz="1600" dirty="0"/>
-              <a:t>- FREE.</a:t>
-            </a:r>
-          </a:p>
-        </p:txBody>
-      </p:sp>
-      <p:sp>
-        <p:nvSpPr>
-          <p:cNvPr id="20" name="TextBox 19">
-            <a:extLst>
-              <a:ext uri="{FF2B5EF4-FFF2-40B4-BE49-F238E27FC236}">
-                <a16:creationId xmlns:a16="http://schemas.microsoft.com/office/drawing/2014/main" id="{9C87EC5F-2591-44CC-B06A-2EBB5B122F0B}"/>
-              </a:ext>
-            </a:extLst>
-          </p:cNvPr>
-          <p:cNvSpPr txBox="1"/>
-          <p:nvPr/>
-        </p:nvSpPr>
-        <p:spPr>
-          <a:xfrm>
-            <a:off x="882314" y="3062262"/>
-            <a:ext cx="6505073" cy="338554"/>
-          </a:xfrm>
-          <a:prstGeom prst="rect">
-            <a:avLst/>
-          </a:prstGeom>
-          <a:noFill/>
-        </p:spPr>
-        <p:txBody>
-          <a:bodyPr wrap="square" rtlCol="0">
-            <a:spAutoFit/>
-          </a:bodyPr>
-          <a:lstStyle/>
-          <a:p>
-            <a:r>
-              <a:rPr lang="en-US" sz="1600" dirty="0"/>
-              <a:t>- Good extension and development.</a:t>
-            </a:r>
-          </a:p>
-        </p:txBody>
-      </p:sp>
-      <p:sp>
-        <p:nvSpPr>
-          <p:cNvPr id="21" name="TextBox 20">
-            <a:extLst>
-              <a:ext uri="{FF2B5EF4-FFF2-40B4-BE49-F238E27FC236}">
-                <a16:creationId xmlns:a16="http://schemas.microsoft.com/office/drawing/2014/main" id="{193E31C2-4640-4D1D-AAD8-73568CDD74BE}"/>
-              </a:ext>
-            </a:extLst>
-          </p:cNvPr>
-          <p:cNvSpPr txBox="1"/>
-          <p:nvPr/>
-        </p:nvSpPr>
-        <p:spPr>
-          <a:xfrm>
-            <a:off x="882313" y="3566995"/>
-            <a:ext cx="6505073" cy="338554"/>
-          </a:xfrm>
-          <a:prstGeom prst="rect">
-            <a:avLst/>
-          </a:prstGeom>
-          <a:noFill/>
-        </p:spPr>
-        <p:txBody>
-          <a:bodyPr wrap="square" rtlCol="0">
-            <a:spAutoFit/>
-          </a:bodyPr>
-          <a:lstStyle/>
-          <a:p>
-            <a:r>
-              <a:rPr lang="en-US" sz="1600" dirty="0"/>
-              <a:t>- Powerful filters and search engine.</a:t>
-            </a:r>
-          </a:p>
-        </p:txBody>
-      </p:sp>
-      <p:sp>
-        <p:nvSpPr>
-          <p:cNvPr id="22" name="TextBox 21">
-            <a:extLst>
-              <a:ext uri="{FF2B5EF4-FFF2-40B4-BE49-F238E27FC236}">
-                <a16:creationId xmlns:a16="http://schemas.microsoft.com/office/drawing/2014/main" id="{85A84EAC-07FF-489A-BB92-807CD3083BC2}"/>
-              </a:ext>
-            </a:extLst>
-          </p:cNvPr>
-          <p:cNvSpPr txBox="1"/>
-          <p:nvPr/>
-        </p:nvSpPr>
-        <p:spPr>
-          <a:xfrm>
-            <a:off x="882313" y="4071024"/>
-            <a:ext cx="6505073" cy="338554"/>
-          </a:xfrm>
-          <a:prstGeom prst="rect">
-            <a:avLst/>
-          </a:prstGeom>
-          <a:noFill/>
-        </p:spPr>
-        <p:txBody>
-          <a:bodyPr wrap="square" rtlCol="0">
-            <a:spAutoFit/>
-          </a:bodyPr>
-          <a:lstStyle/>
-          <a:p>
-            <a:r>
-              <a:rPr lang="en-US" sz="1600" dirty="0"/>
-              <a:t>- Great support community and variety tutorials.</a:t>
-            </a:r>
-          </a:p>
-        </p:txBody>
-      </p:sp>
-      <p:pic>
-        <p:nvPicPr>
-          <p:cNvPr id="28" name="Picture 27">
-            <a:extLst>
-              <a:ext uri="{FF2B5EF4-FFF2-40B4-BE49-F238E27FC236}">
-                <a16:creationId xmlns:a16="http://schemas.microsoft.com/office/drawing/2014/main" id="{CF3BD9C0-97E9-4A3B-B049-F4593C1275F9}"/>
+                <a16:creationId xmlns:a16="http://schemas.microsoft.com/office/drawing/2014/main" id="{33351C85-E3C8-450A-8328-773D66321EBA}"/>
               </a:ext>
             </a:extLst>
           </p:cNvPr>
@@ -9478,8 +8714,36 @@
         </p:blipFill>
         <p:spPr>
           <a:xfrm>
-            <a:off x="7102795" y="152307"/>
-            <a:ext cx="1815460" cy="694562"/>
+            <a:off x="7372900" y="137987"/>
+            <a:ext cx="1316221" cy="568607"/>
+          </a:xfrm>
+          <a:prstGeom prst="rect">
+            <a:avLst/>
+          </a:prstGeom>
+        </p:spPr>
+      </p:pic>
+      <p:pic>
+        <p:nvPicPr>
+          <p:cNvPr id="8" name="Picture 7">
+            <a:extLst>
+              <a:ext uri="{FF2B5EF4-FFF2-40B4-BE49-F238E27FC236}">
+                <a16:creationId xmlns:a16="http://schemas.microsoft.com/office/drawing/2014/main" id="{88B768A8-39F8-4428-A053-D4B9F20CCCB2}"/>
+              </a:ext>
+            </a:extLst>
+          </p:cNvPr>
+          <p:cNvPicPr/>
+          <p:nvPr/>
+        </p:nvPicPr>
+        <p:blipFill>
+          <a:blip r:embed="rId3"/>
+          <a:stretch>
+            <a:fillRect/>
+          </a:stretch>
+        </p:blipFill>
+        <p:spPr>
+          <a:xfrm>
+            <a:off x="2142807" y="1580811"/>
+            <a:ext cx="4858385" cy="2733675"/>
           </a:xfrm>
           <a:prstGeom prst="rect">
             <a:avLst/>
@@ -9489,7 +8753,7 @@
     </p:spTree>
     <p:extLst>
       <p:ext uri="{BB962C8B-B14F-4D97-AF65-F5344CB8AC3E}">
-        <p14:creationId xmlns:p14="http://schemas.microsoft.com/office/powerpoint/2010/main" val="1257494636"/>
+        <p14:creationId xmlns:p14="http://schemas.microsoft.com/office/powerpoint/2010/main" val="3954305552"/>
       </p:ext>
     </p:extLst>
   </p:cSld>
@@ -9505,7 +8769,7 @@
     <p:bg>
       <p:bgPr>
         <a:solidFill>
-          <a:schemeClr val="accent3"/>
+          <a:schemeClr val="accent2"/>
         </a:solidFill>
         <a:effectLst/>
       </p:bgPr>
@@ -9536,28 +8800,23 @@
         </p:nvSpPr>
         <p:spPr>
           <a:xfrm>
-            <a:off x="248419" y="320276"/>
-            <a:ext cx="5732252" cy="4342773"/>
+            <a:off x="512030" y="1120781"/>
+            <a:ext cx="3378181" cy="4153958"/>
           </a:xfrm>
         </p:spPr>
         <p:txBody>
           <a:bodyPr/>
           <a:lstStyle/>
           <a:p>
-            <a:pPr>
-              <a:lnSpc>
-                <a:spcPts val="12000"/>
-              </a:lnSpc>
-            </a:pPr>
-            <a:r>
-              <a:rPr lang="es-ES_tradnl" sz="11500" dirty="0">
-                <a:solidFill>
-                  <a:schemeClr val="accent3">
+            <a:r>
+              <a:rPr lang="es-ES_tradnl" dirty="0">
+                <a:solidFill>
+                  <a:schemeClr val="accent2">
                     <a:lumMod val="75000"/>
                   </a:schemeClr>
                 </a:solidFill>
               </a:rPr>
-              <a:t>IMPLEMENTATION</a:t>
+              <a:t>ADVANTAGES</a:t>
             </a:r>
           </a:p>
         </p:txBody>
@@ -9575,7 +8834,7 @@
         <p:spPr>
           <a:xfrm>
             <a:off x="512030" y="2020551"/>
-            <a:ext cx="5732251" cy="611436"/>
+            <a:ext cx="6526273" cy="611436"/>
           </a:xfrm>
         </p:spPr>
         <p:txBody>
@@ -9584,9 +8843,10 @@
           <a:p>
             <a:pPr algn="l"/>
             <a:r>
-              <a:rPr lang="es-ES_tradnl" dirty="0"/>
-              <a:t>IMPLEMETATION OF EFK</a:t>
-            </a:r>
+              <a:rPr lang="en-US" dirty="0"/>
+              <a:t>WHY WE SHOULD USE EFK?</a:t>
+            </a:r>
+            <a:endParaRPr lang="es-ES_tradnl" dirty="0"/>
           </a:p>
         </p:txBody>
       </p:sp>
@@ -9781,7 +9041,7 @@
             <a:pPr algn="l"/>
             <a:r>
               <a:rPr lang="es-ES_tradnl" sz="1500" dirty="0"/>
-              <a:t>TO MICROSERVICE APPLICATION</a:t>
+              <a:t>THE ADVANTAGES OF EFK</a:t>
             </a:r>
           </a:p>
         </p:txBody>
@@ -9789,7 +9049,7 @@
     </p:spTree>
     <p:extLst>
       <p:ext uri="{BB962C8B-B14F-4D97-AF65-F5344CB8AC3E}">
-        <p14:creationId xmlns:p14="http://schemas.microsoft.com/office/powerpoint/2010/main" val="1480889662"/>
+        <p14:creationId xmlns:p14="http://schemas.microsoft.com/office/powerpoint/2010/main" val="980578346"/>
       </p:ext>
     </p:extLst>
   </p:cSld>
@@ -9828,8 +9088,8 @@
         </p:nvSpPr>
         <p:spPr>
           <a:xfrm>
-            <a:off x="503238" y="892206"/>
-            <a:ext cx="2976777" cy="2769989"/>
+            <a:off x="512029" y="440817"/>
+            <a:ext cx="4367701" cy="597510"/>
           </a:xfrm>
         </p:spPr>
         <p:txBody>
@@ -9855,18 +9115,17 @@
         </p:nvSpPr>
         <p:spPr>
           <a:xfrm>
-            <a:off x="512030" y="2453044"/>
-            <a:ext cx="2976777" cy="1090255"/>
+            <a:off x="503238" y="842626"/>
+            <a:ext cx="2635616" cy="423464"/>
           </a:xfrm>
         </p:spPr>
         <p:txBody>
           <a:bodyPr/>
           <a:lstStyle/>
           <a:p>
-            <a:pPr algn="l"/>
             <a:r>
               <a:rPr lang="es-ES_tradnl" dirty="0"/>
-              <a:t>SETUP EFK</a:t>
+              <a:t>THE ADVANTAGES OF EFK</a:t>
             </a:r>
           </a:p>
         </p:txBody>
@@ -9879,8 +9138,8 @@
         </p:nvCxnSpPr>
         <p:spPr>
           <a:xfrm>
-            <a:off x="503238" y="2453045"/>
-            <a:ext cx="2985569" cy="0"/>
+            <a:off x="503238" y="844190"/>
+            <a:ext cx="8281987" cy="0"/>
           </a:xfrm>
           <a:prstGeom prst="line">
             <a:avLst/>
@@ -9909,12 +9168,846 @@
           </a:fontRef>
         </p:style>
       </p:cxnSp>
+      <p:sp>
+        <p:nvSpPr>
+          <p:cNvPr id="26" name="Text Placeholder 20"/>
+          <p:cNvSpPr txBox="1">
+            <a:spLocks/>
+          </p:cNvSpPr>
+          <p:nvPr/>
+        </p:nvSpPr>
+        <p:spPr>
+          <a:xfrm>
+            <a:off x="1329714" y="2116839"/>
+            <a:ext cx="516670" cy="346249"/>
+          </a:xfrm>
+          <a:prstGeom prst="rect">
+            <a:avLst/>
+          </a:prstGeom>
+        </p:spPr>
+        <p:txBody>
+          <a:bodyPr wrap="square" lIns="0" tIns="0" rIns="0" bIns="0" anchor="t" anchorCtr="0">
+            <a:spAutoFit/>
+          </a:bodyPr>
+          <a:lstStyle>
+            <a:lvl1pPr marL="0" indent="0" algn="l" defTabSz="685800" rtl="0" eaLnBrk="1" latinLnBrk="0" hangingPunct="1">
+              <a:lnSpc>
+                <a:spcPct val="90000"/>
+              </a:lnSpc>
+              <a:spcBef>
+                <a:spcPts val="750"/>
+              </a:spcBef>
+              <a:buFont typeface="Arial"/>
+              <a:buNone/>
+              <a:defRPr sz="3500" b="1" i="0" kern="1200">
+                <a:solidFill>
+                  <a:srgbClr val="E8E7E9"/>
+                </a:solidFill>
+                <a:latin typeface="Raleway Black" charset="0"/>
+                <a:ea typeface="Raleway Black" charset="0"/>
+                <a:cs typeface="Raleway Black" charset="0"/>
+              </a:defRPr>
+            </a:lvl1pPr>
+            <a:lvl2pPr marL="514350" indent="-171450" algn="l" defTabSz="685800" rtl="0" eaLnBrk="1" latinLnBrk="0" hangingPunct="1">
+              <a:lnSpc>
+                <a:spcPct val="90000"/>
+              </a:lnSpc>
+              <a:spcBef>
+                <a:spcPts val="375"/>
+              </a:spcBef>
+              <a:buFont typeface="Arial"/>
+              <a:buChar char="•"/>
+              <a:defRPr sz="1800" kern="1200">
+                <a:solidFill>
+                  <a:schemeClr val="tx1"/>
+                </a:solidFill>
+                <a:latin typeface="+mn-lt"/>
+                <a:ea typeface="+mn-ea"/>
+                <a:cs typeface="+mn-cs"/>
+              </a:defRPr>
+            </a:lvl2pPr>
+            <a:lvl3pPr marL="857250" indent="-171450" algn="l" defTabSz="685800" rtl="0" eaLnBrk="1" latinLnBrk="0" hangingPunct="1">
+              <a:lnSpc>
+                <a:spcPct val="90000"/>
+              </a:lnSpc>
+              <a:spcBef>
+                <a:spcPts val="375"/>
+              </a:spcBef>
+              <a:buFont typeface="Arial"/>
+              <a:buChar char="•"/>
+              <a:defRPr sz="1500" kern="1200">
+                <a:solidFill>
+                  <a:schemeClr val="tx1"/>
+                </a:solidFill>
+                <a:latin typeface="+mn-lt"/>
+                <a:ea typeface="+mn-ea"/>
+                <a:cs typeface="+mn-cs"/>
+              </a:defRPr>
+            </a:lvl3pPr>
+            <a:lvl4pPr marL="1200150" indent="-171450" algn="l" defTabSz="685800" rtl="0" eaLnBrk="1" latinLnBrk="0" hangingPunct="1">
+              <a:lnSpc>
+                <a:spcPct val="90000"/>
+              </a:lnSpc>
+              <a:spcBef>
+                <a:spcPts val="375"/>
+              </a:spcBef>
+              <a:buFont typeface="Arial"/>
+              <a:buChar char="•"/>
+              <a:defRPr sz="1350" kern="1200">
+                <a:solidFill>
+                  <a:schemeClr val="tx1"/>
+                </a:solidFill>
+                <a:latin typeface="+mn-lt"/>
+                <a:ea typeface="+mn-ea"/>
+                <a:cs typeface="+mn-cs"/>
+              </a:defRPr>
+            </a:lvl4pPr>
+            <a:lvl5pPr marL="1543050" indent="-171450" algn="l" defTabSz="685800" rtl="0" eaLnBrk="1" latinLnBrk="0" hangingPunct="1">
+              <a:lnSpc>
+                <a:spcPct val="90000"/>
+              </a:lnSpc>
+              <a:spcBef>
+                <a:spcPts val="375"/>
+              </a:spcBef>
+              <a:buFont typeface="Arial"/>
+              <a:buChar char="•"/>
+              <a:defRPr sz="1350" kern="1200">
+                <a:solidFill>
+                  <a:schemeClr val="tx1"/>
+                </a:solidFill>
+                <a:latin typeface="+mn-lt"/>
+                <a:ea typeface="+mn-ea"/>
+                <a:cs typeface="+mn-cs"/>
+              </a:defRPr>
+            </a:lvl5pPr>
+            <a:lvl6pPr marL="1885950" indent="-171450" algn="l" defTabSz="685800" rtl="0" eaLnBrk="1" latinLnBrk="0" hangingPunct="1">
+              <a:lnSpc>
+                <a:spcPct val="90000"/>
+              </a:lnSpc>
+              <a:spcBef>
+                <a:spcPts val="375"/>
+              </a:spcBef>
+              <a:buFont typeface="Arial"/>
+              <a:buChar char="•"/>
+              <a:defRPr sz="1350" kern="1200">
+                <a:solidFill>
+                  <a:schemeClr val="tx1"/>
+                </a:solidFill>
+                <a:latin typeface="+mn-lt"/>
+                <a:ea typeface="+mn-ea"/>
+                <a:cs typeface="+mn-cs"/>
+              </a:defRPr>
+            </a:lvl6pPr>
+            <a:lvl7pPr marL="2228850" indent="-171450" algn="l" defTabSz="685800" rtl="0" eaLnBrk="1" latinLnBrk="0" hangingPunct="1">
+              <a:lnSpc>
+                <a:spcPct val="90000"/>
+              </a:lnSpc>
+              <a:spcBef>
+                <a:spcPts val="375"/>
+              </a:spcBef>
+              <a:buFont typeface="Arial"/>
+              <a:buChar char="•"/>
+              <a:defRPr sz="1350" kern="1200">
+                <a:solidFill>
+                  <a:schemeClr val="tx1"/>
+                </a:solidFill>
+                <a:latin typeface="+mn-lt"/>
+                <a:ea typeface="+mn-ea"/>
+                <a:cs typeface="+mn-cs"/>
+              </a:defRPr>
+            </a:lvl7pPr>
+            <a:lvl8pPr marL="2571750" indent="-171450" algn="l" defTabSz="685800" rtl="0" eaLnBrk="1" latinLnBrk="0" hangingPunct="1">
+              <a:lnSpc>
+                <a:spcPct val="90000"/>
+              </a:lnSpc>
+              <a:spcBef>
+                <a:spcPts val="375"/>
+              </a:spcBef>
+              <a:buFont typeface="Arial"/>
+              <a:buChar char="•"/>
+              <a:defRPr sz="1350" kern="1200">
+                <a:solidFill>
+                  <a:schemeClr val="tx1"/>
+                </a:solidFill>
+                <a:latin typeface="+mn-lt"/>
+                <a:ea typeface="+mn-ea"/>
+                <a:cs typeface="+mn-cs"/>
+              </a:defRPr>
+            </a:lvl8pPr>
+            <a:lvl9pPr marL="2914650" indent="-171450" algn="l" defTabSz="685800" rtl="0" eaLnBrk="1" latinLnBrk="0" hangingPunct="1">
+              <a:lnSpc>
+                <a:spcPct val="90000"/>
+              </a:lnSpc>
+              <a:spcBef>
+                <a:spcPts val="375"/>
+              </a:spcBef>
+              <a:buFont typeface="Arial"/>
+              <a:buChar char="•"/>
+              <a:defRPr sz="1350" kern="1200">
+                <a:solidFill>
+                  <a:schemeClr val="tx1"/>
+                </a:solidFill>
+                <a:latin typeface="+mn-lt"/>
+                <a:ea typeface="+mn-ea"/>
+                <a:cs typeface="+mn-cs"/>
+              </a:defRPr>
+            </a:lvl9pPr>
+          </a:lstStyle>
+          <a:p>
+            <a:pPr algn="ctr"/>
+            <a:r>
+              <a:rPr lang="en-US" sz="2500" dirty="0">
+                <a:solidFill>
+                  <a:schemeClr val="bg1"/>
+                </a:solidFill>
+                <a:latin typeface="FontAwesome" pitchFamily="2" charset="0"/>
+              </a:rPr>
+              <a:t></a:t>
+            </a:r>
+            <a:endParaRPr lang="en-US" sz="2500" dirty="0">
+              <a:solidFill>
+                <a:schemeClr val="bg1"/>
+              </a:solidFill>
+              <a:latin typeface="FontAwesome" charset="0"/>
+              <a:ea typeface="FontAwesome" charset="0"/>
+              <a:cs typeface="FontAwesome" charset="0"/>
+            </a:endParaRPr>
+          </a:p>
+        </p:txBody>
+      </p:sp>
+      <p:sp>
+        <p:nvSpPr>
+          <p:cNvPr id="27" name="Text Placeholder 20"/>
+          <p:cNvSpPr txBox="1">
+            <a:spLocks/>
+          </p:cNvSpPr>
+          <p:nvPr/>
+        </p:nvSpPr>
+        <p:spPr>
+          <a:xfrm>
+            <a:off x="4315559" y="2116839"/>
+            <a:ext cx="516670" cy="346249"/>
+          </a:xfrm>
+          <a:prstGeom prst="rect">
+            <a:avLst/>
+          </a:prstGeom>
+        </p:spPr>
+        <p:txBody>
+          <a:bodyPr wrap="square" lIns="0" tIns="0" rIns="0" bIns="0" anchor="t" anchorCtr="0">
+            <a:spAutoFit/>
+          </a:bodyPr>
+          <a:lstStyle>
+            <a:lvl1pPr marL="0" indent="0" algn="l" defTabSz="685800" rtl="0" eaLnBrk="1" latinLnBrk="0" hangingPunct="1">
+              <a:lnSpc>
+                <a:spcPct val="90000"/>
+              </a:lnSpc>
+              <a:spcBef>
+                <a:spcPts val="750"/>
+              </a:spcBef>
+              <a:buFont typeface="Arial"/>
+              <a:buNone/>
+              <a:defRPr sz="3500" b="1" i="0" kern="1200">
+                <a:solidFill>
+                  <a:srgbClr val="E8E7E9"/>
+                </a:solidFill>
+                <a:latin typeface="Raleway Black" charset="0"/>
+                <a:ea typeface="Raleway Black" charset="0"/>
+                <a:cs typeface="Raleway Black" charset="0"/>
+              </a:defRPr>
+            </a:lvl1pPr>
+            <a:lvl2pPr marL="514350" indent="-171450" algn="l" defTabSz="685800" rtl="0" eaLnBrk="1" latinLnBrk="0" hangingPunct="1">
+              <a:lnSpc>
+                <a:spcPct val="90000"/>
+              </a:lnSpc>
+              <a:spcBef>
+                <a:spcPts val="375"/>
+              </a:spcBef>
+              <a:buFont typeface="Arial"/>
+              <a:buChar char="•"/>
+              <a:defRPr sz="1800" kern="1200">
+                <a:solidFill>
+                  <a:schemeClr val="tx1"/>
+                </a:solidFill>
+                <a:latin typeface="+mn-lt"/>
+                <a:ea typeface="+mn-ea"/>
+                <a:cs typeface="+mn-cs"/>
+              </a:defRPr>
+            </a:lvl2pPr>
+            <a:lvl3pPr marL="857250" indent="-171450" algn="l" defTabSz="685800" rtl="0" eaLnBrk="1" latinLnBrk="0" hangingPunct="1">
+              <a:lnSpc>
+                <a:spcPct val="90000"/>
+              </a:lnSpc>
+              <a:spcBef>
+                <a:spcPts val="375"/>
+              </a:spcBef>
+              <a:buFont typeface="Arial"/>
+              <a:buChar char="•"/>
+              <a:defRPr sz="1500" kern="1200">
+                <a:solidFill>
+                  <a:schemeClr val="tx1"/>
+                </a:solidFill>
+                <a:latin typeface="+mn-lt"/>
+                <a:ea typeface="+mn-ea"/>
+                <a:cs typeface="+mn-cs"/>
+              </a:defRPr>
+            </a:lvl3pPr>
+            <a:lvl4pPr marL="1200150" indent="-171450" algn="l" defTabSz="685800" rtl="0" eaLnBrk="1" latinLnBrk="0" hangingPunct="1">
+              <a:lnSpc>
+                <a:spcPct val="90000"/>
+              </a:lnSpc>
+              <a:spcBef>
+                <a:spcPts val="375"/>
+              </a:spcBef>
+              <a:buFont typeface="Arial"/>
+              <a:buChar char="•"/>
+              <a:defRPr sz="1350" kern="1200">
+                <a:solidFill>
+                  <a:schemeClr val="tx1"/>
+                </a:solidFill>
+                <a:latin typeface="+mn-lt"/>
+                <a:ea typeface="+mn-ea"/>
+                <a:cs typeface="+mn-cs"/>
+              </a:defRPr>
+            </a:lvl4pPr>
+            <a:lvl5pPr marL="1543050" indent="-171450" algn="l" defTabSz="685800" rtl="0" eaLnBrk="1" latinLnBrk="0" hangingPunct="1">
+              <a:lnSpc>
+                <a:spcPct val="90000"/>
+              </a:lnSpc>
+              <a:spcBef>
+                <a:spcPts val="375"/>
+              </a:spcBef>
+              <a:buFont typeface="Arial"/>
+              <a:buChar char="•"/>
+              <a:defRPr sz="1350" kern="1200">
+                <a:solidFill>
+                  <a:schemeClr val="tx1"/>
+                </a:solidFill>
+                <a:latin typeface="+mn-lt"/>
+                <a:ea typeface="+mn-ea"/>
+                <a:cs typeface="+mn-cs"/>
+              </a:defRPr>
+            </a:lvl5pPr>
+            <a:lvl6pPr marL="1885950" indent="-171450" algn="l" defTabSz="685800" rtl="0" eaLnBrk="1" latinLnBrk="0" hangingPunct="1">
+              <a:lnSpc>
+                <a:spcPct val="90000"/>
+              </a:lnSpc>
+              <a:spcBef>
+                <a:spcPts val="375"/>
+              </a:spcBef>
+              <a:buFont typeface="Arial"/>
+              <a:buChar char="•"/>
+              <a:defRPr sz="1350" kern="1200">
+                <a:solidFill>
+                  <a:schemeClr val="tx1"/>
+                </a:solidFill>
+                <a:latin typeface="+mn-lt"/>
+                <a:ea typeface="+mn-ea"/>
+                <a:cs typeface="+mn-cs"/>
+              </a:defRPr>
+            </a:lvl6pPr>
+            <a:lvl7pPr marL="2228850" indent="-171450" algn="l" defTabSz="685800" rtl="0" eaLnBrk="1" latinLnBrk="0" hangingPunct="1">
+              <a:lnSpc>
+                <a:spcPct val="90000"/>
+              </a:lnSpc>
+              <a:spcBef>
+                <a:spcPts val="375"/>
+              </a:spcBef>
+              <a:buFont typeface="Arial"/>
+              <a:buChar char="•"/>
+              <a:defRPr sz="1350" kern="1200">
+                <a:solidFill>
+                  <a:schemeClr val="tx1"/>
+                </a:solidFill>
+                <a:latin typeface="+mn-lt"/>
+                <a:ea typeface="+mn-ea"/>
+                <a:cs typeface="+mn-cs"/>
+              </a:defRPr>
+            </a:lvl7pPr>
+            <a:lvl8pPr marL="2571750" indent="-171450" algn="l" defTabSz="685800" rtl="0" eaLnBrk="1" latinLnBrk="0" hangingPunct="1">
+              <a:lnSpc>
+                <a:spcPct val="90000"/>
+              </a:lnSpc>
+              <a:spcBef>
+                <a:spcPts val="375"/>
+              </a:spcBef>
+              <a:buFont typeface="Arial"/>
+              <a:buChar char="•"/>
+              <a:defRPr sz="1350" kern="1200">
+                <a:solidFill>
+                  <a:schemeClr val="tx1"/>
+                </a:solidFill>
+                <a:latin typeface="+mn-lt"/>
+                <a:ea typeface="+mn-ea"/>
+                <a:cs typeface="+mn-cs"/>
+              </a:defRPr>
+            </a:lvl8pPr>
+            <a:lvl9pPr marL="2914650" indent="-171450" algn="l" defTabSz="685800" rtl="0" eaLnBrk="1" latinLnBrk="0" hangingPunct="1">
+              <a:lnSpc>
+                <a:spcPct val="90000"/>
+              </a:lnSpc>
+              <a:spcBef>
+                <a:spcPts val="375"/>
+              </a:spcBef>
+              <a:buFont typeface="Arial"/>
+              <a:buChar char="•"/>
+              <a:defRPr sz="1350" kern="1200">
+                <a:solidFill>
+                  <a:schemeClr val="tx1"/>
+                </a:solidFill>
+                <a:latin typeface="+mn-lt"/>
+                <a:ea typeface="+mn-ea"/>
+                <a:cs typeface="+mn-cs"/>
+              </a:defRPr>
+            </a:lvl9pPr>
+          </a:lstStyle>
+          <a:p>
+            <a:pPr algn="ctr"/>
+            <a:r>
+              <a:rPr lang="en-US" sz="2500" dirty="0">
+                <a:solidFill>
+                  <a:schemeClr val="bg1"/>
+                </a:solidFill>
+                <a:latin typeface="FontAwesome" pitchFamily="2" charset="0"/>
+              </a:rPr>
+              <a:t></a:t>
+            </a:r>
+            <a:endParaRPr lang="en-US" sz="2500" dirty="0">
+              <a:solidFill>
+                <a:schemeClr val="bg1"/>
+              </a:solidFill>
+              <a:latin typeface="FontAwesome" charset="0"/>
+              <a:ea typeface="FontAwesome" charset="0"/>
+              <a:cs typeface="FontAwesome" charset="0"/>
+            </a:endParaRPr>
+          </a:p>
+        </p:txBody>
+      </p:sp>
+      <p:sp>
+        <p:nvSpPr>
+          <p:cNvPr id="29" name="Text Placeholder 20"/>
+          <p:cNvSpPr txBox="1">
+            <a:spLocks/>
+          </p:cNvSpPr>
+          <p:nvPr/>
+        </p:nvSpPr>
+        <p:spPr>
+          <a:xfrm>
+            <a:off x="7542148" y="2116839"/>
+            <a:ext cx="516670" cy="387798"/>
+          </a:xfrm>
+          <a:prstGeom prst="rect">
+            <a:avLst/>
+          </a:prstGeom>
+        </p:spPr>
+        <p:txBody>
+          <a:bodyPr wrap="square" lIns="0" tIns="0" rIns="0" bIns="0" anchor="t" anchorCtr="0">
+            <a:spAutoFit/>
+          </a:bodyPr>
+          <a:lstStyle>
+            <a:lvl1pPr marL="0" indent="0" algn="l" defTabSz="685800" rtl="0" eaLnBrk="1" latinLnBrk="0" hangingPunct="1">
+              <a:lnSpc>
+                <a:spcPct val="90000"/>
+              </a:lnSpc>
+              <a:spcBef>
+                <a:spcPts val="750"/>
+              </a:spcBef>
+              <a:buFont typeface="Arial"/>
+              <a:buNone/>
+              <a:defRPr sz="3500" b="1" i="0" kern="1200">
+                <a:solidFill>
+                  <a:srgbClr val="E8E7E9"/>
+                </a:solidFill>
+                <a:latin typeface="Raleway Black" charset="0"/>
+                <a:ea typeface="Raleway Black" charset="0"/>
+                <a:cs typeface="Raleway Black" charset="0"/>
+              </a:defRPr>
+            </a:lvl1pPr>
+            <a:lvl2pPr marL="514350" indent="-171450" algn="l" defTabSz="685800" rtl="0" eaLnBrk="1" latinLnBrk="0" hangingPunct="1">
+              <a:lnSpc>
+                <a:spcPct val="90000"/>
+              </a:lnSpc>
+              <a:spcBef>
+                <a:spcPts val="375"/>
+              </a:spcBef>
+              <a:buFont typeface="Arial"/>
+              <a:buChar char="•"/>
+              <a:defRPr sz="1800" kern="1200">
+                <a:solidFill>
+                  <a:schemeClr val="tx1"/>
+                </a:solidFill>
+                <a:latin typeface="+mn-lt"/>
+                <a:ea typeface="+mn-ea"/>
+                <a:cs typeface="+mn-cs"/>
+              </a:defRPr>
+            </a:lvl2pPr>
+            <a:lvl3pPr marL="857250" indent="-171450" algn="l" defTabSz="685800" rtl="0" eaLnBrk="1" latinLnBrk="0" hangingPunct="1">
+              <a:lnSpc>
+                <a:spcPct val="90000"/>
+              </a:lnSpc>
+              <a:spcBef>
+                <a:spcPts val="375"/>
+              </a:spcBef>
+              <a:buFont typeface="Arial"/>
+              <a:buChar char="•"/>
+              <a:defRPr sz="1500" kern="1200">
+                <a:solidFill>
+                  <a:schemeClr val="tx1"/>
+                </a:solidFill>
+                <a:latin typeface="+mn-lt"/>
+                <a:ea typeface="+mn-ea"/>
+                <a:cs typeface="+mn-cs"/>
+              </a:defRPr>
+            </a:lvl3pPr>
+            <a:lvl4pPr marL="1200150" indent="-171450" algn="l" defTabSz="685800" rtl="0" eaLnBrk="1" latinLnBrk="0" hangingPunct="1">
+              <a:lnSpc>
+                <a:spcPct val="90000"/>
+              </a:lnSpc>
+              <a:spcBef>
+                <a:spcPts val="375"/>
+              </a:spcBef>
+              <a:buFont typeface="Arial"/>
+              <a:buChar char="•"/>
+              <a:defRPr sz="1350" kern="1200">
+                <a:solidFill>
+                  <a:schemeClr val="tx1"/>
+                </a:solidFill>
+                <a:latin typeface="+mn-lt"/>
+                <a:ea typeface="+mn-ea"/>
+                <a:cs typeface="+mn-cs"/>
+              </a:defRPr>
+            </a:lvl4pPr>
+            <a:lvl5pPr marL="1543050" indent="-171450" algn="l" defTabSz="685800" rtl="0" eaLnBrk="1" latinLnBrk="0" hangingPunct="1">
+              <a:lnSpc>
+                <a:spcPct val="90000"/>
+              </a:lnSpc>
+              <a:spcBef>
+                <a:spcPts val="375"/>
+              </a:spcBef>
+              <a:buFont typeface="Arial"/>
+              <a:buChar char="•"/>
+              <a:defRPr sz="1350" kern="1200">
+                <a:solidFill>
+                  <a:schemeClr val="tx1"/>
+                </a:solidFill>
+                <a:latin typeface="+mn-lt"/>
+                <a:ea typeface="+mn-ea"/>
+                <a:cs typeface="+mn-cs"/>
+              </a:defRPr>
+            </a:lvl5pPr>
+            <a:lvl6pPr marL="1885950" indent="-171450" algn="l" defTabSz="685800" rtl="0" eaLnBrk="1" latinLnBrk="0" hangingPunct="1">
+              <a:lnSpc>
+                <a:spcPct val="90000"/>
+              </a:lnSpc>
+              <a:spcBef>
+                <a:spcPts val="375"/>
+              </a:spcBef>
+              <a:buFont typeface="Arial"/>
+              <a:buChar char="•"/>
+              <a:defRPr sz="1350" kern="1200">
+                <a:solidFill>
+                  <a:schemeClr val="tx1"/>
+                </a:solidFill>
+                <a:latin typeface="+mn-lt"/>
+                <a:ea typeface="+mn-ea"/>
+                <a:cs typeface="+mn-cs"/>
+              </a:defRPr>
+            </a:lvl6pPr>
+            <a:lvl7pPr marL="2228850" indent="-171450" algn="l" defTabSz="685800" rtl="0" eaLnBrk="1" latinLnBrk="0" hangingPunct="1">
+              <a:lnSpc>
+                <a:spcPct val="90000"/>
+              </a:lnSpc>
+              <a:spcBef>
+                <a:spcPts val="375"/>
+              </a:spcBef>
+              <a:buFont typeface="Arial"/>
+              <a:buChar char="•"/>
+              <a:defRPr sz="1350" kern="1200">
+                <a:solidFill>
+                  <a:schemeClr val="tx1"/>
+                </a:solidFill>
+                <a:latin typeface="+mn-lt"/>
+                <a:ea typeface="+mn-ea"/>
+                <a:cs typeface="+mn-cs"/>
+              </a:defRPr>
+            </a:lvl7pPr>
+            <a:lvl8pPr marL="2571750" indent="-171450" algn="l" defTabSz="685800" rtl="0" eaLnBrk="1" latinLnBrk="0" hangingPunct="1">
+              <a:lnSpc>
+                <a:spcPct val="90000"/>
+              </a:lnSpc>
+              <a:spcBef>
+                <a:spcPts val="375"/>
+              </a:spcBef>
+              <a:buFont typeface="Arial"/>
+              <a:buChar char="•"/>
+              <a:defRPr sz="1350" kern="1200">
+                <a:solidFill>
+                  <a:schemeClr val="tx1"/>
+                </a:solidFill>
+                <a:latin typeface="+mn-lt"/>
+                <a:ea typeface="+mn-ea"/>
+                <a:cs typeface="+mn-cs"/>
+              </a:defRPr>
+            </a:lvl8pPr>
+            <a:lvl9pPr marL="2914650" indent="-171450" algn="l" defTabSz="685800" rtl="0" eaLnBrk="1" latinLnBrk="0" hangingPunct="1">
+              <a:lnSpc>
+                <a:spcPct val="90000"/>
+              </a:lnSpc>
+              <a:spcBef>
+                <a:spcPts val="375"/>
+              </a:spcBef>
+              <a:buFont typeface="Arial"/>
+              <a:buChar char="•"/>
+              <a:defRPr sz="1350" kern="1200">
+                <a:solidFill>
+                  <a:schemeClr val="tx1"/>
+                </a:solidFill>
+                <a:latin typeface="+mn-lt"/>
+                <a:ea typeface="+mn-ea"/>
+                <a:cs typeface="+mn-cs"/>
+              </a:defRPr>
+            </a:lvl9pPr>
+          </a:lstStyle>
+          <a:p>
+            <a:pPr algn="ctr"/>
+            <a:r>
+              <a:rPr lang="es-ES_tradnl" sz="2800">
+                <a:solidFill>
+                  <a:schemeClr val="bg1"/>
+                </a:solidFill>
+                <a:latin typeface="FontAwesome"/>
+                <a:ea typeface="FontAwesome"/>
+                <a:cs typeface="FontAwesome"/>
+                <a:sym typeface="FontAwesome"/>
+              </a:rPr>
+              <a:t></a:t>
+            </a:r>
+            <a:endParaRPr lang="en-US" sz="2500" dirty="0">
+              <a:solidFill>
+                <a:schemeClr val="bg1"/>
+              </a:solidFill>
+              <a:latin typeface="FontAwesome" charset="0"/>
+              <a:ea typeface="FontAwesome" charset="0"/>
+              <a:cs typeface="FontAwesome" charset="0"/>
+            </a:endParaRPr>
+          </a:p>
+        </p:txBody>
+      </p:sp>
+      <p:sp>
+        <p:nvSpPr>
+          <p:cNvPr id="3" name="TextBox 2">
+            <a:extLst>
+              <a:ext uri="{FF2B5EF4-FFF2-40B4-BE49-F238E27FC236}">
+                <a16:creationId xmlns:a16="http://schemas.microsoft.com/office/drawing/2014/main" id="{8FAFDB86-0D33-400E-87E3-98165C816466}"/>
+              </a:ext>
+            </a:extLst>
+          </p:cNvPr>
+          <p:cNvSpPr txBox="1"/>
+          <p:nvPr/>
+        </p:nvSpPr>
+        <p:spPr>
+          <a:xfrm>
+            <a:off x="882316" y="1548063"/>
+            <a:ext cx="6505073" cy="338554"/>
+          </a:xfrm>
+          <a:prstGeom prst="rect">
+            <a:avLst/>
+          </a:prstGeom>
+          <a:noFill/>
+        </p:spPr>
+        <p:txBody>
+          <a:bodyPr wrap="square" rtlCol="0">
+            <a:spAutoFit/>
+          </a:bodyPr>
+          <a:lstStyle/>
+          <a:p>
+            <a:r>
+              <a:rPr lang="en-US" sz="1600" dirty="0"/>
+              <a:t>- Easy log management, collect log from multiple resources.</a:t>
+            </a:r>
+          </a:p>
+        </p:txBody>
+      </p:sp>
+      <p:sp>
+        <p:nvSpPr>
+          <p:cNvPr id="18" name="TextBox 17">
+            <a:extLst>
+              <a:ext uri="{FF2B5EF4-FFF2-40B4-BE49-F238E27FC236}">
+                <a16:creationId xmlns:a16="http://schemas.microsoft.com/office/drawing/2014/main" id="{FD72BD38-61B7-404D-A21B-03236CA77180}"/>
+              </a:ext>
+            </a:extLst>
+          </p:cNvPr>
+          <p:cNvSpPr txBox="1"/>
+          <p:nvPr/>
+        </p:nvSpPr>
+        <p:spPr>
+          <a:xfrm>
+            <a:off x="882316" y="2052796"/>
+            <a:ext cx="6505073" cy="338554"/>
+          </a:xfrm>
+          <a:prstGeom prst="rect">
+            <a:avLst/>
+          </a:prstGeom>
+          <a:noFill/>
+        </p:spPr>
+        <p:txBody>
+          <a:bodyPr wrap="square" rtlCol="0">
+            <a:spAutoFit/>
+          </a:bodyPr>
+          <a:lstStyle/>
+          <a:p>
+            <a:r>
+              <a:rPr lang="en-US" sz="1600" dirty="0"/>
+              <a:t>- Easy to integrate with other systems.</a:t>
+            </a:r>
+          </a:p>
+        </p:txBody>
+      </p:sp>
+      <p:sp>
+        <p:nvSpPr>
+          <p:cNvPr id="19" name="TextBox 18">
+            <a:extLst>
+              <a:ext uri="{FF2B5EF4-FFF2-40B4-BE49-F238E27FC236}">
+                <a16:creationId xmlns:a16="http://schemas.microsoft.com/office/drawing/2014/main" id="{4D7EAB54-E6FA-44DC-845A-F2B314309AEC}"/>
+              </a:ext>
+            </a:extLst>
+          </p:cNvPr>
+          <p:cNvSpPr txBox="1"/>
+          <p:nvPr/>
+        </p:nvSpPr>
+        <p:spPr>
+          <a:xfrm>
+            <a:off x="882316" y="2557529"/>
+            <a:ext cx="6505073" cy="338554"/>
+          </a:xfrm>
+          <a:prstGeom prst="rect">
+            <a:avLst/>
+          </a:prstGeom>
+          <a:noFill/>
+        </p:spPr>
+        <p:txBody>
+          <a:bodyPr wrap="square" rtlCol="0">
+            <a:spAutoFit/>
+          </a:bodyPr>
+          <a:lstStyle/>
+          <a:p>
+            <a:r>
+              <a:rPr lang="en-US" sz="1600" dirty="0"/>
+              <a:t>- FREE.</a:t>
+            </a:r>
+          </a:p>
+        </p:txBody>
+      </p:sp>
+      <p:sp>
+        <p:nvSpPr>
+          <p:cNvPr id="20" name="TextBox 19">
+            <a:extLst>
+              <a:ext uri="{FF2B5EF4-FFF2-40B4-BE49-F238E27FC236}">
+                <a16:creationId xmlns:a16="http://schemas.microsoft.com/office/drawing/2014/main" id="{9C87EC5F-2591-44CC-B06A-2EBB5B122F0B}"/>
+              </a:ext>
+            </a:extLst>
+          </p:cNvPr>
+          <p:cNvSpPr txBox="1"/>
+          <p:nvPr/>
+        </p:nvSpPr>
+        <p:spPr>
+          <a:xfrm>
+            <a:off x="882314" y="3062262"/>
+            <a:ext cx="6505073" cy="338554"/>
+          </a:xfrm>
+          <a:prstGeom prst="rect">
+            <a:avLst/>
+          </a:prstGeom>
+          <a:noFill/>
+        </p:spPr>
+        <p:txBody>
+          <a:bodyPr wrap="square" rtlCol="0">
+            <a:spAutoFit/>
+          </a:bodyPr>
+          <a:lstStyle/>
+          <a:p>
+            <a:r>
+              <a:rPr lang="en-US" sz="1600" dirty="0"/>
+              <a:t>- Good extension and development.</a:t>
+            </a:r>
+          </a:p>
+        </p:txBody>
+      </p:sp>
+      <p:sp>
+        <p:nvSpPr>
+          <p:cNvPr id="21" name="TextBox 20">
+            <a:extLst>
+              <a:ext uri="{FF2B5EF4-FFF2-40B4-BE49-F238E27FC236}">
+                <a16:creationId xmlns:a16="http://schemas.microsoft.com/office/drawing/2014/main" id="{193E31C2-4640-4D1D-AAD8-73568CDD74BE}"/>
+              </a:ext>
+            </a:extLst>
+          </p:cNvPr>
+          <p:cNvSpPr txBox="1"/>
+          <p:nvPr/>
+        </p:nvSpPr>
+        <p:spPr>
+          <a:xfrm>
+            <a:off x="882313" y="3566995"/>
+            <a:ext cx="6505073" cy="338554"/>
+          </a:xfrm>
+          <a:prstGeom prst="rect">
+            <a:avLst/>
+          </a:prstGeom>
+          <a:noFill/>
+        </p:spPr>
+        <p:txBody>
+          <a:bodyPr wrap="square" rtlCol="0">
+            <a:spAutoFit/>
+          </a:bodyPr>
+          <a:lstStyle/>
+          <a:p>
+            <a:r>
+              <a:rPr lang="en-US" sz="1600" dirty="0"/>
+              <a:t>- Powerful filters and search engine.</a:t>
+            </a:r>
+          </a:p>
+        </p:txBody>
+      </p:sp>
+      <p:sp>
+        <p:nvSpPr>
+          <p:cNvPr id="22" name="TextBox 21">
+            <a:extLst>
+              <a:ext uri="{FF2B5EF4-FFF2-40B4-BE49-F238E27FC236}">
+                <a16:creationId xmlns:a16="http://schemas.microsoft.com/office/drawing/2014/main" id="{85A84EAC-07FF-489A-BB92-807CD3083BC2}"/>
+              </a:ext>
+            </a:extLst>
+          </p:cNvPr>
+          <p:cNvSpPr txBox="1"/>
+          <p:nvPr/>
+        </p:nvSpPr>
+        <p:spPr>
+          <a:xfrm>
+            <a:off x="882313" y="4071024"/>
+            <a:ext cx="6505073" cy="338554"/>
+          </a:xfrm>
+          <a:prstGeom prst="rect">
+            <a:avLst/>
+          </a:prstGeom>
+          <a:noFill/>
+        </p:spPr>
+        <p:txBody>
+          <a:bodyPr wrap="square" rtlCol="0">
+            <a:spAutoFit/>
+          </a:bodyPr>
+          <a:lstStyle/>
+          <a:p>
+            <a:r>
+              <a:rPr lang="en-US" sz="1600" dirty="0"/>
+              <a:t>- Great support community and variety tutorials.</a:t>
+            </a:r>
+          </a:p>
+        </p:txBody>
+      </p:sp>
       <p:pic>
         <p:nvPicPr>
-          <p:cNvPr id="6" name="Picture 5">
+          <p:cNvPr id="15" name="Picture 14">
             <a:extLst>
               <a:ext uri="{FF2B5EF4-FFF2-40B4-BE49-F238E27FC236}">
-                <a16:creationId xmlns:a16="http://schemas.microsoft.com/office/drawing/2014/main" id="{F693F676-D8A4-46A0-8751-14637B449EF6}"/>
+                <a16:creationId xmlns:a16="http://schemas.microsoft.com/office/drawing/2014/main" id="{074303EA-72E6-4F08-AD5D-92D34978F038}"/>
               </a:ext>
             </a:extLst>
           </p:cNvPr>
@@ -9931,8 +10024,8 @@
         </p:blipFill>
         <p:spPr>
           <a:xfrm>
-            <a:off x="7102795" y="152307"/>
-            <a:ext cx="1815460" cy="694562"/>
+            <a:off x="7372900" y="137987"/>
+            <a:ext cx="1316221" cy="568607"/>
           </a:xfrm>
           <a:prstGeom prst="rect">
             <a:avLst/>
@@ -9942,7 +10035,7 @@
     </p:spTree>
     <p:extLst>
       <p:ext uri="{BB962C8B-B14F-4D97-AF65-F5344CB8AC3E}">
-        <p14:creationId xmlns:p14="http://schemas.microsoft.com/office/powerpoint/2010/main" val="1220702636"/>
+        <p14:creationId xmlns:p14="http://schemas.microsoft.com/office/powerpoint/2010/main" val="1257494636"/>
       </p:ext>
     </p:extLst>
   </p:cSld>
@@ -9953,8 +10046,16 @@
 </file>
 
 <file path=ppt/slides/slide17.xml><?xml version="1.0" encoding="utf-8"?>
-<p:sld xmlns:a="http://schemas.openxmlformats.org/drawingml/2006/main" xmlns:r="http://schemas.openxmlformats.org/officeDocument/2006/relationships" xmlns:p="http://schemas.openxmlformats.org/presentationml/2006/main" showMasterSp="0">
+<p:sld xmlns:a="http://schemas.openxmlformats.org/drawingml/2006/main" xmlns:r="http://schemas.openxmlformats.org/officeDocument/2006/relationships" xmlns:p="http://schemas.openxmlformats.org/presentationml/2006/main">
   <p:cSld>
+    <p:bg>
+      <p:bgPr>
+        <a:solidFill>
+          <a:schemeClr val="accent3"/>
+        </a:solidFill>
+        <a:effectLst/>
+      </p:bgPr>
+    </p:bg>
     <p:spTree>
       <p:nvGrpSpPr>
         <p:cNvPr id="1" name=""/>
@@ -9971,7 +10072,7 @@
       </p:grpSpPr>
       <p:sp>
         <p:nvSpPr>
-          <p:cNvPr id="5" name="Marcador de texto 4"/>
+          <p:cNvPr id="2" name="Marcador de texto 1"/>
           <p:cNvSpPr>
             <a:spLocks noGrp="1"/>
           </p:cNvSpPr>
@@ -9981,24 +10082,35 @@
         </p:nvSpPr>
         <p:spPr>
           <a:xfrm>
-            <a:off x="512029" y="440817"/>
-            <a:ext cx="4367701" cy="597510"/>
+            <a:off x="248419" y="320276"/>
+            <a:ext cx="5732252" cy="4342773"/>
           </a:xfrm>
         </p:spPr>
         <p:txBody>
           <a:bodyPr/>
           <a:lstStyle/>
           <a:p>
-            <a:r>
-              <a:rPr lang="es-ES_tradnl" dirty="0"/>
-              <a:t>01</a:t>
-            </a:r>
-          </a:p>
-        </p:txBody>
-      </p:sp>
-      <p:sp>
-        <p:nvSpPr>
-          <p:cNvPr id="16" name="Marcador de texto 15"/>
+            <a:pPr>
+              <a:lnSpc>
+                <a:spcPts val="12000"/>
+              </a:lnSpc>
+            </a:pPr>
+            <a:r>
+              <a:rPr lang="es-ES_tradnl" sz="11500" dirty="0">
+                <a:solidFill>
+                  <a:schemeClr val="accent3">
+                    <a:lumMod val="75000"/>
+                  </a:schemeClr>
+                </a:solidFill>
+              </a:rPr>
+              <a:t>IMPLEMENTATION</a:t>
+            </a:r>
+          </a:p>
+        </p:txBody>
+      </p:sp>
+      <p:sp>
+        <p:nvSpPr>
+          <p:cNvPr id="3" name="Marcador de texto 2"/>
           <p:cNvSpPr>
             <a:spLocks noGrp="1"/>
           </p:cNvSpPr>
@@ -10008,62 +10120,25 @@
         </p:nvSpPr>
         <p:spPr>
           <a:xfrm>
-            <a:off x="503238" y="842626"/>
-            <a:ext cx="2635616" cy="423464"/>
+            <a:off x="512030" y="2020551"/>
+            <a:ext cx="5732251" cy="611436"/>
           </a:xfrm>
         </p:spPr>
         <p:txBody>
           <a:bodyPr/>
           <a:lstStyle/>
           <a:p>
-            <a:r>
-              <a:rPr lang="es-ES_tradnl" sz="1600" dirty="0"/>
-              <a:t>SETUP EFK</a:t>
-            </a:r>
-          </a:p>
-        </p:txBody>
-      </p:sp>
-      <p:cxnSp>
-        <p:nvCxnSpPr>
-          <p:cNvPr id="9" name="Conector recto 8"/>
-          <p:cNvCxnSpPr/>
-          <p:nvPr/>
-        </p:nvCxnSpPr>
-        <p:spPr>
-          <a:xfrm>
-            <a:off x="503238" y="844190"/>
-            <a:ext cx="8281987" cy="0"/>
-          </a:xfrm>
-          <a:prstGeom prst="line">
-            <a:avLst/>
-          </a:prstGeom>
-          <a:ln w="9525">
-            <a:solidFill>
-              <a:schemeClr val="accent5">
-                <a:lumMod val="75000"/>
-              </a:schemeClr>
-            </a:solidFill>
-            <a:headEnd type="oval"/>
-          </a:ln>
-        </p:spPr>
-        <p:style>
-          <a:lnRef idx="1">
-            <a:schemeClr val="accent1"/>
-          </a:lnRef>
-          <a:fillRef idx="0">
-            <a:schemeClr val="accent1"/>
-          </a:fillRef>
-          <a:effectRef idx="0">
-            <a:schemeClr val="accent1"/>
-          </a:effectRef>
-          <a:fontRef idx="minor">
-            <a:schemeClr val="tx1"/>
-          </a:fontRef>
-        </p:style>
-      </p:cxnSp>
-      <p:sp>
-        <p:nvSpPr>
-          <p:cNvPr id="26" name="Text Placeholder 20"/>
+            <a:pPr algn="l"/>
+            <a:r>
+              <a:rPr lang="es-ES_tradnl" dirty="0"/>
+              <a:t>IMPLEMETATION OF EFK</a:t>
+            </a:r>
+          </a:p>
+        </p:txBody>
+      </p:sp>
+      <p:sp>
+        <p:nvSpPr>
+          <p:cNvPr id="4" name="Marcador de texto 8"/>
           <p:cNvSpPr txBox="1">
             <a:spLocks/>
           </p:cNvSpPr>
@@ -10071,19 +10146,18 @@
         </p:nvSpPr>
         <p:spPr>
           <a:xfrm>
-            <a:off x="1329714" y="2116839"/>
-            <a:ext cx="516670" cy="346249"/>
+            <a:off x="561368" y="2582559"/>
+            <a:ext cx="4010633" cy="345991"/>
           </a:xfrm>
           <a:prstGeom prst="rect">
             <a:avLst/>
           </a:prstGeom>
-        </p:spPr>
-        <p:txBody>
-          <a:bodyPr wrap="square" lIns="0" tIns="0" rIns="0" bIns="0" anchor="t" anchorCtr="0">
-            <a:spAutoFit/>
-          </a:bodyPr>
+          <a:noFill/>
+        </p:spPr>
+        <p:txBody>
+          <a:bodyPr wrap="square" lIns="0" tIns="72000" rIns="0" bIns="0" anchor="t"/>
           <a:lstStyle>
-            <a:lvl1pPr marL="0" indent="0" algn="l" defTabSz="685800" rtl="0" eaLnBrk="1" latinLnBrk="0" hangingPunct="1">
+            <a:lvl1pPr marL="0" indent="0" algn="ctr" defTabSz="685800" rtl="0" eaLnBrk="1" latinLnBrk="0" hangingPunct="1">
               <a:lnSpc>
                 <a:spcPct val="90000"/>
               </a:lnSpc>
@@ -10094,7 +10168,10 @@
               <a:buNone/>
               <a:defRPr sz="3500" b="1" i="0" kern="1200">
                 <a:solidFill>
-                  <a:srgbClr val="E8E7E9"/>
+                  <a:schemeClr val="tx1">
+                    <a:lumMod val="85000"/>
+                    <a:lumOff val="15000"/>
+                  </a:schemeClr>
                 </a:solidFill>
                 <a:latin typeface="Raleway Black" charset="0"/>
                 <a:ea typeface="Raleway Black" charset="0"/>
@@ -10247,591 +10324,18 @@
             </a:lvl9pPr>
           </a:lstStyle>
           <a:p>
-            <a:pPr algn="ctr"/>
-            <a:r>
-              <a:rPr lang="en-US" sz="2500" dirty="0">
-                <a:solidFill>
-                  <a:schemeClr val="bg1"/>
-                </a:solidFill>
-                <a:latin typeface="FontAwesome" pitchFamily="2" charset="0"/>
-              </a:rPr>
-              <a:t></a:t>
-            </a:r>
-            <a:endParaRPr lang="en-US" sz="2500" dirty="0">
-              <a:solidFill>
-                <a:schemeClr val="bg1"/>
-              </a:solidFill>
-              <a:latin typeface="FontAwesome" charset="0"/>
-              <a:ea typeface="FontAwesome" charset="0"/>
-              <a:cs typeface="FontAwesome" charset="0"/>
-            </a:endParaRPr>
-          </a:p>
-        </p:txBody>
-      </p:sp>
-      <p:sp>
-        <p:nvSpPr>
-          <p:cNvPr id="27" name="Text Placeholder 20"/>
-          <p:cNvSpPr txBox="1">
-            <a:spLocks/>
-          </p:cNvSpPr>
-          <p:nvPr/>
-        </p:nvSpPr>
-        <p:spPr>
-          <a:xfrm>
-            <a:off x="4315559" y="2116839"/>
-            <a:ext cx="516670" cy="346249"/>
-          </a:xfrm>
-          <a:prstGeom prst="rect">
-            <a:avLst/>
-          </a:prstGeom>
-        </p:spPr>
-        <p:txBody>
-          <a:bodyPr wrap="square" lIns="0" tIns="0" rIns="0" bIns="0" anchor="t" anchorCtr="0">
-            <a:spAutoFit/>
-          </a:bodyPr>
-          <a:lstStyle>
-            <a:lvl1pPr marL="0" indent="0" algn="l" defTabSz="685800" rtl="0" eaLnBrk="1" latinLnBrk="0" hangingPunct="1">
-              <a:lnSpc>
-                <a:spcPct val="90000"/>
-              </a:lnSpc>
-              <a:spcBef>
-                <a:spcPts val="750"/>
-              </a:spcBef>
-              <a:buFont typeface="Arial"/>
-              <a:buNone/>
-              <a:defRPr sz="3500" b="1" i="0" kern="1200">
-                <a:solidFill>
-                  <a:srgbClr val="E8E7E9"/>
-                </a:solidFill>
-                <a:latin typeface="Raleway Black" charset="0"/>
-                <a:ea typeface="Raleway Black" charset="0"/>
-                <a:cs typeface="Raleway Black" charset="0"/>
-              </a:defRPr>
-            </a:lvl1pPr>
-            <a:lvl2pPr marL="514350" indent="-171450" algn="l" defTabSz="685800" rtl="0" eaLnBrk="1" latinLnBrk="0" hangingPunct="1">
-              <a:lnSpc>
-                <a:spcPct val="90000"/>
-              </a:lnSpc>
-              <a:spcBef>
-                <a:spcPts val="375"/>
-              </a:spcBef>
-              <a:buFont typeface="Arial"/>
-              <a:buChar char="•"/>
-              <a:defRPr sz="1800" kern="1200">
-                <a:solidFill>
-                  <a:schemeClr val="tx1"/>
-                </a:solidFill>
-                <a:latin typeface="+mn-lt"/>
-                <a:ea typeface="+mn-ea"/>
-                <a:cs typeface="+mn-cs"/>
-              </a:defRPr>
-            </a:lvl2pPr>
-            <a:lvl3pPr marL="857250" indent="-171450" algn="l" defTabSz="685800" rtl="0" eaLnBrk="1" latinLnBrk="0" hangingPunct="1">
-              <a:lnSpc>
-                <a:spcPct val="90000"/>
-              </a:lnSpc>
-              <a:spcBef>
-                <a:spcPts val="375"/>
-              </a:spcBef>
-              <a:buFont typeface="Arial"/>
-              <a:buChar char="•"/>
-              <a:defRPr sz="1500" kern="1200">
-                <a:solidFill>
-                  <a:schemeClr val="tx1"/>
-                </a:solidFill>
-                <a:latin typeface="+mn-lt"/>
-                <a:ea typeface="+mn-ea"/>
-                <a:cs typeface="+mn-cs"/>
-              </a:defRPr>
-            </a:lvl3pPr>
-            <a:lvl4pPr marL="1200150" indent="-171450" algn="l" defTabSz="685800" rtl="0" eaLnBrk="1" latinLnBrk="0" hangingPunct="1">
-              <a:lnSpc>
-                <a:spcPct val="90000"/>
-              </a:lnSpc>
-              <a:spcBef>
-                <a:spcPts val="375"/>
-              </a:spcBef>
-              <a:buFont typeface="Arial"/>
-              <a:buChar char="•"/>
-              <a:defRPr sz="1350" kern="1200">
-                <a:solidFill>
-                  <a:schemeClr val="tx1"/>
-                </a:solidFill>
-                <a:latin typeface="+mn-lt"/>
-                <a:ea typeface="+mn-ea"/>
-                <a:cs typeface="+mn-cs"/>
-              </a:defRPr>
-            </a:lvl4pPr>
-            <a:lvl5pPr marL="1543050" indent="-171450" algn="l" defTabSz="685800" rtl="0" eaLnBrk="1" latinLnBrk="0" hangingPunct="1">
-              <a:lnSpc>
-                <a:spcPct val="90000"/>
-              </a:lnSpc>
-              <a:spcBef>
-                <a:spcPts val="375"/>
-              </a:spcBef>
-              <a:buFont typeface="Arial"/>
-              <a:buChar char="•"/>
-              <a:defRPr sz="1350" kern="1200">
-                <a:solidFill>
-                  <a:schemeClr val="tx1"/>
-                </a:solidFill>
-                <a:latin typeface="+mn-lt"/>
-                <a:ea typeface="+mn-ea"/>
-                <a:cs typeface="+mn-cs"/>
-              </a:defRPr>
-            </a:lvl5pPr>
-            <a:lvl6pPr marL="1885950" indent="-171450" algn="l" defTabSz="685800" rtl="0" eaLnBrk="1" latinLnBrk="0" hangingPunct="1">
-              <a:lnSpc>
-                <a:spcPct val="90000"/>
-              </a:lnSpc>
-              <a:spcBef>
-                <a:spcPts val="375"/>
-              </a:spcBef>
-              <a:buFont typeface="Arial"/>
-              <a:buChar char="•"/>
-              <a:defRPr sz="1350" kern="1200">
-                <a:solidFill>
-                  <a:schemeClr val="tx1"/>
-                </a:solidFill>
-                <a:latin typeface="+mn-lt"/>
-                <a:ea typeface="+mn-ea"/>
-                <a:cs typeface="+mn-cs"/>
-              </a:defRPr>
-            </a:lvl6pPr>
-            <a:lvl7pPr marL="2228850" indent="-171450" algn="l" defTabSz="685800" rtl="0" eaLnBrk="1" latinLnBrk="0" hangingPunct="1">
-              <a:lnSpc>
-                <a:spcPct val="90000"/>
-              </a:lnSpc>
-              <a:spcBef>
-                <a:spcPts val="375"/>
-              </a:spcBef>
-              <a:buFont typeface="Arial"/>
-              <a:buChar char="•"/>
-              <a:defRPr sz="1350" kern="1200">
-                <a:solidFill>
-                  <a:schemeClr val="tx1"/>
-                </a:solidFill>
-                <a:latin typeface="+mn-lt"/>
-                <a:ea typeface="+mn-ea"/>
-                <a:cs typeface="+mn-cs"/>
-              </a:defRPr>
-            </a:lvl7pPr>
-            <a:lvl8pPr marL="2571750" indent="-171450" algn="l" defTabSz="685800" rtl="0" eaLnBrk="1" latinLnBrk="0" hangingPunct="1">
-              <a:lnSpc>
-                <a:spcPct val="90000"/>
-              </a:lnSpc>
-              <a:spcBef>
-                <a:spcPts val="375"/>
-              </a:spcBef>
-              <a:buFont typeface="Arial"/>
-              <a:buChar char="•"/>
-              <a:defRPr sz="1350" kern="1200">
-                <a:solidFill>
-                  <a:schemeClr val="tx1"/>
-                </a:solidFill>
-                <a:latin typeface="+mn-lt"/>
-                <a:ea typeface="+mn-ea"/>
-                <a:cs typeface="+mn-cs"/>
-              </a:defRPr>
-            </a:lvl8pPr>
-            <a:lvl9pPr marL="2914650" indent="-171450" algn="l" defTabSz="685800" rtl="0" eaLnBrk="1" latinLnBrk="0" hangingPunct="1">
-              <a:lnSpc>
-                <a:spcPct val="90000"/>
-              </a:lnSpc>
-              <a:spcBef>
-                <a:spcPts val="375"/>
-              </a:spcBef>
-              <a:buFont typeface="Arial"/>
-              <a:buChar char="•"/>
-              <a:defRPr sz="1350" kern="1200">
-                <a:solidFill>
-                  <a:schemeClr val="tx1"/>
-                </a:solidFill>
-                <a:latin typeface="+mn-lt"/>
-                <a:ea typeface="+mn-ea"/>
-                <a:cs typeface="+mn-cs"/>
-              </a:defRPr>
-            </a:lvl9pPr>
-          </a:lstStyle>
-          <a:p>
-            <a:pPr algn="ctr"/>
-            <a:r>
-              <a:rPr lang="en-US" sz="2500" dirty="0">
-                <a:solidFill>
-                  <a:schemeClr val="bg1"/>
-                </a:solidFill>
-                <a:latin typeface="FontAwesome" pitchFamily="2" charset="0"/>
-              </a:rPr>
-              <a:t></a:t>
-            </a:r>
-            <a:endParaRPr lang="en-US" sz="2500" dirty="0">
-              <a:solidFill>
-                <a:schemeClr val="bg1"/>
-              </a:solidFill>
-              <a:latin typeface="FontAwesome" charset="0"/>
-              <a:ea typeface="FontAwesome" charset="0"/>
-              <a:cs typeface="FontAwesome" charset="0"/>
-            </a:endParaRPr>
-          </a:p>
-        </p:txBody>
-      </p:sp>
-      <p:sp>
-        <p:nvSpPr>
-          <p:cNvPr id="29" name="Text Placeholder 20"/>
-          <p:cNvSpPr txBox="1">
-            <a:spLocks/>
-          </p:cNvSpPr>
-          <p:nvPr/>
-        </p:nvSpPr>
-        <p:spPr>
-          <a:xfrm>
-            <a:off x="7542148" y="2116839"/>
-            <a:ext cx="516670" cy="387798"/>
-          </a:xfrm>
-          <a:prstGeom prst="rect">
-            <a:avLst/>
-          </a:prstGeom>
-        </p:spPr>
-        <p:txBody>
-          <a:bodyPr wrap="square" lIns="0" tIns="0" rIns="0" bIns="0" anchor="t" anchorCtr="0">
-            <a:spAutoFit/>
-          </a:bodyPr>
-          <a:lstStyle>
-            <a:lvl1pPr marL="0" indent="0" algn="l" defTabSz="685800" rtl="0" eaLnBrk="1" latinLnBrk="0" hangingPunct="1">
-              <a:lnSpc>
-                <a:spcPct val="90000"/>
-              </a:lnSpc>
-              <a:spcBef>
-                <a:spcPts val="750"/>
-              </a:spcBef>
-              <a:buFont typeface="Arial"/>
-              <a:buNone/>
-              <a:defRPr sz="3500" b="1" i="0" kern="1200">
-                <a:solidFill>
-                  <a:srgbClr val="E8E7E9"/>
-                </a:solidFill>
-                <a:latin typeface="Raleway Black" charset="0"/>
-                <a:ea typeface="Raleway Black" charset="0"/>
-                <a:cs typeface="Raleway Black" charset="0"/>
-              </a:defRPr>
-            </a:lvl1pPr>
-            <a:lvl2pPr marL="514350" indent="-171450" algn="l" defTabSz="685800" rtl="0" eaLnBrk="1" latinLnBrk="0" hangingPunct="1">
-              <a:lnSpc>
-                <a:spcPct val="90000"/>
-              </a:lnSpc>
-              <a:spcBef>
-                <a:spcPts val="375"/>
-              </a:spcBef>
-              <a:buFont typeface="Arial"/>
-              <a:buChar char="•"/>
-              <a:defRPr sz="1800" kern="1200">
-                <a:solidFill>
-                  <a:schemeClr val="tx1"/>
-                </a:solidFill>
-                <a:latin typeface="+mn-lt"/>
-                <a:ea typeface="+mn-ea"/>
-                <a:cs typeface="+mn-cs"/>
-              </a:defRPr>
-            </a:lvl2pPr>
-            <a:lvl3pPr marL="857250" indent="-171450" algn="l" defTabSz="685800" rtl="0" eaLnBrk="1" latinLnBrk="0" hangingPunct="1">
-              <a:lnSpc>
-                <a:spcPct val="90000"/>
-              </a:lnSpc>
-              <a:spcBef>
-                <a:spcPts val="375"/>
-              </a:spcBef>
-              <a:buFont typeface="Arial"/>
-              <a:buChar char="•"/>
-              <a:defRPr sz="1500" kern="1200">
-                <a:solidFill>
-                  <a:schemeClr val="tx1"/>
-                </a:solidFill>
-                <a:latin typeface="+mn-lt"/>
-                <a:ea typeface="+mn-ea"/>
-                <a:cs typeface="+mn-cs"/>
-              </a:defRPr>
-            </a:lvl3pPr>
-            <a:lvl4pPr marL="1200150" indent="-171450" algn="l" defTabSz="685800" rtl="0" eaLnBrk="1" latinLnBrk="0" hangingPunct="1">
-              <a:lnSpc>
-                <a:spcPct val="90000"/>
-              </a:lnSpc>
-              <a:spcBef>
-                <a:spcPts val="375"/>
-              </a:spcBef>
-              <a:buFont typeface="Arial"/>
-              <a:buChar char="•"/>
-              <a:defRPr sz="1350" kern="1200">
-                <a:solidFill>
-                  <a:schemeClr val="tx1"/>
-                </a:solidFill>
-                <a:latin typeface="+mn-lt"/>
-                <a:ea typeface="+mn-ea"/>
-                <a:cs typeface="+mn-cs"/>
-              </a:defRPr>
-            </a:lvl4pPr>
-            <a:lvl5pPr marL="1543050" indent="-171450" algn="l" defTabSz="685800" rtl="0" eaLnBrk="1" latinLnBrk="0" hangingPunct="1">
-              <a:lnSpc>
-                <a:spcPct val="90000"/>
-              </a:lnSpc>
-              <a:spcBef>
-                <a:spcPts val="375"/>
-              </a:spcBef>
-              <a:buFont typeface="Arial"/>
-              <a:buChar char="•"/>
-              <a:defRPr sz="1350" kern="1200">
-                <a:solidFill>
-                  <a:schemeClr val="tx1"/>
-                </a:solidFill>
-                <a:latin typeface="+mn-lt"/>
-                <a:ea typeface="+mn-ea"/>
-                <a:cs typeface="+mn-cs"/>
-              </a:defRPr>
-            </a:lvl5pPr>
-            <a:lvl6pPr marL="1885950" indent="-171450" algn="l" defTabSz="685800" rtl="0" eaLnBrk="1" latinLnBrk="0" hangingPunct="1">
-              <a:lnSpc>
-                <a:spcPct val="90000"/>
-              </a:lnSpc>
-              <a:spcBef>
-                <a:spcPts val="375"/>
-              </a:spcBef>
-              <a:buFont typeface="Arial"/>
-              <a:buChar char="•"/>
-              <a:defRPr sz="1350" kern="1200">
-                <a:solidFill>
-                  <a:schemeClr val="tx1"/>
-                </a:solidFill>
-                <a:latin typeface="+mn-lt"/>
-                <a:ea typeface="+mn-ea"/>
-                <a:cs typeface="+mn-cs"/>
-              </a:defRPr>
-            </a:lvl6pPr>
-            <a:lvl7pPr marL="2228850" indent="-171450" algn="l" defTabSz="685800" rtl="0" eaLnBrk="1" latinLnBrk="0" hangingPunct="1">
-              <a:lnSpc>
-                <a:spcPct val="90000"/>
-              </a:lnSpc>
-              <a:spcBef>
-                <a:spcPts val="375"/>
-              </a:spcBef>
-              <a:buFont typeface="Arial"/>
-              <a:buChar char="•"/>
-              <a:defRPr sz="1350" kern="1200">
-                <a:solidFill>
-                  <a:schemeClr val="tx1"/>
-                </a:solidFill>
-                <a:latin typeface="+mn-lt"/>
-                <a:ea typeface="+mn-ea"/>
-                <a:cs typeface="+mn-cs"/>
-              </a:defRPr>
-            </a:lvl7pPr>
-            <a:lvl8pPr marL="2571750" indent="-171450" algn="l" defTabSz="685800" rtl="0" eaLnBrk="1" latinLnBrk="0" hangingPunct="1">
-              <a:lnSpc>
-                <a:spcPct val="90000"/>
-              </a:lnSpc>
-              <a:spcBef>
-                <a:spcPts val="375"/>
-              </a:spcBef>
-              <a:buFont typeface="Arial"/>
-              <a:buChar char="•"/>
-              <a:defRPr sz="1350" kern="1200">
-                <a:solidFill>
-                  <a:schemeClr val="tx1"/>
-                </a:solidFill>
-                <a:latin typeface="+mn-lt"/>
-                <a:ea typeface="+mn-ea"/>
-                <a:cs typeface="+mn-cs"/>
-              </a:defRPr>
-            </a:lvl8pPr>
-            <a:lvl9pPr marL="2914650" indent="-171450" algn="l" defTabSz="685800" rtl="0" eaLnBrk="1" latinLnBrk="0" hangingPunct="1">
-              <a:lnSpc>
-                <a:spcPct val="90000"/>
-              </a:lnSpc>
-              <a:spcBef>
-                <a:spcPts val="375"/>
-              </a:spcBef>
-              <a:buFont typeface="Arial"/>
-              <a:buChar char="•"/>
-              <a:defRPr sz="1350" kern="1200">
-                <a:solidFill>
-                  <a:schemeClr val="tx1"/>
-                </a:solidFill>
-                <a:latin typeface="+mn-lt"/>
-                <a:ea typeface="+mn-ea"/>
-                <a:cs typeface="+mn-cs"/>
-              </a:defRPr>
-            </a:lvl9pPr>
-          </a:lstStyle>
-          <a:p>
-            <a:pPr algn="ctr"/>
-            <a:r>
-              <a:rPr lang="es-ES_tradnl" sz="2800">
-                <a:solidFill>
-                  <a:schemeClr val="bg1"/>
-                </a:solidFill>
-                <a:latin typeface="FontAwesome"/>
-                <a:ea typeface="FontAwesome"/>
-                <a:cs typeface="FontAwesome"/>
-                <a:sym typeface="FontAwesome"/>
-              </a:rPr>
-              <a:t></a:t>
-            </a:r>
-            <a:endParaRPr lang="en-US" sz="2500" dirty="0">
-              <a:solidFill>
-                <a:schemeClr val="bg1"/>
-              </a:solidFill>
-              <a:latin typeface="FontAwesome" charset="0"/>
-              <a:ea typeface="FontAwesome" charset="0"/>
-              <a:cs typeface="FontAwesome" charset="0"/>
-            </a:endParaRPr>
-          </a:p>
-        </p:txBody>
-      </p:sp>
-      <p:sp>
-        <p:nvSpPr>
-          <p:cNvPr id="2" name="TextBox 1">
-            <a:extLst>
-              <a:ext uri="{FF2B5EF4-FFF2-40B4-BE49-F238E27FC236}">
-                <a16:creationId xmlns:a16="http://schemas.microsoft.com/office/drawing/2014/main" id="{B8321784-F051-45E1-A181-1BA686092998}"/>
-              </a:ext>
-            </a:extLst>
-          </p:cNvPr>
-          <p:cNvSpPr txBox="1"/>
-          <p:nvPr/>
-        </p:nvSpPr>
-        <p:spPr>
-          <a:xfrm>
-            <a:off x="1171575" y="1476320"/>
-            <a:ext cx="5553075" cy="369332"/>
-          </a:xfrm>
-          <a:prstGeom prst="rect">
-            <a:avLst/>
-          </a:prstGeom>
-          <a:noFill/>
-        </p:spPr>
-        <p:txBody>
-          <a:bodyPr wrap="square" rtlCol="0">
-            <a:spAutoFit/>
-          </a:bodyPr>
-          <a:lstStyle/>
-          <a:p>
-            <a:r>
-              <a:rPr lang="en-US" sz="1800" dirty="0"/>
-              <a:t>- Docker-compose file.</a:t>
-            </a:r>
-          </a:p>
-        </p:txBody>
-      </p:sp>
-      <p:sp>
-        <p:nvSpPr>
-          <p:cNvPr id="15" name="TextBox 14">
-            <a:extLst>
-              <a:ext uri="{FF2B5EF4-FFF2-40B4-BE49-F238E27FC236}">
-                <a16:creationId xmlns:a16="http://schemas.microsoft.com/office/drawing/2014/main" id="{DF52B71F-624D-4ECC-82E0-E860FCB75542}"/>
-              </a:ext>
-            </a:extLst>
-          </p:cNvPr>
-          <p:cNvSpPr txBox="1"/>
-          <p:nvPr/>
-        </p:nvSpPr>
-        <p:spPr>
-          <a:xfrm>
-            <a:off x="1171575" y="2463088"/>
-            <a:ext cx="5553075" cy="369332"/>
-          </a:xfrm>
-          <a:prstGeom prst="rect">
-            <a:avLst/>
-          </a:prstGeom>
-          <a:noFill/>
-        </p:spPr>
-        <p:txBody>
-          <a:bodyPr wrap="square" rtlCol="0">
-            <a:spAutoFit/>
-          </a:bodyPr>
-          <a:lstStyle/>
-          <a:p>
-            <a:r>
-              <a:rPr lang="en-US" sz="1800" dirty="0"/>
-              <a:t>- Kibana config file.</a:t>
-            </a:r>
-          </a:p>
-        </p:txBody>
-      </p:sp>
-      <p:sp>
-        <p:nvSpPr>
-          <p:cNvPr id="17" name="TextBox 16">
-            <a:extLst>
-              <a:ext uri="{FF2B5EF4-FFF2-40B4-BE49-F238E27FC236}">
-                <a16:creationId xmlns:a16="http://schemas.microsoft.com/office/drawing/2014/main" id="{32EBA6EE-A61C-47D7-97A3-F2E30093E830}"/>
-              </a:ext>
-            </a:extLst>
-          </p:cNvPr>
-          <p:cNvSpPr txBox="1"/>
-          <p:nvPr/>
-        </p:nvSpPr>
-        <p:spPr>
-          <a:xfrm>
-            <a:off x="1171574" y="3449856"/>
-            <a:ext cx="5553075" cy="369332"/>
-          </a:xfrm>
-          <a:prstGeom prst="rect">
-            <a:avLst/>
-          </a:prstGeom>
-          <a:noFill/>
-        </p:spPr>
-        <p:txBody>
-          <a:bodyPr wrap="square" rtlCol="0">
-            <a:spAutoFit/>
-          </a:bodyPr>
-          <a:lstStyle/>
-          <a:p>
-            <a:r>
-              <a:rPr lang="en-US" sz="1800" dirty="0"/>
-              <a:t>- </a:t>
-            </a:r>
-            <a:r>
-              <a:rPr lang="en-US" sz="1800" dirty="0" err="1"/>
-              <a:t>Fluentd</a:t>
-            </a:r>
-            <a:r>
-              <a:rPr lang="en-US" sz="1800" dirty="0"/>
-              <a:t> config file.</a:t>
-            </a:r>
-          </a:p>
-        </p:txBody>
-      </p:sp>
-      <p:pic>
-        <p:nvPicPr>
-          <p:cNvPr id="23" name="Picture 22">
-            <a:extLst>
-              <a:ext uri="{FF2B5EF4-FFF2-40B4-BE49-F238E27FC236}">
-                <a16:creationId xmlns:a16="http://schemas.microsoft.com/office/drawing/2014/main" id="{3B4DFE88-7DB6-42C6-8648-6C617566C793}"/>
-              </a:ext>
-            </a:extLst>
-          </p:cNvPr>
-          <p:cNvPicPr>
-            <a:picLocks noChangeAspect="1"/>
-          </p:cNvPicPr>
-          <p:nvPr/>
-        </p:nvPicPr>
-        <p:blipFill>
-          <a:blip r:embed="rId2"/>
-          <a:stretch>
-            <a:fillRect/>
-          </a:stretch>
-        </p:blipFill>
-        <p:spPr>
-          <a:xfrm>
-            <a:off x="7102795" y="152307"/>
-            <a:ext cx="1815460" cy="694562"/>
-          </a:xfrm>
-          <a:prstGeom prst="rect">
-            <a:avLst/>
-          </a:prstGeom>
-        </p:spPr>
-      </p:pic>
+            <a:pPr algn="l"/>
+            <a:r>
+              <a:rPr lang="es-ES_tradnl" sz="1500" dirty="0"/>
+              <a:t>TO MICROSERVICE APPLICATION</a:t>
+            </a:r>
+          </a:p>
+        </p:txBody>
+      </p:sp>
     </p:spTree>
     <p:extLst>
       <p:ext uri="{BB962C8B-B14F-4D97-AF65-F5344CB8AC3E}">
-        <p14:creationId xmlns:p14="http://schemas.microsoft.com/office/powerpoint/2010/main" val="4216378537"/>
+        <p14:creationId xmlns:p14="http://schemas.microsoft.com/office/powerpoint/2010/main" val="1480889662"/>
       </p:ext>
     </p:extLst>
   </p:cSld>
@@ -10871,7 +10375,7 @@
         <p:spPr>
           <a:xfrm>
             <a:off x="503238" y="892206"/>
-            <a:ext cx="3109826" cy="2769989"/>
+            <a:ext cx="2976777" cy="2769989"/>
           </a:xfrm>
         </p:spPr>
         <p:txBody>
@@ -10880,7 +10384,7 @@
           <a:p>
             <a:r>
               <a:rPr lang="es-ES_tradnl" dirty="0"/>
-              <a:t>02</a:t>
+              <a:t>01</a:t>
             </a:r>
           </a:p>
         </p:txBody>
@@ -10898,7 +10402,7 @@
         <p:spPr>
           <a:xfrm>
             <a:off x="512030" y="2453044"/>
-            <a:ext cx="3574195" cy="1090255"/>
+            <a:ext cx="2976777" cy="1090255"/>
           </a:xfrm>
         </p:spPr>
         <p:txBody>
@@ -10908,7 +10412,7 @@
             <a:pPr algn="l"/>
             <a:r>
               <a:rPr lang="es-ES_tradnl" dirty="0"/>
-              <a:t>SETUP SERVICE</a:t>
+              <a:t>SETUP EFK</a:t>
             </a:r>
           </a:p>
         </p:txBody>
@@ -10953,10 +10457,10 @@
       </p:cxnSp>
       <p:pic>
         <p:nvPicPr>
-          <p:cNvPr id="6" name="Picture 5">
+          <p:cNvPr id="7" name="Picture 6">
             <a:extLst>
               <a:ext uri="{FF2B5EF4-FFF2-40B4-BE49-F238E27FC236}">
-                <a16:creationId xmlns:a16="http://schemas.microsoft.com/office/drawing/2014/main" id="{9AC6E134-EFC3-41C3-804A-5DFF7D7E8B0A}"/>
+                <a16:creationId xmlns:a16="http://schemas.microsoft.com/office/drawing/2014/main" id="{A58CE1A9-D620-466F-A68C-531CC54C4412}"/>
               </a:ext>
             </a:extLst>
           </p:cNvPr>
@@ -10973,8 +10477,8 @@
         </p:blipFill>
         <p:spPr>
           <a:xfrm>
-            <a:off x="7102795" y="152307"/>
-            <a:ext cx="1815460" cy="694562"/>
+            <a:off x="7372900" y="137987"/>
+            <a:ext cx="1316221" cy="568607"/>
           </a:xfrm>
           <a:prstGeom prst="rect">
             <a:avLst/>
@@ -10984,7 +10488,7 @@
     </p:spTree>
     <p:extLst>
       <p:ext uri="{BB962C8B-B14F-4D97-AF65-F5344CB8AC3E}">
-        <p14:creationId xmlns:p14="http://schemas.microsoft.com/office/powerpoint/2010/main" val="2115107756"/>
+        <p14:creationId xmlns:p14="http://schemas.microsoft.com/office/powerpoint/2010/main" val="1220702636"/>
       </p:ext>
     </p:extLst>
   </p:cSld>
@@ -11033,7 +10537,7 @@
           <a:p>
             <a:r>
               <a:rPr lang="es-ES_tradnl" dirty="0"/>
-              <a:t>02</a:t>
+              <a:t>01</a:t>
             </a:r>
           </a:p>
         </p:txBody>
@@ -11060,7 +10564,7 @@
           <a:p>
             <a:r>
               <a:rPr lang="es-ES_tradnl" sz="1600" dirty="0"/>
-              <a:t>SETUP SERVICE</a:t>
+              <a:t>SETUP EFK</a:t>
             </a:r>
           </a:p>
         </p:txBody>
@@ -11727,40 +11231,125 @@
           </a:p>
         </p:txBody>
       </p:sp>
-      <p:pic>
-        <p:nvPicPr>
-          <p:cNvPr id="11" name="Picture 10">
+      <p:sp>
+        <p:nvSpPr>
+          <p:cNvPr id="2" name="TextBox 1">
             <a:extLst>
               <a:ext uri="{FF2B5EF4-FFF2-40B4-BE49-F238E27FC236}">
-                <a16:creationId xmlns:a16="http://schemas.microsoft.com/office/drawing/2014/main" id="{2335744D-1049-4160-B20D-A8A9F31B088F}"/>
+                <a16:creationId xmlns:a16="http://schemas.microsoft.com/office/drawing/2014/main" id="{B8321784-F051-45E1-A181-1BA686092998}"/>
               </a:ext>
             </a:extLst>
           </p:cNvPr>
-          <p:cNvPicPr/>
+          <p:cNvSpPr txBox="1"/>
           <p:nvPr/>
-        </p:nvPicPr>
-        <p:blipFill>
-          <a:blip r:embed="rId2"/>
-          <a:stretch>
-            <a:fillRect/>
-          </a:stretch>
-        </p:blipFill>
-        <p:spPr>
-          <a:xfrm>
-            <a:off x="2752725" y="1543050"/>
-            <a:ext cx="3638550" cy="2057400"/>
+        </p:nvSpPr>
+        <p:spPr>
+          <a:xfrm>
+            <a:off x="1171575" y="1476320"/>
+            <a:ext cx="5553075" cy="369332"/>
           </a:xfrm>
           <a:prstGeom prst="rect">
             <a:avLst/>
           </a:prstGeom>
-        </p:spPr>
-      </p:pic>
+          <a:noFill/>
+        </p:spPr>
+        <p:txBody>
+          <a:bodyPr wrap="square" rtlCol="0">
+            <a:spAutoFit/>
+          </a:bodyPr>
+          <a:lstStyle/>
+          <a:p>
+            <a:r>
+              <a:rPr lang="en-US" sz="1800" dirty="0"/>
+              <a:t>- Docker-compose file.</a:t>
+            </a:r>
+          </a:p>
+        </p:txBody>
+      </p:sp>
+      <p:sp>
+        <p:nvSpPr>
+          <p:cNvPr id="15" name="TextBox 14">
+            <a:extLst>
+              <a:ext uri="{FF2B5EF4-FFF2-40B4-BE49-F238E27FC236}">
+                <a16:creationId xmlns:a16="http://schemas.microsoft.com/office/drawing/2014/main" id="{DF52B71F-624D-4ECC-82E0-E860FCB75542}"/>
+              </a:ext>
+            </a:extLst>
+          </p:cNvPr>
+          <p:cNvSpPr txBox="1"/>
+          <p:nvPr/>
+        </p:nvSpPr>
+        <p:spPr>
+          <a:xfrm>
+            <a:off x="1171575" y="2463088"/>
+            <a:ext cx="5553075" cy="369332"/>
+          </a:xfrm>
+          <a:prstGeom prst="rect">
+            <a:avLst/>
+          </a:prstGeom>
+          <a:noFill/>
+        </p:spPr>
+        <p:txBody>
+          <a:bodyPr wrap="square" rtlCol="0">
+            <a:spAutoFit/>
+          </a:bodyPr>
+          <a:lstStyle/>
+          <a:p>
+            <a:r>
+              <a:rPr lang="en-US" sz="1800" dirty="0"/>
+              <a:t>- Kibana config file.</a:t>
+            </a:r>
+          </a:p>
+        </p:txBody>
+      </p:sp>
+      <p:sp>
+        <p:nvSpPr>
+          <p:cNvPr id="17" name="TextBox 16">
+            <a:extLst>
+              <a:ext uri="{FF2B5EF4-FFF2-40B4-BE49-F238E27FC236}">
+                <a16:creationId xmlns:a16="http://schemas.microsoft.com/office/drawing/2014/main" id="{32EBA6EE-A61C-47D7-97A3-F2E30093E830}"/>
+              </a:ext>
+            </a:extLst>
+          </p:cNvPr>
+          <p:cNvSpPr txBox="1"/>
+          <p:nvPr/>
+        </p:nvSpPr>
+        <p:spPr>
+          <a:xfrm>
+            <a:off x="1171574" y="3449856"/>
+            <a:ext cx="5553075" cy="369332"/>
+          </a:xfrm>
+          <a:prstGeom prst="rect">
+            <a:avLst/>
+          </a:prstGeom>
+          <a:noFill/>
+        </p:spPr>
+        <p:txBody>
+          <a:bodyPr wrap="square" rtlCol="0">
+            <a:spAutoFit/>
+          </a:bodyPr>
+          <a:lstStyle/>
+          <a:p>
+            <a:r>
+              <a:rPr lang="en-US" sz="1800" dirty="0"/>
+              <a:t>- </a:t>
+            </a:r>
+            <a:r>
+              <a:rPr lang="en-US" sz="1800" dirty="0" err="1"/>
+              <a:t>Fluentd</a:t>
+            </a:r>
+            <a:r>
+              <a:rPr lang="en-US" sz="1800" dirty="0"/>
+              <a:t> config file.</a:t>
+            </a:r>
+          </a:p>
+        </p:txBody>
+      </p:sp>
       <p:pic>
         <p:nvPicPr>
           <p:cNvPr id="12" name="Picture 11">
             <a:extLst>
               <a:ext uri="{FF2B5EF4-FFF2-40B4-BE49-F238E27FC236}">
-                <a16:creationId xmlns:a16="http://schemas.microsoft.com/office/drawing/2014/main" id="{021FBB87-BDE4-419C-802F-5846FBDF64C9}"/>
+                <a16:creationId xmlns:a16="http://schemas.microsoft.com/office/drawing/2014/main" id="{0E43A5A9-0463-42D1-A17D-63317138704E}"/>
               </a:ext>
             </a:extLst>
           </p:cNvPr>
@@ -11770,15 +11359,15 @@
           <p:nvPr/>
         </p:nvPicPr>
         <p:blipFill>
-          <a:blip r:embed="rId3"/>
+          <a:blip r:embed="rId2"/>
           <a:stretch>
             <a:fillRect/>
           </a:stretch>
         </p:blipFill>
         <p:spPr>
           <a:xfrm>
-            <a:off x="7102795" y="152307"/>
-            <a:ext cx="1815460" cy="694562"/>
+            <a:off x="7372900" y="137987"/>
+            <a:ext cx="1316221" cy="568607"/>
           </a:xfrm>
           <a:prstGeom prst="rect">
             <a:avLst/>
@@ -11788,7 +11377,7 @@
     </p:spTree>
     <p:extLst>
       <p:ext uri="{BB962C8B-B14F-4D97-AF65-F5344CB8AC3E}">
-        <p14:creationId xmlns:p14="http://schemas.microsoft.com/office/powerpoint/2010/main" val="2476696139"/>
+        <p14:creationId xmlns:p14="http://schemas.microsoft.com/office/powerpoint/2010/main" val="4216378537"/>
       </p:ext>
     </p:extLst>
   </p:cSld>
@@ -11871,7 +11460,7 @@
         </p:nvSpPr>
         <p:spPr>
           <a:xfrm>
-            <a:off x="2550806" y="1990917"/>
+            <a:off x="2550806" y="1668647"/>
             <a:ext cx="1915686" cy="254979"/>
           </a:xfrm>
         </p:spPr>
@@ -11898,7 +11487,7 @@
         </p:nvSpPr>
         <p:spPr>
           <a:xfrm>
-            <a:off x="4695089" y="1994928"/>
+            <a:off x="4695089" y="1672658"/>
             <a:ext cx="1915686" cy="254979"/>
           </a:xfrm>
         </p:spPr>
@@ -11925,7 +11514,7 @@
         </p:nvSpPr>
         <p:spPr>
           <a:xfrm>
-            <a:off x="4695090" y="2766104"/>
+            <a:off x="4695089" y="2355985"/>
             <a:ext cx="1915686" cy="254979"/>
           </a:xfrm>
         </p:spPr>
@@ -11953,7 +11542,7 @@
         </p:nvSpPr>
         <p:spPr>
           <a:xfrm>
-            <a:off x="2550806" y="2768921"/>
+            <a:off x="2550805" y="2358802"/>
             <a:ext cx="1915686" cy="254979"/>
           </a:xfrm>
         </p:spPr>
@@ -11963,7 +11552,7 @@
           <a:p>
             <a:pPr algn="r"/>
             <a:r>
-              <a:rPr lang="es-ES_tradnl" dirty="0" err="1"/>
+              <a:rPr lang="en-US" dirty="0"/>
               <a:t>Why</a:t>
             </a:r>
             <a:r>
@@ -11971,8 +11560,12 @@
               <a:t> </a:t>
             </a:r>
             <a:r>
+              <a:rPr lang="en-US" dirty="0" err="1"/>
+              <a:t>EFK</a:t>
+            </a:r>
+            <a:r>
               <a:rPr lang="en-US" dirty="0"/>
-              <a:t>we should use EFK?</a:t>
+              <a:t>?</a:t>
             </a:r>
             <a:endParaRPr lang="es-ES_tradnl" dirty="0"/>
           </a:p>
@@ -11990,7 +11583,7 @@
         </p:nvSpPr>
         <p:spPr>
           <a:xfrm>
-            <a:off x="2550806" y="3550935"/>
+            <a:off x="2550807" y="3154066"/>
             <a:ext cx="1915686" cy="254979"/>
           </a:xfrm>
         </p:spPr>
@@ -12017,7 +11610,7 @@
         </p:nvSpPr>
         <p:spPr>
           <a:xfrm>
-            <a:off x="4695089" y="3550936"/>
+            <a:off x="4695090" y="3154067"/>
             <a:ext cx="2868763" cy="254979"/>
           </a:xfrm>
         </p:spPr>
@@ -12026,8 +11619,414 @@
           <a:lstStyle/>
           <a:p>
             <a:r>
-              <a:rPr lang="en-US"/>
-              <a:t>Implement EFK to microservice</a:t>
+              <a:rPr lang="en-US" dirty="0"/>
+              <a:t>Implement </a:t>
+            </a:r>
+            <a:r>
+              <a:rPr lang="en-US" dirty="0" err="1"/>
+              <a:t>EFK</a:t>
+            </a:r>
+            <a:r>
+              <a:rPr lang="en-US" dirty="0"/>
+              <a:t> to microservice</a:t>
+            </a:r>
+          </a:p>
+        </p:txBody>
+      </p:sp>
+      <p:sp>
+        <p:nvSpPr>
+          <p:cNvPr id="12" name="Marcador de texto 14">
+            <a:extLst>
+              <a:ext uri="{FF2B5EF4-FFF2-40B4-BE49-F238E27FC236}">
+                <a16:creationId xmlns:a16="http://schemas.microsoft.com/office/drawing/2014/main" id="{94706B5E-5A20-4245-8481-C32E6B866D5F}"/>
+              </a:ext>
+            </a:extLst>
+          </p:cNvPr>
+          <p:cNvSpPr txBox="1">
+            <a:spLocks/>
+          </p:cNvSpPr>
+          <p:nvPr/>
+        </p:nvSpPr>
+        <p:spPr>
+          <a:xfrm>
+            <a:off x="4703882" y="3952147"/>
+            <a:ext cx="1915686" cy="254979"/>
+          </a:xfrm>
+          <a:prstGeom prst="rect">
+            <a:avLst/>
+          </a:prstGeom>
+        </p:spPr>
+        <p:txBody>
+          <a:bodyPr vert="horz" lIns="0" tIns="0" rIns="0" bIns="0" anchor="ctr"/>
+          <a:lstStyle>
+            <a:lvl1pPr marL="0" indent="0" algn="l" defTabSz="685800" rtl="0" eaLnBrk="1" latinLnBrk="0" hangingPunct="1">
+              <a:lnSpc>
+                <a:spcPct val="90000"/>
+              </a:lnSpc>
+              <a:spcBef>
+                <a:spcPts val="750"/>
+              </a:spcBef>
+              <a:buFont typeface="Arial"/>
+              <a:buNone/>
+              <a:defRPr sz="3000" b="1" i="0" kern="1200">
+                <a:solidFill>
+                  <a:schemeClr val="bg1">
+                    <a:lumMod val="65000"/>
+                  </a:schemeClr>
+                </a:solidFill>
+                <a:latin typeface="Raleway Black" charset="0"/>
+                <a:ea typeface="Raleway Black" charset="0"/>
+                <a:cs typeface="Raleway Black" charset="0"/>
+              </a:defRPr>
+            </a:lvl1pPr>
+            <a:lvl2pPr marL="514350" indent="-171450" algn="l" defTabSz="685800" rtl="0" eaLnBrk="1" latinLnBrk="0" hangingPunct="1">
+              <a:lnSpc>
+                <a:spcPct val="90000"/>
+              </a:lnSpc>
+              <a:spcBef>
+                <a:spcPts val="375"/>
+              </a:spcBef>
+              <a:buFont typeface="Arial"/>
+              <a:buChar char="•"/>
+              <a:defRPr sz="1800" kern="1200">
+                <a:solidFill>
+                  <a:schemeClr val="tx1"/>
+                </a:solidFill>
+                <a:latin typeface="+mn-lt"/>
+                <a:ea typeface="+mn-ea"/>
+                <a:cs typeface="+mn-cs"/>
+              </a:defRPr>
+            </a:lvl2pPr>
+            <a:lvl3pPr marL="857250" indent="-171450" algn="l" defTabSz="685800" rtl="0" eaLnBrk="1" latinLnBrk="0" hangingPunct="1">
+              <a:lnSpc>
+                <a:spcPct val="90000"/>
+              </a:lnSpc>
+              <a:spcBef>
+                <a:spcPts val="375"/>
+              </a:spcBef>
+              <a:buFont typeface="Arial"/>
+              <a:buChar char="•"/>
+              <a:defRPr sz="1500" kern="1200">
+                <a:solidFill>
+                  <a:schemeClr val="tx1"/>
+                </a:solidFill>
+                <a:latin typeface="+mn-lt"/>
+                <a:ea typeface="+mn-ea"/>
+                <a:cs typeface="+mn-cs"/>
+              </a:defRPr>
+            </a:lvl3pPr>
+            <a:lvl4pPr marL="1200150" indent="-171450" algn="l" defTabSz="685800" rtl="0" eaLnBrk="1" latinLnBrk="0" hangingPunct="1">
+              <a:lnSpc>
+                <a:spcPct val="90000"/>
+              </a:lnSpc>
+              <a:spcBef>
+                <a:spcPts val="375"/>
+              </a:spcBef>
+              <a:buFont typeface="Arial"/>
+              <a:buChar char="•"/>
+              <a:defRPr sz="1350" kern="1200">
+                <a:solidFill>
+                  <a:schemeClr val="tx1"/>
+                </a:solidFill>
+                <a:latin typeface="+mn-lt"/>
+                <a:ea typeface="+mn-ea"/>
+                <a:cs typeface="+mn-cs"/>
+              </a:defRPr>
+            </a:lvl4pPr>
+            <a:lvl5pPr marL="1543050" indent="-171450" algn="l" defTabSz="685800" rtl="0" eaLnBrk="1" latinLnBrk="0" hangingPunct="1">
+              <a:lnSpc>
+                <a:spcPct val="90000"/>
+              </a:lnSpc>
+              <a:spcBef>
+                <a:spcPts val="375"/>
+              </a:spcBef>
+              <a:buFont typeface="Arial"/>
+              <a:buChar char="•"/>
+              <a:defRPr sz="1350" kern="1200">
+                <a:solidFill>
+                  <a:schemeClr val="tx1"/>
+                </a:solidFill>
+                <a:latin typeface="+mn-lt"/>
+                <a:ea typeface="+mn-ea"/>
+                <a:cs typeface="+mn-cs"/>
+              </a:defRPr>
+            </a:lvl5pPr>
+            <a:lvl6pPr marL="1885950" indent="-171450" algn="l" defTabSz="685800" rtl="0" eaLnBrk="1" latinLnBrk="0" hangingPunct="1">
+              <a:lnSpc>
+                <a:spcPct val="90000"/>
+              </a:lnSpc>
+              <a:spcBef>
+                <a:spcPts val="375"/>
+              </a:spcBef>
+              <a:buFont typeface="Arial"/>
+              <a:buChar char="•"/>
+              <a:defRPr sz="1350" kern="1200">
+                <a:solidFill>
+                  <a:schemeClr val="tx1"/>
+                </a:solidFill>
+                <a:latin typeface="+mn-lt"/>
+                <a:ea typeface="+mn-ea"/>
+                <a:cs typeface="+mn-cs"/>
+              </a:defRPr>
+            </a:lvl6pPr>
+            <a:lvl7pPr marL="2228850" indent="-171450" algn="l" defTabSz="685800" rtl="0" eaLnBrk="1" latinLnBrk="0" hangingPunct="1">
+              <a:lnSpc>
+                <a:spcPct val="90000"/>
+              </a:lnSpc>
+              <a:spcBef>
+                <a:spcPts val="375"/>
+              </a:spcBef>
+              <a:buFont typeface="Arial"/>
+              <a:buChar char="•"/>
+              <a:defRPr sz="1350" kern="1200">
+                <a:solidFill>
+                  <a:schemeClr val="tx1"/>
+                </a:solidFill>
+                <a:latin typeface="+mn-lt"/>
+                <a:ea typeface="+mn-ea"/>
+                <a:cs typeface="+mn-cs"/>
+              </a:defRPr>
+            </a:lvl7pPr>
+            <a:lvl8pPr marL="2571750" indent="-171450" algn="l" defTabSz="685800" rtl="0" eaLnBrk="1" latinLnBrk="0" hangingPunct="1">
+              <a:lnSpc>
+                <a:spcPct val="90000"/>
+              </a:lnSpc>
+              <a:spcBef>
+                <a:spcPts val="375"/>
+              </a:spcBef>
+              <a:buFont typeface="Arial"/>
+              <a:buChar char="•"/>
+              <a:defRPr sz="1350" kern="1200">
+                <a:solidFill>
+                  <a:schemeClr val="tx1"/>
+                </a:solidFill>
+                <a:latin typeface="+mn-lt"/>
+                <a:ea typeface="+mn-ea"/>
+                <a:cs typeface="+mn-cs"/>
+              </a:defRPr>
+            </a:lvl8pPr>
+            <a:lvl9pPr marL="2914650" indent="-171450" algn="l" defTabSz="685800" rtl="0" eaLnBrk="1" latinLnBrk="0" hangingPunct="1">
+              <a:lnSpc>
+                <a:spcPct val="90000"/>
+              </a:lnSpc>
+              <a:spcBef>
+                <a:spcPts val="375"/>
+              </a:spcBef>
+              <a:buFont typeface="Arial"/>
+              <a:buChar char="•"/>
+              <a:defRPr sz="1350" kern="1200">
+                <a:solidFill>
+                  <a:schemeClr val="tx1"/>
+                </a:solidFill>
+                <a:latin typeface="+mn-lt"/>
+                <a:ea typeface="+mn-ea"/>
+                <a:cs typeface="+mn-cs"/>
+              </a:defRPr>
+            </a:lvl9pPr>
+          </a:lstStyle>
+          <a:p>
+            <a:r>
+              <a:rPr lang="es-ES_tradnl" dirty="0"/>
+              <a:t>04</a:t>
+            </a:r>
+          </a:p>
+        </p:txBody>
+      </p:sp>
+      <p:sp>
+        <p:nvSpPr>
+          <p:cNvPr id="15" name="Marcador de texto 15">
+            <a:extLst>
+              <a:ext uri="{FF2B5EF4-FFF2-40B4-BE49-F238E27FC236}">
+                <a16:creationId xmlns:a16="http://schemas.microsoft.com/office/drawing/2014/main" id="{9376E6BD-941F-4BC7-98BC-59BB36A91070}"/>
+              </a:ext>
+            </a:extLst>
+          </p:cNvPr>
+          <p:cNvSpPr txBox="1">
+            <a:spLocks/>
+          </p:cNvSpPr>
+          <p:nvPr/>
+        </p:nvSpPr>
+        <p:spPr>
+          <a:xfrm>
+            <a:off x="2550807" y="3952147"/>
+            <a:ext cx="1915686" cy="254979"/>
+          </a:xfrm>
+          <a:prstGeom prst="rect">
+            <a:avLst/>
+          </a:prstGeom>
+        </p:spPr>
+        <p:txBody>
+          <a:bodyPr vert="horz" lIns="0" tIns="0" rIns="0" bIns="0" anchor="ctr"/>
+          <a:lstStyle>
+            <a:lvl1pPr marL="0" indent="0" algn="r" defTabSz="685800" rtl="0" eaLnBrk="1" latinLnBrk="0" hangingPunct="1">
+              <a:lnSpc>
+                <a:spcPct val="90000"/>
+              </a:lnSpc>
+              <a:spcBef>
+                <a:spcPts val="750"/>
+              </a:spcBef>
+              <a:buFont typeface="Arial"/>
+              <a:buNone/>
+              <a:defRPr sz="1200" b="1" i="0" kern="1200">
+                <a:solidFill>
+                  <a:schemeClr val="bg1">
+                    <a:lumMod val="65000"/>
+                  </a:schemeClr>
+                </a:solidFill>
+                <a:latin typeface="Raleway Black" charset="0"/>
+                <a:ea typeface="Raleway Black" charset="0"/>
+                <a:cs typeface="Raleway Black" charset="0"/>
+              </a:defRPr>
+            </a:lvl1pPr>
+            <a:lvl2pPr marL="514350" indent="-171450" algn="l" defTabSz="685800" rtl="0" eaLnBrk="1" latinLnBrk="0" hangingPunct="1">
+              <a:lnSpc>
+                <a:spcPct val="90000"/>
+              </a:lnSpc>
+              <a:spcBef>
+                <a:spcPts val="375"/>
+              </a:spcBef>
+              <a:buFont typeface="Arial"/>
+              <a:buChar char="•"/>
+              <a:defRPr sz="1800" kern="1200">
+                <a:solidFill>
+                  <a:schemeClr val="tx1"/>
+                </a:solidFill>
+                <a:latin typeface="+mn-lt"/>
+                <a:ea typeface="+mn-ea"/>
+                <a:cs typeface="+mn-cs"/>
+              </a:defRPr>
+            </a:lvl2pPr>
+            <a:lvl3pPr marL="857250" indent="-171450" algn="l" defTabSz="685800" rtl="0" eaLnBrk="1" latinLnBrk="0" hangingPunct="1">
+              <a:lnSpc>
+                <a:spcPct val="90000"/>
+              </a:lnSpc>
+              <a:spcBef>
+                <a:spcPts val="375"/>
+              </a:spcBef>
+              <a:buFont typeface="Arial"/>
+              <a:buChar char="•"/>
+              <a:defRPr sz="1500" kern="1200">
+                <a:solidFill>
+                  <a:schemeClr val="tx1"/>
+                </a:solidFill>
+                <a:latin typeface="+mn-lt"/>
+                <a:ea typeface="+mn-ea"/>
+                <a:cs typeface="+mn-cs"/>
+              </a:defRPr>
+            </a:lvl3pPr>
+            <a:lvl4pPr marL="1200150" indent="-171450" algn="l" defTabSz="685800" rtl="0" eaLnBrk="1" latinLnBrk="0" hangingPunct="1">
+              <a:lnSpc>
+                <a:spcPct val="90000"/>
+              </a:lnSpc>
+              <a:spcBef>
+                <a:spcPts val="375"/>
+              </a:spcBef>
+              <a:buFont typeface="Arial"/>
+              <a:buChar char="•"/>
+              <a:defRPr sz="1350" kern="1200">
+                <a:solidFill>
+                  <a:schemeClr val="tx1"/>
+                </a:solidFill>
+                <a:latin typeface="+mn-lt"/>
+                <a:ea typeface="+mn-ea"/>
+                <a:cs typeface="+mn-cs"/>
+              </a:defRPr>
+            </a:lvl4pPr>
+            <a:lvl5pPr marL="1543050" indent="-171450" algn="l" defTabSz="685800" rtl="0" eaLnBrk="1" latinLnBrk="0" hangingPunct="1">
+              <a:lnSpc>
+                <a:spcPct val="90000"/>
+              </a:lnSpc>
+              <a:spcBef>
+                <a:spcPts val="375"/>
+              </a:spcBef>
+              <a:buFont typeface="Arial"/>
+              <a:buChar char="•"/>
+              <a:defRPr sz="1350" kern="1200">
+                <a:solidFill>
+                  <a:schemeClr val="tx1"/>
+                </a:solidFill>
+                <a:latin typeface="+mn-lt"/>
+                <a:ea typeface="+mn-ea"/>
+                <a:cs typeface="+mn-cs"/>
+              </a:defRPr>
+            </a:lvl5pPr>
+            <a:lvl6pPr marL="1885950" indent="-171450" algn="l" defTabSz="685800" rtl="0" eaLnBrk="1" latinLnBrk="0" hangingPunct="1">
+              <a:lnSpc>
+                <a:spcPct val="90000"/>
+              </a:lnSpc>
+              <a:spcBef>
+                <a:spcPts val="375"/>
+              </a:spcBef>
+              <a:buFont typeface="Arial"/>
+              <a:buChar char="•"/>
+              <a:defRPr sz="1350" kern="1200">
+                <a:solidFill>
+                  <a:schemeClr val="tx1"/>
+                </a:solidFill>
+                <a:latin typeface="+mn-lt"/>
+                <a:ea typeface="+mn-ea"/>
+                <a:cs typeface="+mn-cs"/>
+              </a:defRPr>
+            </a:lvl6pPr>
+            <a:lvl7pPr marL="2228850" indent="-171450" algn="l" defTabSz="685800" rtl="0" eaLnBrk="1" latinLnBrk="0" hangingPunct="1">
+              <a:lnSpc>
+                <a:spcPct val="90000"/>
+              </a:lnSpc>
+              <a:spcBef>
+                <a:spcPts val="375"/>
+              </a:spcBef>
+              <a:buFont typeface="Arial"/>
+              <a:buChar char="•"/>
+              <a:defRPr sz="1350" kern="1200">
+                <a:solidFill>
+                  <a:schemeClr val="tx1"/>
+                </a:solidFill>
+                <a:latin typeface="+mn-lt"/>
+                <a:ea typeface="+mn-ea"/>
+                <a:cs typeface="+mn-cs"/>
+              </a:defRPr>
+            </a:lvl7pPr>
+            <a:lvl8pPr marL="2571750" indent="-171450" algn="l" defTabSz="685800" rtl="0" eaLnBrk="1" latinLnBrk="0" hangingPunct="1">
+              <a:lnSpc>
+                <a:spcPct val="90000"/>
+              </a:lnSpc>
+              <a:spcBef>
+                <a:spcPts val="375"/>
+              </a:spcBef>
+              <a:buFont typeface="Arial"/>
+              <a:buChar char="•"/>
+              <a:defRPr sz="1350" kern="1200">
+                <a:solidFill>
+                  <a:schemeClr val="tx1"/>
+                </a:solidFill>
+                <a:latin typeface="+mn-lt"/>
+                <a:ea typeface="+mn-ea"/>
+                <a:cs typeface="+mn-cs"/>
+              </a:defRPr>
+            </a:lvl8pPr>
+            <a:lvl9pPr marL="2914650" indent="-171450" algn="l" defTabSz="685800" rtl="0" eaLnBrk="1" latinLnBrk="0" hangingPunct="1">
+              <a:lnSpc>
+                <a:spcPct val="90000"/>
+              </a:lnSpc>
+              <a:spcBef>
+                <a:spcPts val="375"/>
+              </a:spcBef>
+              <a:buFont typeface="Arial"/>
+              <a:buChar char="•"/>
+              <a:defRPr sz="1350" kern="1200">
+                <a:solidFill>
+                  <a:schemeClr val="tx1"/>
+                </a:solidFill>
+                <a:latin typeface="+mn-lt"/>
+                <a:ea typeface="+mn-ea"/>
+                <a:cs typeface="+mn-cs"/>
+              </a:defRPr>
+            </a:lvl9pPr>
+          </a:lstStyle>
+          <a:p>
+            <a:r>
+              <a:rPr lang="en-US" dirty="0"/>
+              <a:t>Good things &amp; bad things</a:t>
             </a:r>
           </a:p>
         </p:txBody>
@@ -12046,6 +12045,3609 @@
 </file>
 
 <file path=ppt/slides/slide20.xml><?xml version="1.0" encoding="utf-8"?>
+<p:sld xmlns:a="http://schemas.openxmlformats.org/drawingml/2006/main" xmlns:r="http://schemas.openxmlformats.org/officeDocument/2006/relationships" xmlns:p="http://schemas.openxmlformats.org/presentationml/2006/main" showMasterSp="0">
+  <p:cSld>
+    <p:spTree>
+      <p:nvGrpSpPr>
+        <p:cNvPr id="1" name=""/>
+        <p:cNvGrpSpPr/>
+        <p:nvPr/>
+      </p:nvGrpSpPr>
+      <p:grpSpPr>
+        <a:xfrm>
+          <a:off x="0" y="0"/>
+          <a:ext cx="0" cy="0"/>
+          <a:chOff x="0" y="0"/>
+          <a:chExt cx="0" cy="0"/>
+        </a:xfrm>
+      </p:grpSpPr>
+      <p:sp>
+        <p:nvSpPr>
+          <p:cNvPr id="5" name="Marcador de texto 4"/>
+          <p:cNvSpPr>
+            <a:spLocks noGrp="1"/>
+          </p:cNvSpPr>
+          <p:nvPr>
+            <p:ph type="body" sz="quarter" idx="10"/>
+          </p:nvPr>
+        </p:nvSpPr>
+        <p:spPr>
+          <a:xfrm>
+            <a:off x="503238" y="892206"/>
+            <a:ext cx="3109826" cy="2769989"/>
+          </a:xfrm>
+        </p:spPr>
+        <p:txBody>
+          <a:bodyPr/>
+          <a:lstStyle/>
+          <a:p>
+            <a:r>
+              <a:rPr lang="es-ES_tradnl" dirty="0"/>
+              <a:t>02</a:t>
+            </a:r>
+          </a:p>
+        </p:txBody>
+      </p:sp>
+      <p:sp>
+        <p:nvSpPr>
+          <p:cNvPr id="16" name="Marcador de texto 15"/>
+          <p:cNvSpPr>
+            <a:spLocks noGrp="1"/>
+          </p:cNvSpPr>
+          <p:nvPr>
+            <p:ph type="body" sz="quarter" idx="11"/>
+          </p:nvPr>
+        </p:nvSpPr>
+        <p:spPr>
+          <a:xfrm>
+            <a:off x="512030" y="2453044"/>
+            <a:ext cx="3574195" cy="1090255"/>
+          </a:xfrm>
+        </p:spPr>
+        <p:txBody>
+          <a:bodyPr/>
+          <a:lstStyle/>
+          <a:p>
+            <a:pPr algn="l"/>
+            <a:r>
+              <a:rPr lang="es-ES_tradnl" dirty="0"/>
+              <a:t>SETUP SERVICE</a:t>
+            </a:r>
+          </a:p>
+        </p:txBody>
+      </p:sp>
+      <p:cxnSp>
+        <p:nvCxnSpPr>
+          <p:cNvPr id="9" name="Conector recto 8"/>
+          <p:cNvCxnSpPr/>
+          <p:nvPr/>
+        </p:nvCxnSpPr>
+        <p:spPr>
+          <a:xfrm>
+            <a:off x="503238" y="2453045"/>
+            <a:ext cx="2985569" cy="0"/>
+          </a:xfrm>
+          <a:prstGeom prst="line">
+            <a:avLst/>
+          </a:prstGeom>
+          <a:ln w="9525">
+            <a:solidFill>
+              <a:schemeClr val="accent5">
+                <a:lumMod val="75000"/>
+              </a:schemeClr>
+            </a:solidFill>
+            <a:headEnd type="oval"/>
+          </a:ln>
+        </p:spPr>
+        <p:style>
+          <a:lnRef idx="1">
+            <a:schemeClr val="accent1"/>
+          </a:lnRef>
+          <a:fillRef idx="0">
+            <a:schemeClr val="accent1"/>
+          </a:fillRef>
+          <a:effectRef idx="0">
+            <a:schemeClr val="accent1"/>
+          </a:effectRef>
+          <a:fontRef idx="minor">
+            <a:schemeClr val="tx1"/>
+          </a:fontRef>
+        </p:style>
+      </p:cxnSp>
+      <p:pic>
+        <p:nvPicPr>
+          <p:cNvPr id="7" name="Picture 6">
+            <a:extLst>
+              <a:ext uri="{FF2B5EF4-FFF2-40B4-BE49-F238E27FC236}">
+                <a16:creationId xmlns:a16="http://schemas.microsoft.com/office/drawing/2014/main" id="{2E44F01D-3325-48BD-9D87-C4DBE3357940}"/>
+              </a:ext>
+            </a:extLst>
+          </p:cNvPr>
+          <p:cNvPicPr>
+            <a:picLocks noChangeAspect="1"/>
+          </p:cNvPicPr>
+          <p:nvPr/>
+        </p:nvPicPr>
+        <p:blipFill>
+          <a:blip r:embed="rId2"/>
+          <a:stretch>
+            <a:fillRect/>
+          </a:stretch>
+        </p:blipFill>
+        <p:spPr>
+          <a:xfrm>
+            <a:off x="7372900" y="137987"/>
+            <a:ext cx="1316221" cy="568607"/>
+          </a:xfrm>
+          <a:prstGeom prst="rect">
+            <a:avLst/>
+          </a:prstGeom>
+        </p:spPr>
+      </p:pic>
+    </p:spTree>
+    <p:extLst>
+      <p:ext uri="{BB962C8B-B14F-4D97-AF65-F5344CB8AC3E}">
+        <p14:creationId xmlns:p14="http://schemas.microsoft.com/office/powerpoint/2010/main" val="2115107756"/>
+      </p:ext>
+    </p:extLst>
+  </p:cSld>
+  <p:clrMapOvr>
+    <a:masterClrMapping/>
+  </p:clrMapOvr>
+</p:sld>
+</file>
+
+<file path=ppt/slides/slide21.xml><?xml version="1.0" encoding="utf-8"?>
+<p:sld xmlns:a="http://schemas.openxmlformats.org/drawingml/2006/main" xmlns:r="http://schemas.openxmlformats.org/officeDocument/2006/relationships" xmlns:p="http://schemas.openxmlformats.org/presentationml/2006/main" showMasterSp="0">
+  <p:cSld>
+    <p:spTree>
+      <p:nvGrpSpPr>
+        <p:cNvPr id="1" name=""/>
+        <p:cNvGrpSpPr/>
+        <p:nvPr/>
+      </p:nvGrpSpPr>
+      <p:grpSpPr>
+        <a:xfrm>
+          <a:off x="0" y="0"/>
+          <a:ext cx="0" cy="0"/>
+          <a:chOff x="0" y="0"/>
+          <a:chExt cx="0" cy="0"/>
+        </a:xfrm>
+      </p:grpSpPr>
+      <p:sp>
+        <p:nvSpPr>
+          <p:cNvPr id="5" name="Marcador de texto 4"/>
+          <p:cNvSpPr>
+            <a:spLocks noGrp="1"/>
+          </p:cNvSpPr>
+          <p:nvPr>
+            <p:ph type="body" sz="quarter" idx="10"/>
+          </p:nvPr>
+        </p:nvSpPr>
+        <p:spPr>
+          <a:xfrm>
+            <a:off x="512029" y="440817"/>
+            <a:ext cx="4367701" cy="597510"/>
+          </a:xfrm>
+        </p:spPr>
+        <p:txBody>
+          <a:bodyPr/>
+          <a:lstStyle/>
+          <a:p>
+            <a:r>
+              <a:rPr lang="es-ES_tradnl" dirty="0"/>
+              <a:t>02</a:t>
+            </a:r>
+          </a:p>
+        </p:txBody>
+      </p:sp>
+      <p:sp>
+        <p:nvSpPr>
+          <p:cNvPr id="16" name="Marcador de texto 15"/>
+          <p:cNvSpPr>
+            <a:spLocks noGrp="1"/>
+          </p:cNvSpPr>
+          <p:nvPr>
+            <p:ph type="body" sz="quarter" idx="11"/>
+          </p:nvPr>
+        </p:nvSpPr>
+        <p:spPr>
+          <a:xfrm>
+            <a:off x="503238" y="842626"/>
+            <a:ext cx="2635616" cy="423464"/>
+          </a:xfrm>
+        </p:spPr>
+        <p:txBody>
+          <a:bodyPr/>
+          <a:lstStyle/>
+          <a:p>
+            <a:r>
+              <a:rPr lang="es-ES_tradnl" sz="1600" dirty="0"/>
+              <a:t>SETUP SERVICE</a:t>
+            </a:r>
+          </a:p>
+        </p:txBody>
+      </p:sp>
+      <p:cxnSp>
+        <p:nvCxnSpPr>
+          <p:cNvPr id="9" name="Conector recto 8"/>
+          <p:cNvCxnSpPr/>
+          <p:nvPr/>
+        </p:nvCxnSpPr>
+        <p:spPr>
+          <a:xfrm>
+            <a:off x="503238" y="844190"/>
+            <a:ext cx="8281987" cy="0"/>
+          </a:xfrm>
+          <a:prstGeom prst="line">
+            <a:avLst/>
+          </a:prstGeom>
+          <a:ln w="9525">
+            <a:solidFill>
+              <a:schemeClr val="accent5">
+                <a:lumMod val="75000"/>
+              </a:schemeClr>
+            </a:solidFill>
+            <a:headEnd type="oval"/>
+          </a:ln>
+        </p:spPr>
+        <p:style>
+          <a:lnRef idx="1">
+            <a:schemeClr val="accent1"/>
+          </a:lnRef>
+          <a:fillRef idx="0">
+            <a:schemeClr val="accent1"/>
+          </a:fillRef>
+          <a:effectRef idx="0">
+            <a:schemeClr val="accent1"/>
+          </a:effectRef>
+          <a:fontRef idx="minor">
+            <a:schemeClr val="tx1"/>
+          </a:fontRef>
+        </p:style>
+      </p:cxnSp>
+      <p:sp>
+        <p:nvSpPr>
+          <p:cNvPr id="26" name="Text Placeholder 20"/>
+          <p:cNvSpPr txBox="1">
+            <a:spLocks/>
+          </p:cNvSpPr>
+          <p:nvPr/>
+        </p:nvSpPr>
+        <p:spPr>
+          <a:xfrm>
+            <a:off x="1329714" y="2116839"/>
+            <a:ext cx="516670" cy="346249"/>
+          </a:xfrm>
+          <a:prstGeom prst="rect">
+            <a:avLst/>
+          </a:prstGeom>
+        </p:spPr>
+        <p:txBody>
+          <a:bodyPr wrap="square" lIns="0" tIns="0" rIns="0" bIns="0" anchor="t" anchorCtr="0">
+            <a:spAutoFit/>
+          </a:bodyPr>
+          <a:lstStyle>
+            <a:lvl1pPr marL="0" indent="0" algn="l" defTabSz="685800" rtl="0" eaLnBrk="1" latinLnBrk="0" hangingPunct="1">
+              <a:lnSpc>
+                <a:spcPct val="90000"/>
+              </a:lnSpc>
+              <a:spcBef>
+                <a:spcPts val="750"/>
+              </a:spcBef>
+              <a:buFont typeface="Arial"/>
+              <a:buNone/>
+              <a:defRPr sz="3500" b="1" i="0" kern="1200">
+                <a:solidFill>
+                  <a:srgbClr val="E8E7E9"/>
+                </a:solidFill>
+                <a:latin typeface="Raleway Black" charset="0"/>
+                <a:ea typeface="Raleway Black" charset="0"/>
+                <a:cs typeface="Raleway Black" charset="0"/>
+              </a:defRPr>
+            </a:lvl1pPr>
+            <a:lvl2pPr marL="514350" indent="-171450" algn="l" defTabSz="685800" rtl="0" eaLnBrk="1" latinLnBrk="0" hangingPunct="1">
+              <a:lnSpc>
+                <a:spcPct val="90000"/>
+              </a:lnSpc>
+              <a:spcBef>
+                <a:spcPts val="375"/>
+              </a:spcBef>
+              <a:buFont typeface="Arial"/>
+              <a:buChar char="•"/>
+              <a:defRPr sz="1800" kern="1200">
+                <a:solidFill>
+                  <a:schemeClr val="tx1"/>
+                </a:solidFill>
+                <a:latin typeface="+mn-lt"/>
+                <a:ea typeface="+mn-ea"/>
+                <a:cs typeface="+mn-cs"/>
+              </a:defRPr>
+            </a:lvl2pPr>
+            <a:lvl3pPr marL="857250" indent="-171450" algn="l" defTabSz="685800" rtl="0" eaLnBrk="1" latinLnBrk="0" hangingPunct="1">
+              <a:lnSpc>
+                <a:spcPct val="90000"/>
+              </a:lnSpc>
+              <a:spcBef>
+                <a:spcPts val="375"/>
+              </a:spcBef>
+              <a:buFont typeface="Arial"/>
+              <a:buChar char="•"/>
+              <a:defRPr sz="1500" kern="1200">
+                <a:solidFill>
+                  <a:schemeClr val="tx1"/>
+                </a:solidFill>
+                <a:latin typeface="+mn-lt"/>
+                <a:ea typeface="+mn-ea"/>
+                <a:cs typeface="+mn-cs"/>
+              </a:defRPr>
+            </a:lvl3pPr>
+            <a:lvl4pPr marL="1200150" indent="-171450" algn="l" defTabSz="685800" rtl="0" eaLnBrk="1" latinLnBrk="0" hangingPunct="1">
+              <a:lnSpc>
+                <a:spcPct val="90000"/>
+              </a:lnSpc>
+              <a:spcBef>
+                <a:spcPts val="375"/>
+              </a:spcBef>
+              <a:buFont typeface="Arial"/>
+              <a:buChar char="•"/>
+              <a:defRPr sz="1350" kern="1200">
+                <a:solidFill>
+                  <a:schemeClr val="tx1"/>
+                </a:solidFill>
+                <a:latin typeface="+mn-lt"/>
+                <a:ea typeface="+mn-ea"/>
+                <a:cs typeface="+mn-cs"/>
+              </a:defRPr>
+            </a:lvl4pPr>
+            <a:lvl5pPr marL="1543050" indent="-171450" algn="l" defTabSz="685800" rtl="0" eaLnBrk="1" latinLnBrk="0" hangingPunct="1">
+              <a:lnSpc>
+                <a:spcPct val="90000"/>
+              </a:lnSpc>
+              <a:spcBef>
+                <a:spcPts val="375"/>
+              </a:spcBef>
+              <a:buFont typeface="Arial"/>
+              <a:buChar char="•"/>
+              <a:defRPr sz="1350" kern="1200">
+                <a:solidFill>
+                  <a:schemeClr val="tx1"/>
+                </a:solidFill>
+                <a:latin typeface="+mn-lt"/>
+                <a:ea typeface="+mn-ea"/>
+                <a:cs typeface="+mn-cs"/>
+              </a:defRPr>
+            </a:lvl5pPr>
+            <a:lvl6pPr marL="1885950" indent="-171450" algn="l" defTabSz="685800" rtl="0" eaLnBrk="1" latinLnBrk="0" hangingPunct="1">
+              <a:lnSpc>
+                <a:spcPct val="90000"/>
+              </a:lnSpc>
+              <a:spcBef>
+                <a:spcPts val="375"/>
+              </a:spcBef>
+              <a:buFont typeface="Arial"/>
+              <a:buChar char="•"/>
+              <a:defRPr sz="1350" kern="1200">
+                <a:solidFill>
+                  <a:schemeClr val="tx1"/>
+                </a:solidFill>
+                <a:latin typeface="+mn-lt"/>
+                <a:ea typeface="+mn-ea"/>
+                <a:cs typeface="+mn-cs"/>
+              </a:defRPr>
+            </a:lvl6pPr>
+            <a:lvl7pPr marL="2228850" indent="-171450" algn="l" defTabSz="685800" rtl="0" eaLnBrk="1" latinLnBrk="0" hangingPunct="1">
+              <a:lnSpc>
+                <a:spcPct val="90000"/>
+              </a:lnSpc>
+              <a:spcBef>
+                <a:spcPts val="375"/>
+              </a:spcBef>
+              <a:buFont typeface="Arial"/>
+              <a:buChar char="•"/>
+              <a:defRPr sz="1350" kern="1200">
+                <a:solidFill>
+                  <a:schemeClr val="tx1"/>
+                </a:solidFill>
+                <a:latin typeface="+mn-lt"/>
+                <a:ea typeface="+mn-ea"/>
+                <a:cs typeface="+mn-cs"/>
+              </a:defRPr>
+            </a:lvl7pPr>
+            <a:lvl8pPr marL="2571750" indent="-171450" algn="l" defTabSz="685800" rtl="0" eaLnBrk="1" latinLnBrk="0" hangingPunct="1">
+              <a:lnSpc>
+                <a:spcPct val="90000"/>
+              </a:lnSpc>
+              <a:spcBef>
+                <a:spcPts val="375"/>
+              </a:spcBef>
+              <a:buFont typeface="Arial"/>
+              <a:buChar char="•"/>
+              <a:defRPr sz="1350" kern="1200">
+                <a:solidFill>
+                  <a:schemeClr val="tx1"/>
+                </a:solidFill>
+                <a:latin typeface="+mn-lt"/>
+                <a:ea typeface="+mn-ea"/>
+                <a:cs typeface="+mn-cs"/>
+              </a:defRPr>
+            </a:lvl8pPr>
+            <a:lvl9pPr marL="2914650" indent="-171450" algn="l" defTabSz="685800" rtl="0" eaLnBrk="1" latinLnBrk="0" hangingPunct="1">
+              <a:lnSpc>
+                <a:spcPct val="90000"/>
+              </a:lnSpc>
+              <a:spcBef>
+                <a:spcPts val="375"/>
+              </a:spcBef>
+              <a:buFont typeface="Arial"/>
+              <a:buChar char="•"/>
+              <a:defRPr sz="1350" kern="1200">
+                <a:solidFill>
+                  <a:schemeClr val="tx1"/>
+                </a:solidFill>
+                <a:latin typeface="+mn-lt"/>
+                <a:ea typeface="+mn-ea"/>
+                <a:cs typeface="+mn-cs"/>
+              </a:defRPr>
+            </a:lvl9pPr>
+          </a:lstStyle>
+          <a:p>
+            <a:pPr algn="ctr"/>
+            <a:r>
+              <a:rPr lang="en-US" sz="2500" dirty="0">
+                <a:solidFill>
+                  <a:schemeClr val="bg1"/>
+                </a:solidFill>
+                <a:latin typeface="FontAwesome" pitchFamily="2" charset="0"/>
+              </a:rPr>
+              <a:t></a:t>
+            </a:r>
+            <a:endParaRPr lang="en-US" sz="2500" dirty="0">
+              <a:solidFill>
+                <a:schemeClr val="bg1"/>
+              </a:solidFill>
+              <a:latin typeface="FontAwesome" charset="0"/>
+              <a:ea typeface="FontAwesome" charset="0"/>
+              <a:cs typeface="FontAwesome" charset="0"/>
+            </a:endParaRPr>
+          </a:p>
+        </p:txBody>
+      </p:sp>
+      <p:sp>
+        <p:nvSpPr>
+          <p:cNvPr id="27" name="Text Placeholder 20"/>
+          <p:cNvSpPr txBox="1">
+            <a:spLocks/>
+          </p:cNvSpPr>
+          <p:nvPr/>
+        </p:nvSpPr>
+        <p:spPr>
+          <a:xfrm>
+            <a:off x="4315559" y="2116839"/>
+            <a:ext cx="516670" cy="346249"/>
+          </a:xfrm>
+          <a:prstGeom prst="rect">
+            <a:avLst/>
+          </a:prstGeom>
+        </p:spPr>
+        <p:txBody>
+          <a:bodyPr wrap="square" lIns="0" tIns="0" rIns="0" bIns="0" anchor="t" anchorCtr="0">
+            <a:spAutoFit/>
+          </a:bodyPr>
+          <a:lstStyle>
+            <a:lvl1pPr marL="0" indent="0" algn="l" defTabSz="685800" rtl="0" eaLnBrk="1" latinLnBrk="0" hangingPunct="1">
+              <a:lnSpc>
+                <a:spcPct val="90000"/>
+              </a:lnSpc>
+              <a:spcBef>
+                <a:spcPts val="750"/>
+              </a:spcBef>
+              <a:buFont typeface="Arial"/>
+              <a:buNone/>
+              <a:defRPr sz="3500" b="1" i="0" kern="1200">
+                <a:solidFill>
+                  <a:srgbClr val="E8E7E9"/>
+                </a:solidFill>
+                <a:latin typeface="Raleway Black" charset="0"/>
+                <a:ea typeface="Raleway Black" charset="0"/>
+                <a:cs typeface="Raleway Black" charset="0"/>
+              </a:defRPr>
+            </a:lvl1pPr>
+            <a:lvl2pPr marL="514350" indent="-171450" algn="l" defTabSz="685800" rtl="0" eaLnBrk="1" latinLnBrk="0" hangingPunct="1">
+              <a:lnSpc>
+                <a:spcPct val="90000"/>
+              </a:lnSpc>
+              <a:spcBef>
+                <a:spcPts val="375"/>
+              </a:spcBef>
+              <a:buFont typeface="Arial"/>
+              <a:buChar char="•"/>
+              <a:defRPr sz="1800" kern="1200">
+                <a:solidFill>
+                  <a:schemeClr val="tx1"/>
+                </a:solidFill>
+                <a:latin typeface="+mn-lt"/>
+                <a:ea typeface="+mn-ea"/>
+                <a:cs typeface="+mn-cs"/>
+              </a:defRPr>
+            </a:lvl2pPr>
+            <a:lvl3pPr marL="857250" indent="-171450" algn="l" defTabSz="685800" rtl="0" eaLnBrk="1" latinLnBrk="0" hangingPunct="1">
+              <a:lnSpc>
+                <a:spcPct val="90000"/>
+              </a:lnSpc>
+              <a:spcBef>
+                <a:spcPts val="375"/>
+              </a:spcBef>
+              <a:buFont typeface="Arial"/>
+              <a:buChar char="•"/>
+              <a:defRPr sz="1500" kern="1200">
+                <a:solidFill>
+                  <a:schemeClr val="tx1"/>
+                </a:solidFill>
+                <a:latin typeface="+mn-lt"/>
+                <a:ea typeface="+mn-ea"/>
+                <a:cs typeface="+mn-cs"/>
+              </a:defRPr>
+            </a:lvl3pPr>
+            <a:lvl4pPr marL="1200150" indent="-171450" algn="l" defTabSz="685800" rtl="0" eaLnBrk="1" latinLnBrk="0" hangingPunct="1">
+              <a:lnSpc>
+                <a:spcPct val="90000"/>
+              </a:lnSpc>
+              <a:spcBef>
+                <a:spcPts val="375"/>
+              </a:spcBef>
+              <a:buFont typeface="Arial"/>
+              <a:buChar char="•"/>
+              <a:defRPr sz="1350" kern="1200">
+                <a:solidFill>
+                  <a:schemeClr val="tx1"/>
+                </a:solidFill>
+                <a:latin typeface="+mn-lt"/>
+                <a:ea typeface="+mn-ea"/>
+                <a:cs typeface="+mn-cs"/>
+              </a:defRPr>
+            </a:lvl4pPr>
+            <a:lvl5pPr marL="1543050" indent="-171450" algn="l" defTabSz="685800" rtl="0" eaLnBrk="1" latinLnBrk="0" hangingPunct="1">
+              <a:lnSpc>
+                <a:spcPct val="90000"/>
+              </a:lnSpc>
+              <a:spcBef>
+                <a:spcPts val="375"/>
+              </a:spcBef>
+              <a:buFont typeface="Arial"/>
+              <a:buChar char="•"/>
+              <a:defRPr sz="1350" kern="1200">
+                <a:solidFill>
+                  <a:schemeClr val="tx1"/>
+                </a:solidFill>
+                <a:latin typeface="+mn-lt"/>
+                <a:ea typeface="+mn-ea"/>
+                <a:cs typeface="+mn-cs"/>
+              </a:defRPr>
+            </a:lvl5pPr>
+            <a:lvl6pPr marL="1885950" indent="-171450" algn="l" defTabSz="685800" rtl="0" eaLnBrk="1" latinLnBrk="0" hangingPunct="1">
+              <a:lnSpc>
+                <a:spcPct val="90000"/>
+              </a:lnSpc>
+              <a:spcBef>
+                <a:spcPts val="375"/>
+              </a:spcBef>
+              <a:buFont typeface="Arial"/>
+              <a:buChar char="•"/>
+              <a:defRPr sz="1350" kern="1200">
+                <a:solidFill>
+                  <a:schemeClr val="tx1"/>
+                </a:solidFill>
+                <a:latin typeface="+mn-lt"/>
+                <a:ea typeface="+mn-ea"/>
+                <a:cs typeface="+mn-cs"/>
+              </a:defRPr>
+            </a:lvl6pPr>
+            <a:lvl7pPr marL="2228850" indent="-171450" algn="l" defTabSz="685800" rtl="0" eaLnBrk="1" latinLnBrk="0" hangingPunct="1">
+              <a:lnSpc>
+                <a:spcPct val="90000"/>
+              </a:lnSpc>
+              <a:spcBef>
+                <a:spcPts val="375"/>
+              </a:spcBef>
+              <a:buFont typeface="Arial"/>
+              <a:buChar char="•"/>
+              <a:defRPr sz="1350" kern="1200">
+                <a:solidFill>
+                  <a:schemeClr val="tx1"/>
+                </a:solidFill>
+                <a:latin typeface="+mn-lt"/>
+                <a:ea typeface="+mn-ea"/>
+                <a:cs typeface="+mn-cs"/>
+              </a:defRPr>
+            </a:lvl7pPr>
+            <a:lvl8pPr marL="2571750" indent="-171450" algn="l" defTabSz="685800" rtl="0" eaLnBrk="1" latinLnBrk="0" hangingPunct="1">
+              <a:lnSpc>
+                <a:spcPct val="90000"/>
+              </a:lnSpc>
+              <a:spcBef>
+                <a:spcPts val="375"/>
+              </a:spcBef>
+              <a:buFont typeface="Arial"/>
+              <a:buChar char="•"/>
+              <a:defRPr sz="1350" kern="1200">
+                <a:solidFill>
+                  <a:schemeClr val="tx1"/>
+                </a:solidFill>
+                <a:latin typeface="+mn-lt"/>
+                <a:ea typeface="+mn-ea"/>
+                <a:cs typeface="+mn-cs"/>
+              </a:defRPr>
+            </a:lvl8pPr>
+            <a:lvl9pPr marL="2914650" indent="-171450" algn="l" defTabSz="685800" rtl="0" eaLnBrk="1" latinLnBrk="0" hangingPunct="1">
+              <a:lnSpc>
+                <a:spcPct val="90000"/>
+              </a:lnSpc>
+              <a:spcBef>
+                <a:spcPts val="375"/>
+              </a:spcBef>
+              <a:buFont typeface="Arial"/>
+              <a:buChar char="•"/>
+              <a:defRPr sz="1350" kern="1200">
+                <a:solidFill>
+                  <a:schemeClr val="tx1"/>
+                </a:solidFill>
+                <a:latin typeface="+mn-lt"/>
+                <a:ea typeface="+mn-ea"/>
+                <a:cs typeface="+mn-cs"/>
+              </a:defRPr>
+            </a:lvl9pPr>
+          </a:lstStyle>
+          <a:p>
+            <a:pPr algn="ctr"/>
+            <a:r>
+              <a:rPr lang="en-US" sz="2500" dirty="0">
+                <a:solidFill>
+                  <a:schemeClr val="bg1"/>
+                </a:solidFill>
+                <a:latin typeface="FontAwesome" pitchFamily="2" charset="0"/>
+              </a:rPr>
+              <a:t></a:t>
+            </a:r>
+            <a:endParaRPr lang="en-US" sz="2500" dirty="0">
+              <a:solidFill>
+                <a:schemeClr val="bg1"/>
+              </a:solidFill>
+              <a:latin typeface="FontAwesome" charset="0"/>
+              <a:ea typeface="FontAwesome" charset="0"/>
+              <a:cs typeface="FontAwesome" charset="0"/>
+            </a:endParaRPr>
+          </a:p>
+        </p:txBody>
+      </p:sp>
+      <p:sp>
+        <p:nvSpPr>
+          <p:cNvPr id="29" name="Text Placeholder 20"/>
+          <p:cNvSpPr txBox="1">
+            <a:spLocks/>
+          </p:cNvSpPr>
+          <p:nvPr/>
+        </p:nvSpPr>
+        <p:spPr>
+          <a:xfrm>
+            <a:off x="7542148" y="2116839"/>
+            <a:ext cx="516670" cy="387798"/>
+          </a:xfrm>
+          <a:prstGeom prst="rect">
+            <a:avLst/>
+          </a:prstGeom>
+        </p:spPr>
+        <p:txBody>
+          <a:bodyPr wrap="square" lIns="0" tIns="0" rIns="0" bIns="0" anchor="t" anchorCtr="0">
+            <a:spAutoFit/>
+          </a:bodyPr>
+          <a:lstStyle>
+            <a:lvl1pPr marL="0" indent="0" algn="l" defTabSz="685800" rtl="0" eaLnBrk="1" latinLnBrk="0" hangingPunct="1">
+              <a:lnSpc>
+                <a:spcPct val="90000"/>
+              </a:lnSpc>
+              <a:spcBef>
+                <a:spcPts val="750"/>
+              </a:spcBef>
+              <a:buFont typeface="Arial"/>
+              <a:buNone/>
+              <a:defRPr sz="3500" b="1" i="0" kern="1200">
+                <a:solidFill>
+                  <a:srgbClr val="E8E7E9"/>
+                </a:solidFill>
+                <a:latin typeface="Raleway Black" charset="0"/>
+                <a:ea typeface="Raleway Black" charset="0"/>
+                <a:cs typeface="Raleway Black" charset="0"/>
+              </a:defRPr>
+            </a:lvl1pPr>
+            <a:lvl2pPr marL="514350" indent="-171450" algn="l" defTabSz="685800" rtl="0" eaLnBrk="1" latinLnBrk="0" hangingPunct="1">
+              <a:lnSpc>
+                <a:spcPct val="90000"/>
+              </a:lnSpc>
+              <a:spcBef>
+                <a:spcPts val="375"/>
+              </a:spcBef>
+              <a:buFont typeface="Arial"/>
+              <a:buChar char="•"/>
+              <a:defRPr sz="1800" kern="1200">
+                <a:solidFill>
+                  <a:schemeClr val="tx1"/>
+                </a:solidFill>
+                <a:latin typeface="+mn-lt"/>
+                <a:ea typeface="+mn-ea"/>
+                <a:cs typeface="+mn-cs"/>
+              </a:defRPr>
+            </a:lvl2pPr>
+            <a:lvl3pPr marL="857250" indent="-171450" algn="l" defTabSz="685800" rtl="0" eaLnBrk="1" latinLnBrk="0" hangingPunct="1">
+              <a:lnSpc>
+                <a:spcPct val="90000"/>
+              </a:lnSpc>
+              <a:spcBef>
+                <a:spcPts val="375"/>
+              </a:spcBef>
+              <a:buFont typeface="Arial"/>
+              <a:buChar char="•"/>
+              <a:defRPr sz="1500" kern="1200">
+                <a:solidFill>
+                  <a:schemeClr val="tx1"/>
+                </a:solidFill>
+                <a:latin typeface="+mn-lt"/>
+                <a:ea typeface="+mn-ea"/>
+                <a:cs typeface="+mn-cs"/>
+              </a:defRPr>
+            </a:lvl3pPr>
+            <a:lvl4pPr marL="1200150" indent="-171450" algn="l" defTabSz="685800" rtl="0" eaLnBrk="1" latinLnBrk="0" hangingPunct="1">
+              <a:lnSpc>
+                <a:spcPct val="90000"/>
+              </a:lnSpc>
+              <a:spcBef>
+                <a:spcPts val="375"/>
+              </a:spcBef>
+              <a:buFont typeface="Arial"/>
+              <a:buChar char="•"/>
+              <a:defRPr sz="1350" kern="1200">
+                <a:solidFill>
+                  <a:schemeClr val="tx1"/>
+                </a:solidFill>
+                <a:latin typeface="+mn-lt"/>
+                <a:ea typeface="+mn-ea"/>
+                <a:cs typeface="+mn-cs"/>
+              </a:defRPr>
+            </a:lvl4pPr>
+            <a:lvl5pPr marL="1543050" indent="-171450" algn="l" defTabSz="685800" rtl="0" eaLnBrk="1" latinLnBrk="0" hangingPunct="1">
+              <a:lnSpc>
+                <a:spcPct val="90000"/>
+              </a:lnSpc>
+              <a:spcBef>
+                <a:spcPts val="375"/>
+              </a:spcBef>
+              <a:buFont typeface="Arial"/>
+              <a:buChar char="•"/>
+              <a:defRPr sz="1350" kern="1200">
+                <a:solidFill>
+                  <a:schemeClr val="tx1"/>
+                </a:solidFill>
+                <a:latin typeface="+mn-lt"/>
+                <a:ea typeface="+mn-ea"/>
+                <a:cs typeface="+mn-cs"/>
+              </a:defRPr>
+            </a:lvl5pPr>
+            <a:lvl6pPr marL="1885950" indent="-171450" algn="l" defTabSz="685800" rtl="0" eaLnBrk="1" latinLnBrk="0" hangingPunct="1">
+              <a:lnSpc>
+                <a:spcPct val="90000"/>
+              </a:lnSpc>
+              <a:spcBef>
+                <a:spcPts val="375"/>
+              </a:spcBef>
+              <a:buFont typeface="Arial"/>
+              <a:buChar char="•"/>
+              <a:defRPr sz="1350" kern="1200">
+                <a:solidFill>
+                  <a:schemeClr val="tx1"/>
+                </a:solidFill>
+                <a:latin typeface="+mn-lt"/>
+                <a:ea typeface="+mn-ea"/>
+                <a:cs typeface="+mn-cs"/>
+              </a:defRPr>
+            </a:lvl6pPr>
+            <a:lvl7pPr marL="2228850" indent="-171450" algn="l" defTabSz="685800" rtl="0" eaLnBrk="1" latinLnBrk="0" hangingPunct="1">
+              <a:lnSpc>
+                <a:spcPct val="90000"/>
+              </a:lnSpc>
+              <a:spcBef>
+                <a:spcPts val="375"/>
+              </a:spcBef>
+              <a:buFont typeface="Arial"/>
+              <a:buChar char="•"/>
+              <a:defRPr sz="1350" kern="1200">
+                <a:solidFill>
+                  <a:schemeClr val="tx1"/>
+                </a:solidFill>
+                <a:latin typeface="+mn-lt"/>
+                <a:ea typeface="+mn-ea"/>
+                <a:cs typeface="+mn-cs"/>
+              </a:defRPr>
+            </a:lvl7pPr>
+            <a:lvl8pPr marL="2571750" indent="-171450" algn="l" defTabSz="685800" rtl="0" eaLnBrk="1" latinLnBrk="0" hangingPunct="1">
+              <a:lnSpc>
+                <a:spcPct val="90000"/>
+              </a:lnSpc>
+              <a:spcBef>
+                <a:spcPts val="375"/>
+              </a:spcBef>
+              <a:buFont typeface="Arial"/>
+              <a:buChar char="•"/>
+              <a:defRPr sz="1350" kern="1200">
+                <a:solidFill>
+                  <a:schemeClr val="tx1"/>
+                </a:solidFill>
+                <a:latin typeface="+mn-lt"/>
+                <a:ea typeface="+mn-ea"/>
+                <a:cs typeface="+mn-cs"/>
+              </a:defRPr>
+            </a:lvl8pPr>
+            <a:lvl9pPr marL="2914650" indent="-171450" algn="l" defTabSz="685800" rtl="0" eaLnBrk="1" latinLnBrk="0" hangingPunct="1">
+              <a:lnSpc>
+                <a:spcPct val="90000"/>
+              </a:lnSpc>
+              <a:spcBef>
+                <a:spcPts val="375"/>
+              </a:spcBef>
+              <a:buFont typeface="Arial"/>
+              <a:buChar char="•"/>
+              <a:defRPr sz="1350" kern="1200">
+                <a:solidFill>
+                  <a:schemeClr val="tx1"/>
+                </a:solidFill>
+                <a:latin typeface="+mn-lt"/>
+                <a:ea typeface="+mn-ea"/>
+                <a:cs typeface="+mn-cs"/>
+              </a:defRPr>
+            </a:lvl9pPr>
+          </a:lstStyle>
+          <a:p>
+            <a:pPr algn="ctr"/>
+            <a:r>
+              <a:rPr lang="es-ES_tradnl" sz="2800">
+                <a:solidFill>
+                  <a:schemeClr val="bg1"/>
+                </a:solidFill>
+                <a:latin typeface="FontAwesome"/>
+                <a:ea typeface="FontAwesome"/>
+                <a:cs typeface="FontAwesome"/>
+                <a:sym typeface="FontAwesome"/>
+              </a:rPr>
+              <a:t></a:t>
+            </a:r>
+            <a:endParaRPr lang="en-US" sz="2500" dirty="0">
+              <a:solidFill>
+                <a:schemeClr val="bg1"/>
+              </a:solidFill>
+              <a:latin typeface="FontAwesome" charset="0"/>
+              <a:ea typeface="FontAwesome" charset="0"/>
+              <a:cs typeface="FontAwesome" charset="0"/>
+            </a:endParaRPr>
+          </a:p>
+        </p:txBody>
+      </p:sp>
+      <p:pic>
+        <p:nvPicPr>
+          <p:cNvPr id="11" name="Picture 10">
+            <a:extLst>
+              <a:ext uri="{FF2B5EF4-FFF2-40B4-BE49-F238E27FC236}">
+                <a16:creationId xmlns:a16="http://schemas.microsoft.com/office/drawing/2014/main" id="{2335744D-1049-4160-B20D-A8A9F31B088F}"/>
+              </a:ext>
+            </a:extLst>
+          </p:cNvPr>
+          <p:cNvPicPr/>
+          <p:nvPr/>
+        </p:nvPicPr>
+        <p:blipFill>
+          <a:blip r:embed="rId2"/>
+          <a:stretch>
+            <a:fillRect/>
+          </a:stretch>
+        </p:blipFill>
+        <p:spPr>
+          <a:xfrm>
+            <a:off x="2752725" y="1543050"/>
+            <a:ext cx="3638550" cy="2057400"/>
+          </a:xfrm>
+          <a:prstGeom prst="rect">
+            <a:avLst/>
+          </a:prstGeom>
+        </p:spPr>
+      </p:pic>
+      <p:pic>
+        <p:nvPicPr>
+          <p:cNvPr id="10" name="Picture 9">
+            <a:extLst>
+              <a:ext uri="{FF2B5EF4-FFF2-40B4-BE49-F238E27FC236}">
+                <a16:creationId xmlns:a16="http://schemas.microsoft.com/office/drawing/2014/main" id="{1C35D81C-BD7C-4BA3-BE3A-4EF39F64CD77}"/>
+              </a:ext>
+            </a:extLst>
+          </p:cNvPr>
+          <p:cNvPicPr>
+            <a:picLocks noChangeAspect="1"/>
+          </p:cNvPicPr>
+          <p:nvPr/>
+        </p:nvPicPr>
+        <p:blipFill>
+          <a:blip r:embed="rId3"/>
+          <a:stretch>
+            <a:fillRect/>
+          </a:stretch>
+        </p:blipFill>
+        <p:spPr>
+          <a:xfrm>
+            <a:off x="7372900" y="137987"/>
+            <a:ext cx="1316221" cy="568607"/>
+          </a:xfrm>
+          <a:prstGeom prst="rect">
+            <a:avLst/>
+          </a:prstGeom>
+        </p:spPr>
+      </p:pic>
+    </p:spTree>
+    <p:extLst>
+      <p:ext uri="{BB962C8B-B14F-4D97-AF65-F5344CB8AC3E}">
+        <p14:creationId xmlns:p14="http://schemas.microsoft.com/office/powerpoint/2010/main" val="2476696139"/>
+      </p:ext>
+    </p:extLst>
+  </p:cSld>
+  <p:clrMapOvr>
+    <a:masterClrMapping/>
+  </p:clrMapOvr>
+</p:sld>
+</file>
+
+<file path=ppt/slides/slide22.xml><?xml version="1.0" encoding="utf-8"?>
+<p:sld xmlns:a="http://schemas.openxmlformats.org/drawingml/2006/main" xmlns:r="http://schemas.openxmlformats.org/officeDocument/2006/relationships" xmlns:p="http://schemas.openxmlformats.org/presentationml/2006/main" showMasterSp="0">
+  <p:cSld>
+    <p:bg>
+      <p:bgPr>
+        <a:solidFill>
+          <a:srgbClr val="DDD29C"/>
+        </a:solidFill>
+        <a:effectLst/>
+      </p:bgPr>
+    </p:bg>
+    <p:spTree>
+      <p:nvGrpSpPr>
+        <p:cNvPr id="1" name=""/>
+        <p:cNvGrpSpPr/>
+        <p:nvPr/>
+      </p:nvGrpSpPr>
+      <p:grpSpPr>
+        <a:xfrm>
+          <a:off x="0" y="0"/>
+          <a:ext cx="0" cy="0"/>
+          <a:chOff x="0" y="0"/>
+          <a:chExt cx="0" cy="0"/>
+        </a:xfrm>
+      </p:grpSpPr>
+      <p:sp>
+        <p:nvSpPr>
+          <p:cNvPr id="2" name="Marcador de texto 1"/>
+          <p:cNvSpPr>
+            <a:spLocks noGrp="1"/>
+          </p:cNvSpPr>
+          <p:nvPr>
+            <p:ph type="body" sz="quarter" idx="10"/>
+          </p:nvPr>
+        </p:nvSpPr>
+        <p:spPr>
+          <a:xfrm>
+            <a:off x="561368" y="753172"/>
+            <a:ext cx="4890655" cy="1137491"/>
+          </a:xfrm>
+        </p:spPr>
+        <p:txBody>
+          <a:bodyPr/>
+          <a:lstStyle/>
+          <a:p>
+            <a:r>
+              <a:rPr lang="en-US" sz="12000" dirty="0">
+                <a:solidFill>
+                  <a:schemeClr val="accent4">
+                    <a:lumMod val="75000"/>
+                  </a:schemeClr>
+                </a:solidFill>
+              </a:rPr>
+              <a:t>GOOD</a:t>
+            </a:r>
+          </a:p>
+        </p:txBody>
+      </p:sp>
+      <p:sp>
+        <p:nvSpPr>
+          <p:cNvPr id="3" name="Marcador de texto 2"/>
+          <p:cNvSpPr>
+            <a:spLocks noGrp="1"/>
+          </p:cNvSpPr>
+          <p:nvPr>
+            <p:ph type="body" sz="quarter" idx="11"/>
+          </p:nvPr>
+        </p:nvSpPr>
+        <p:spPr>
+          <a:xfrm>
+            <a:off x="512031" y="2020551"/>
+            <a:ext cx="7724008" cy="611436"/>
+          </a:xfrm>
+        </p:spPr>
+        <p:txBody>
+          <a:bodyPr/>
+          <a:lstStyle/>
+          <a:p>
+            <a:pPr algn="l"/>
+            <a:r>
+              <a:rPr lang="en-US" dirty="0"/>
+              <a:t>GOOD THINGS &amp; BAD THINGS</a:t>
+            </a:r>
+          </a:p>
+        </p:txBody>
+      </p:sp>
+      <p:sp>
+        <p:nvSpPr>
+          <p:cNvPr id="4" name="Marcador de texto 8"/>
+          <p:cNvSpPr txBox="1">
+            <a:spLocks/>
+          </p:cNvSpPr>
+          <p:nvPr/>
+        </p:nvSpPr>
+        <p:spPr>
+          <a:xfrm>
+            <a:off x="561367" y="2582559"/>
+            <a:ext cx="5266323" cy="345991"/>
+          </a:xfrm>
+          <a:prstGeom prst="rect">
+            <a:avLst/>
+          </a:prstGeom>
+          <a:noFill/>
+        </p:spPr>
+        <p:txBody>
+          <a:bodyPr wrap="square" lIns="0" tIns="72000" rIns="0" bIns="0" anchor="t"/>
+          <a:lstStyle>
+            <a:lvl1pPr marL="0" indent="0" algn="ctr" defTabSz="685800" rtl="0" eaLnBrk="1" latinLnBrk="0" hangingPunct="1">
+              <a:lnSpc>
+                <a:spcPct val="90000"/>
+              </a:lnSpc>
+              <a:spcBef>
+                <a:spcPts val="750"/>
+              </a:spcBef>
+              <a:buFont typeface="Arial"/>
+              <a:buNone/>
+              <a:defRPr sz="3500" b="1" i="0" kern="1200">
+                <a:solidFill>
+                  <a:schemeClr val="tx1">
+                    <a:lumMod val="85000"/>
+                    <a:lumOff val="15000"/>
+                  </a:schemeClr>
+                </a:solidFill>
+                <a:latin typeface="Raleway Black" charset="0"/>
+                <a:ea typeface="Raleway Black" charset="0"/>
+                <a:cs typeface="Raleway Black" charset="0"/>
+              </a:defRPr>
+            </a:lvl1pPr>
+            <a:lvl2pPr marL="514350" indent="-171450" algn="l" defTabSz="685800" rtl="0" eaLnBrk="1" latinLnBrk="0" hangingPunct="1">
+              <a:lnSpc>
+                <a:spcPct val="90000"/>
+              </a:lnSpc>
+              <a:spcBef>
+                <a:spcPts val="375"/>
+              </a:spcBef>
+              <a:buFont typeface="Arial"/>
+              <a:buChar char="•"/>
+              <a:defRPr sz="1800" kern="1200">
+                <a:solidFill>
+                  <a:schemeClr val="tx1"/>
+                </a:solidFill>
+                <a:latin typeface="+mn-lt"/>
+                <a:ea typeface="+mn-ea"/>
+                <a:cs typeface="+mn-cs"/>
+              </a:defRPr>
+            </a:lvl2pPr>
+            <a:lvl3pPr marL="857250" indent="-171450" algn="l" defTabSz="685800" rtl="0" eaLnBrk="1" latinLnBrk="0" hangingPunct="1">
+              <a:lnSpc>
+                <a:spcPct val="90000"/>
+              </a:lnSpc>
+              <a:spcBef>
+                <a:spcPts val="375"/>
+              </a:spcBef>
+              <a:buFont typeface="Arial"/>
+              <a:buChar char="•"/>
+              <a:defRPr sz="1500" kern="1200">
+                <a:solidFill>
+                  <a:schemeClr val="tx1"/>
+                </a:solidFill>
+                <a:latin typeface="+mn-lt"/>
+                <a:ea typeface="+mn-ea"/>
+                <a:cs typeface="+mn-cs"/>
+              </a:defRPr>
+            </a:lvl3pPr>
+            <a:lvl4pPr marL="1200150" indent="-171450" algn="l" defTabSz="685800" rtl="0" eaLnBrk="1" latinLnBrk="0" hangingPunct="1">
+              <a:lnSpc>
+                <a:spcPct val="90000"/>
+              </a:lnSpc>
+              <a:spcBef>
+                <a:spcPts val="375"/>
+              </a:spcBef>
+              <a:buFont typeface="Arial"/>
+              <a:buChar char="•"/>
+              <a:defRPr sz="1350" kern="1200">
+                <a:solidFill>
+                  <a:schemeClr val="tx1"/>
+                </a:solidFill>
+                <a:latin typeface="+mn-lt"/>
+                <a:ea typeface="+mn-ea"/>
+                <a:cs typeface="+mn-cs"/>
+              </a:defRPr>
+            </a:lvl4pPr>
+            <a:lvl5pPr marL="1543050" indent="-171450" algn="l" defTabSz="685800" rtl="0" eaLnBrk="1" latinLnBrk="0" hangingPunct="1">
+              <a:lnSpc>
+                <a:spcPct val="90000"/>
+              </a:lnSpc>
+              <a:spcBef>
+                <a:spcPts val="375"/>
+              </a:spcBef>
+              <a:buFont typeface="Arial"/>
+              <a:buChar char="•"/>
+              <a:defRPr sz="1350" kern="1200">
+                <a:solidFill>
+                  <a:schemeClr val="tx1"/>
+                </a:solidFill>
+                <a:latin typeface="+mn-lt"/>
+                <a:ea typeface="+mn-ea"/>
+                <a:cs typeface="+mn-cs"/>
+              </a:defRPr>
+            </a:lvl5pPr>
+            <a:lvl6pPr marL="1885950" indent="-171450" algn="l" defTabSz="685800" rtl="0" eaLnBrk="1" latinLnBrk="0" hangingPunct="1">
+              <a:lnSpc>
+                <a:spcPct val="90000"/>
+              </a:lnSpc>
+              <a:spcBef>
+                <a:spcPts val="375"/>
+              </a:spcBef>
+              <a:buFont typeface="Arial"/>
+              <a:buChar char="•"/>
+              <a:defRPr sz="1350" kern="1200">
+                <a:solidFill>
+                  <a:schemeClr val="tx1"/>
+                </a:solidFill>
+                <a:latin typeface="+mn-lt"/>
+                <a:ea typeface="+mn-ea"/>
+                <a:cs typeface="+mn-cs"/>
+              </a:defRPr>
+            </a:lvl6pPr>
+            <a:lvl7pPr marL="2228850" indent="-171450" algn="l" defTabSz="685800" rtl="0" eaLnBrk="1" latinLnBrk="0" hangingPunct="1">
+              <a:lnSpc>
+                <a:spcPct val="90000"/>
+              </a:lnSpc>
+              <a:spcBef>
+                <a:spcPts val="375"/>
+              </a:spcBef>
+              <a:buFont typeface="Arial"/>
+              <a:buChar char="•"/>
+              <a:defRPr sz="1350" kern="1200">
+                <a:solidFill>
+                  <a:schemeClr val="tx1"/>
+                </a:solidFill>
+                <a:latin typeface="+mn-lt"/>
+                <a:ea typeface="+mn-ea"/>
+                <a:cs typeface="+mn-cs"/>
+              </a:defRPr>
+            </a:lvl7pPr>
+            <a:lvl8pPr marL="2571750" indent="-171450" algn="l" defTabSz="685800" rtl="0" eaLnBrk="1" latinLnBrk="0" hangingPunct="1">
+              <a:lnSpc>
+                <a:spcPct val="90000"/>
+              </a:lnSpc>
+              <a:spcBef>
+                <a:spcPts val="375"/>
+              </a:spcBef>
+              <a:buFont typeface="Arial"/>
+              <a:buChar char="•"/>
+              <a:defRPr sz="1350" kern="1200">
+                <a:solidFill>
+                  <a:schemeClr val="tx1"/>
+                </a:solidFill>
+                <a:latin typeface="+mn-lt"/>
+                <a:ea typeface="+mn-ea"/>
+                <a:cs typeface="+mn-cs"/>
+              </a:defRPr>
+            </a:lvl8pPr>
+            <a:lvl9pPr marL="2914650" indent="-171450" algn="l" defTabSz="685800" rtl="0" eaLnBrk="1" latinLnBrk="0" hangingPunct="1">
+              <a:lnSpc>
+                <a:spcPct val="90000"/>
+              </a:lnSpc>
+              <a:spcBef>
+                <a:spcPts val="375"/>
+              </a:spcBef>
+              <a:buFont typeface="Arial"/>
+              <a:buChar char="•"/>
+              <a:defRPr sz="1350" kern="1200">
+                <a:solidFill>
+                  <a:schemeClr val="tx1"/>
+                </a:solidFill>
+                <a:latin typeface="+mn-lt"/>
+                <a:ea typeface="+mn-ea"/>
+                <a:cs typeface="+mn-cs"/>
+              </a:defRPr>
+            </a:lvl9pPr>
+          </a:lstStyle>
+          <a:p>
+            <a:pPr algn="l"/>
+            <a:r>
+              <a:rPr lang="en-US" sz="1500" dirty="0"/>
+              <a:t>SOMETHINGS WE’VE DONE &amp; SOMETHINGS NOT</a:t>
+            </a:r>
+          </a:p>
+        </p:txBody>
+      </p:sp>
+      <p:sp>
+        <p:nvSpPr>
+          <p:cNvPr id="6" name="Marcador de texto 1">
+            <a:extLst>
+              <a:ext uri="{FF2B5EF4-FFF2-40B4-BE49-F238E27FC236}">
+                <a16:creationId xmlns:a16="http://schemas.microsoft.com/office/drawing/2014/main" id="{0540C6A7-0BFB-4181-BAA4-A3CF9031B3EC}"/>
+              </a:ext>
+            </a:extLst>
+          </p:cNvPr>
+          <p:cNvSpPr txBox="1">
+            <a:spLocks/>
+          </p:cNvSpPr>
+          <p:nvPr/>
+        </p:nvSpPr>
+        <p:spPr>
+          <a:xfrm>
+            <a:off x="5345869" y="3554327"/>
+            <a:ext cx="3250779" cy="1137491"/>
+          </a:xfrm>
+          <a:prstGeom prst="rect">
+            <a:avLst/>
+          </a:prstGeom>
+        </p:spPr>
+        <p:txBody>
+          <a:bodyPr wrap="square" lIns="0" tIns="0" rIns="0" bIns="0" anchor="t" anchorCtr="0">
+            <a:spAutoFit/>
+          </a:bodyPr>
+          <a:lstStyle>
+            <a:lvl1pPr marL="0" indent="0" algn="l" defTabSz="685800" rtl="0" eaLnBrk="1" latinLnBrk="0" hangingPunct="1">
+              <a:lnSpc>
+                <a:spcPts val="8000"/>
+              </a:lnSpc>
+              <a:spcBef>
+                <a:spcPts val="750"/>
+              </a:spcBef>
+              <a:buFont typeface="Arial"/>
+              <a:buNone/>
+              <a:defRPr sz="10000" b="1" i="0" kern="1200">
+                <a:solidFill>
+                  <a:schemeClr val="accent1">
+                    <a:lumMod val="75000"/>
+                  </a:schemeClr>
+                </a:solidFill>
+                <a:latin typeface="Raleway Black" charset="0"/>
+                <a:ea typeface="Raleway Black" charset="0"/>
+                <a:cs typeface="Raleway Black" charset="0"/>
+              </a:defRPr>
+            </a:lvl1pPr>
+            <a:lvl2pPr marL="514350" indent="-171450" algn="l" defTabSz="685800" rtl="0" eaLnBrk="1" latinLnBrk="0" hangingPunct="1">
+              <a:lnSpc>
+                <a:spcPct val="90000"/>
+              </a:lnSpc>
+              <a:spcBef>
+                <a:spcPts val="375"/>
+              </a:spcBef>
+              <a:buFont typeface="Arial"/>
+              <a:buChar char="•"/>
+              <a:defRPr sz="1800" kern="1200">
+                <a:solidFill>
+                  <a:schemeClr val="tx1"/>
+                </a:solidFill>
+                <a:latin typeface="+mn-lt"/>
+                <a:ea typeface="+mn-ea"/>
+                <a:cs typeface="+mn-cs"/>
+              </a:defRPr>
+            </a:lvl2pPr>
+            <a:lvl3pPr marL="857250" indent="-171450" algn="l" defTabSz="685800" rtl="0" eaLnBrk="1" latinLnBrk="0" hangingPunct="1">
+              <a:lnSpc>
+                <a:spcPct val="90000"/>
+              </a:lnSpc>
+              <a:spcBef>
+                <a:spcPts val="375"/>
+              </a:spcBef>
+              <a:buFont typeface="Arial"/>
+              <a:buChar char="•"/>
+              <a:defRPr sz="1500" kern="1200">
+                <a:solidFill>
+                  <a:schemeClr val="tx1"/>
+                </a:solidFill>
+                <a:latin typeface="+mn-lt"/>
+                <a:ea typeface="+mn-ea"/>
+                <a:cs typeface="+mn-cs"/>
+              </a:defRPr>
+            </a:lvl3pPr>
+            <a:lvl4pPr marL="1200150" indent="-171450" algn="l" defTabSz="685800" rtl="0" eaLnBrk="1" latinLnBrk="0" hangingPunct="1">
+              <a:lnSpc>
+                <a:spcPct val="90000"/>
+              </a:lnSpc>
+              <a:spcBef>
+                <a:spcPts val="375"/>
+              </a:spcBef>
+              <a:buFont typeface="Arial"/>
+              <a:buChar char="•"/>
+              <a:defRPr sz="1350" kern="1200">
+                <a:solidFill>
+                  <a:schemeClr val="tx1"/>
+                </a:solidFill>
+                <a:latin typeface="+mn-lt"/>
+                <a:ea typeface="+mn-ea"/>
+                <a:cs typeface="+mn-cs"/>
+              </a:defRPr>
+            </a:lvl4pPr>
+            <a:lvl5pPr marL="1543050" indent="-171450" algn="l" defTabSz="685800" rtl="0" eaLnBrk="1" latinLnBrk="0" hangingPunct="1">
+              <a:lnSpc>
+                <a:spcPct val="90000"/>
+              </a:lnSpc>
+              <a:spcBef>
+                <a:spcPts val="375"/>
+              </a:spcBef>
+              <a:buFont typeface="Arial"/>
+              <a:buChar char="•"/>
+              <a:defRPr sz="1350" kern="1200">
+                <a:solidFill>
+                  <a:schemeClr val="tx1"/>
+                </a:solidFill>
+                <a:latin typeface="+mn-lt"/>
+                <a:ea typeface="+mn-ea"/>
+                <a:cs typeface="+mn-cs"/>
+              </a:defRPr>
+            </a:lvl5pPr>
+            <a:lvl6pPr marL="1885950" indent="-171450" algn="l" defTabSz="685800" rtl="0" eaLnBrk="1" latinLnBrk="0" hangingPunct="1">
+              <a:lnSpc>
+                <a:spcPct val="90000"/>
+              </a:lnSpc>
+              <a:spcBef>
+                <a:spcPts val="375"/>
+              </a:spcBef>
+              <a:buFont typeface="Arial"/>
+              <a:buChar char="•"/>
+              <a:defRPr sz="1350" kern="1200">
+                <a:solidFill>
+                  <a:schemeClr val="tx1"/>
+                </a:solidFill>
+                <a:latin typeface="+mn-lt"/>
+                <a:ea typeface="+mn-ea"/>
+                <a:cs typeface="+mn-cs"/>
+              </a:defRPr>
+            </a:lvl6pPr>
+            <a:lvl7pPr marL="2228850" indent="-171450" algn="l" defTabSz="685800" rtl="0" eaLnBrk="1" latinLnBrk="0" hangingPunct="1">
+              <a:lnSpc>
+                <a:spcPct val="90000"/>
+              </a:lnSpc>
+              <a:spcBef>
+                <a:spcPts val="375"/>
+              </a:spcBef>
+              <a:buFont typeface="Arial"/>
+              <a:buChar char="•"/>
+              <a:defRPr sz="1350" kern="1200">
+                <a:solidFill>
+                  <a:schemeClr val="tx1"/>
+                </a:solidFill>
+                <a:latin typeface="+mn-lt"/>
+                <a:ea typeface="+mn-ea"/>
+                <a:cs typeface="+mn-cs"/>
+              </a:defRPr>
+            </a:lvl7pPr>
+            <a:lvl8pPr marL="2571750" indent="-171450" algn="l" defTabSz="685800" rtl="0" eaLnBrk="1" latinLnBrk="0" hangingPunct="1">
+              <a:lnSpc>
+                <a:spcPct val="90000"/>
+              </a:lnSpc>
+              <a:spcBef>
+                <a:spcPts val="375"/>
+              </a:spcBef>
+              <a:buFont typeface="Arial"/>
+              <a:buChar char="•"/>
+              <a:defRPr sz="1350" kern="1200">
+                <a:solidFill>
+                  <a:schemeClr val="tx1"/>
+                </a:solidFill>
+                <a:latin typeface="+mn-lt"/>
+                <a:ea typeface="+mn-ea"/>
+                <a:cs typeface="+mn-cs"/>
+              </a:defRPr>
+            </a:lvl8pPr>
+            <a:lvl9pPr marL="2914650" indent="-171450" algn="l" defTabSz="685800" rtl="0" eaLnBrk="1" latinLnBrk="0" hangingPunct="1">
+              <a:lnSpc>
+                <a:spcPct val="90000"/>
+              </a:lnSpc>
+              <a:spcBef>
+                <a:spcPts val="375"/>
+              </a:spcBef>
+              <a:buFont typeface="Arial"/>
+              <a:buChar char="•"/>
+              <a:defRPr sz="1350" kern="1200">
+                <a:solidFill>
+                  <a:schemeClr val="tx1"/>
+                </a:solidFill>
+                <a:latin typeface="+mn-lt"/>
+                <a:ea typeface="+mn-ea"/>
+                <a:cs typeface="+mn-cs"/>
+              </a:defRPr>
+            </a:lvl9pPr>
+          </a:lstStyle>
+          <a:p>
+            <a:r>
+              <a:rPr lang="en-US" sz="12000" dirty="0">
+                <a:solidFill>
+                  <a:schemeClr val="accent4">
+                    <a:lumMod val="75000"/>
+                  </a:schemeClr>
+                </a:solidFill>
+              </a:rPr>
+              <a:t>BAD</a:t>
+            </a:r>
+          </a:p>
+        </p:txBody>
+      </p:sp>
+    </p:spTree>
+    <p:extLst>
+      <p:ext uri="{BB962C8B-B14F-4D97-AF65-F5344CB8AC3E}">
+        <p14:creationId xmlns:p14="http://schemas.microsoft.com/office/powerpoint/2010/main" val="1142471581"/>
+      </p:ext>
+    </p:extLst>
+  </p:cSld>
+  <p:clrMapOvr>
+    <a:masterClrMapping/>
+  </p:clrMapOvr>
+</p:sld>
+</file>
+
+<file path=ppt/slides/slide23.xml><?xml version="1.0" encoding="utf-8"?>
+<p:sld xmlns:a="http://schemas.openxmlformats.org/drawingml/2006/main" xmlns:r="http://schemas.openxmlformats.org/officeDocument/2006/relationships" xmlns:p="http://schemas.openxmlformats.org/presentationml/2006/main" showMasterSp="0">
+  <p:cSld>
+    <p:spTree>
+      <p:nvGrpSpPr>
+        <p:cNvPr id="1" name=""/>
+        <p:cNvGrpSpPr/>
+        <p:nvPr/>
+      </p:nvGrpSpPr>
+      <p:grpSpPr>
+        <a:xfrm>
+          <a:off x="0" y="0"/>
+          <a:ext cx="0" cy="0"/>
+          <a:chOff x="0" y="0"/>
+          <a:chExt cx="0" cy="0"/>
+        </a:xfrm>
+      </p:grpSpPr>
+      <p:sp>
+        <p:nvSpPr>
+          <p:cNvPr id="5" name="Marcador de texto 4"/>
+          <p:cNvSpPr>
+            <a:spLocks noGrp="1"/>
+          </p:cNvSpPr>
+          <p:nvPr>
+            <p:ph type="body" sz="quarter" idx="10"/>
+          </p:nvPr>
+        </p:nvSpPr>
+        <p:spPr>
+          <a:xfrm>
+            <a:off x="503238" y="892206"/>
+            <a:ext cx="2976777" cy="2769989"/>
+          </a:xfrm>
+        </p:spPr>
+        <p:txBody>
+          <a:bodyPr/>
+          <a:lstStyle/>
+          <a:p>
+            <a:r>
+              <a:rPr lang="es-ES_tradnl" dirty="0"/>
+              <a:t>01</a:t>
+            </a:r>
+          </a:p>
+        </p:txBody>
+      </p:sp>
+      <p:sp>
+        <p:nvSpPr>
+          <p:cNvPr id="16" name="Marcador de texto 15"/>
+          <p:cNvSpPr>
+            <a:spLocks noGrp="1"/>
+          </p:cNvSpPr>
+          <p:nvPr>
+            <p:ph type="body" sz="quarter" idx="11"/>
+          </p:nvPr>
+        </p:nvSpPr>
+        <p:spPr>
+          <a:xfrm>
+            <a:off x="512030" y="2453044"/>
+            <a:ext cx="3574195" cy="1090255"/>
+          </a:xfrm>
+        </p:spPr>
+        <p:txBody>
+          <a:bodyPr/>
+          <a:lstStyle/>
+          <a:p>
+            <a:pPr algn="l"/>
+            <a:r>
+              <a:rPr lang="en-US" dirty="0"/>
+              <a:t>GOOD THINGS</a:t>
+            </a:r>
+          </a:p>
+        </p:txBody>
+      </p:sp>
+      <p:cxnSp>
+        <p:nvCxnSpPr>
+          <p:cNvPr id="9" name="Conector recto 8"/>
+          <p:cNvCxnSpPr/>
+          <p:nvPr/>
+        </p:nvCxnSpPr>
+        <p:spPr>
+          <a:xfrm>
+            <a:off x="503238" y="2453045"/>
+            <a:ext cx="2985569" cy="0"/>
+          </a:xfrm>
+          <a:prstGeom prst="line">
+            <a:avLst/>
+          </a:prstGeom>
+          <a:ln w="9525">
+            <a:solidFill>
+              <a:schemeClr val="accent5">
+                <a:lumMod val="75000"/>
+              </a:schemeClr>
+            </a:solidFill>
+            <a:headEnd type="oval"/>
+          </a:ln>
+        </p:spPr>
+        <p:style>
+          <a:lnRef idx="1">
+            <a:schemeClr val="accent1"/>
+          </a:lnRef>
+          <a:fillRef idx="0">
+            <a:schemeClr val="accent1"/>
+          </a:fillRef>
+          <a:effectRef idx="0">
+            <a:schemeClr val="accent1"/>
+          </a:effectRef>
+          <a:fontRef idx="minor">
+            <a:schemeClr val="tx1"/>
+          </a:fontRef>
+        </p:style>
+      </p:cxnSp>
+      <p:pic>
+        <p:nvPicPr>
+          <p:cNvPr id="7" name="Picture 6">
+            <a:extLst>
+              <a:ext uri="{FF2B5EF4-FFF2-40B4-BE49-F238E27FC236}">
+                <a16:creationId xmlns:a16="http://schemas.microsoft.com/office/drawing/2014/main" id="{2E44F01D-3325-48BD-9D87-C4DBE3357940}"/>
+              </a:ext>
+            </a:extLst>
+          </p:cNvPr>
+          <p:cNvPicPr>
+            <a:picLocks noChangeAspect="1"/>
+          </p:cNvPicPr>
+          <p:nvPr/>
+        </p:nvPicPr>
+        <p:blipFill>
+          <a:blip r:embed="rId2"/>
+          <a:stretch>
+            <a:fillRect/>
+          </a:stretch>
+        </p:blipFill>
+        <p:spPr>
+          <a:xfrm>
+            <a:off x="7372900" y="137987"/>
+            <a:ext cx="1316221" cy="568607"/>
+          </a:xfrm>
+          <a:prstGeom prst="rect">
+            <a:avLst/>
+          </a:prstGeom>
+        </p:spPr>
+      </p:pic>
+    </p:spTree>
+    <p:extLst>
+      <p:ext uri="{BB962C8B-B14F-4D97-AF65-F5344CB8AC3E}">
+        <p14:creationId xmlns:p14="http://schemas.microsoft.com/office/powerpoint/2010/main" val="478718168"/>
+      </p:ext>
+    </p:extLst>
+  </p:cSld>
+  <p:clrMapOvr>
+    <a:masterClrMapping/>
+  </p:clrMapOvr>
+</p:sld>
+</file>
+
+<file path=ppt/slides/slide24.xml><?xml version="1.0" encoding="utf-8"?>
+<p:sld xmlns:a="http://schemas.openxmlformats.org/drawingml/2006/main" xmlns:r="http://schemas.openxmlformats.org/officeDocument/2006/relationships" xmlns:p="http://schemas.openxmlformats.org/presentationml/2006/main" showMasterSp="0">
+  <p:cSld>
+    <p:spTree>
+      <p:nvGrpSpPr>
+        <p:cNvPr id="1" name=""/>
+        <p:cNvGrpSpPr/>
+        <p:nvPr/>
+      </p:nvGrpSpPr>
+      <p:grpSpPr>
+        <a:xfrm>
+          <a:off x="0" y="0"/>
+          <a:ext cx="0" cy="0"/>
+          <a:chOff x="0" y="0"/>
+          <a:chExt cx="0" cy="0"/>
+        </a:xfrm>
+      </p:grpSpPr>
+      <p:sp>
+        <p:nvSpPr>
+          <p:cNvPr id="5" name="Marcador de texto 4"/>
+          <p:cNvSpPr>
+            <a:spLocks noGrp="1"/>
+          </p:cNvSpPr>
+          <p:nvPr>
+            <p:ph type="body" sz="quarter" idx="10"/>
+          </p:nvPr>
+        </p:nvSpPr>
+        <p:spPr>
+          <a:xfrm>
+            <a:off x="512029" y="440817"/>
+            <a:ext cx="4367701" cy="597510"/>
+          </a:xfrm>
+        </p:spPr>
+        <p:txBody>
+          <a:bodyPr/>
+          <a:lstStyle/>
+          <a:p>
+            <a:r>
+              <a:rPr lang="es-ES_tradnl" dirty="0"/>
+              <a:t>01</a:t>
+            </a:r>
+          </a:p>
+        </p:txBody>
+      </p:sp>
+      <p:sp>
+        <p:nvSpPr>
+          <p:cNvPr id="16" name="Marcador de texto 15"/>
+          <p:cNvSpPr>
+            <a:spLocks noGrp="1"/>
+          </p:cNvSpPr>
+          <p:nvPr>
+            <p:ph type="body" sz="quarter" idx="11"/>
+          </p:nvPr>
+        </p:nvSpPr>
+        <p:spPr>
+          <a:xfrm>
+            <a:off x="503238" y="842626"/>
+            <a:ext cx="2635616" cy="423464"/>
+          </a:xfrm>
+        </p:spPr>
+        <p:txBody>
+          <a:bodyPr/>
+          <a:lstStyle/>
+          <a:p>
+            <a:r>
+              <a:rPr lang="en-US" sz="1600" dirty="0"/>
+              <a:t>GOOD THINGS</a:t>
+            </a:r>
+          </a:p>
+        </p:txBody>
+      </p:sp>
+      <p:cxnSp>
+        <p:nvCxnSpPr>
+          <p:cNvPr id="9" name="Conector recto 8"/>
+          <p:cNvCxnSpPr/>
+          <p:nvPr/>
+        </p:nvCxnSpPr>
+        <p:spPr>
+          <a:xfrm>
+            <a:off x="503238" y="844190"/>
+            <a:ext cx="8281987" cy="0"/>
+          </a:xfrm>
+          <a:prstGeom prst="line">
+            <a:avLst/>
+          </a:prstGeom>
+          <a:ln w="9525">
+            <a:solidFill>
+              <a:schemeClr val="accent5">
+                <a:lumMod val="75000"/>
+              </a:schemeClr>
+            </a:solidFill>
+            <a:headEnd type="oval"/>
+          </a:ln>
+        </p:spPr>
+        <p:style>
+          <a:lnRef idx="1">
+            <a:schemeClr val="accent1"/>
+          </a:lnRef>
+          <a:fillRef idx="0">
+            <a:schemeClr val="accent1"/>
+          </a:fillRef>
+          <a:effectRef idx="0">
+            <a:schemeClr val="accent1"/>
+          </a:effectRef>
+          <a:fontRef idx="minor">
+            <a:schemeClr val="tx1"/>
+          </a:fontRef>
+        </p:style>
+      </p:cxnSp>
+      <p:sp>
+        <p:nvSpPr>
+          <p:cNvPr id="26" name="Text Placeholder 20"/>
+          <p:cNvSpPr txBox="1">
+            <a:spLocks/>
+          </p:cNvSpPr>
+          <p:nvPr/>
+        </p:nvSpPr>
+        <p:spPr>
+          <a:xfrm>
+            <a:off x="1329714" y="2116839"/>
+            <a:ext cx="516670" cy="346249"/>
+          </a:xfrm>
+          <a:prstGeom prst="rect">
+            <a:avLst/>
+          </a:prstGeom>
+        </p:spPr>
+        <p:txBody>
+          <a:bodyPr wrap="square" lIns="0" tIns="0" rIns="0" bIns="0" anchor="t" anchorCtr="0">
+            <a:spAutoFit/>
+          </a:bodyPr>
+          <a:lstStyle>
+            <a:lvl1pPr marL="0" indent="0" algn="l" defTabSz="685800" rtl="0" eaLnBrk="1" latinLnBrk="0" hangingPunct="1">
+              <a:lnSpc>
+                <a:spcPct val="90000"/>
+              </a:lnSpc>
+              <a:spcBef>
+                <a:spcPts val="750"/>
+              </a:spcBef>
+              <a:buFont typeface="Arial"/>
+              <a:buNone/>
+              <a:defRPr sz="3500" b="1" i="0" kern="1200">
+                <a:solidFill>
+                  <a:srgbClr val="E8E7E9"/>
+                </a:solidFill>
+                <a:latin typeface="Raleway Black" charset="0"/>
+                <a:ea typeface="Raleway Black" charset="0"/>
+                <a:cs typeface="Raleway Black" charset="0"/>
+              </a:defRPr>
+            </a:lvl1pPr>
+            <a:lvl2pPr marL="514350" indent="-171450" algn="l" defTabSz="685800" rtl="0" eaLnBrk="1" latinLnBrk="0" hangingPunct="1">
+              <a:lnSpc>
+                <a:spcPct val="90000"/>
+              </a:lnSpc>
+              <a:spcBef>
+                <a:spcPts val="375"/>
+              </a:spcBef>
+              <a:buFont typeface="Arial"/>
+              <a:buChar char="•"/>
+              <a:defRPr sz="1800" kern="1200">
+                <a:solidFill>
+                  <a:schemeClr val="tx1"/>
+                </a:solidFill>
+                <a:latin typeface="+mn-lt"/>
+                <a:ea typeface="+mn-ea"/>
+                <a:cs typeface="+mn-cs"/>
+              </a:defRPr>
+            </a:lvl2pPr>
+            <a:lvl3pPr marL="857250" indent="-171450" algn="l" defTabSz="685800" rtl="0" eaLnBrk="1" latinLnBrk="0" hangingPunct="1">
+              <a:lnSpc>
+                <a:spcPct val="90000"/>
+              </a:lnSpc>
+              <a:spcBef>
+                <a:spcPts val="375"/>
+              </a:spcBef>
+              <a:buFont typeface="Arial"/>
+              <a:buChar char="•"/>
+              <a:defRPr sz="1500" kern="1200">
+                <a:solidFill>
+                  <a:schemeClr val="tx1"/>
+                </a:solidFill>
+                <a:latin typeface="+mn-lt"/>
+                <a:ea typeface="+mn-ea"/>
+                <a:cs typeface="+mn-cs"/>
+              </a:defRPr>
+            </a:lvl3pPr>
+            <a:lvl4pPr marL="1200150" indent="-171450" algn="l" defTabSz="685800" rtl="0" eaLnBrk="1" latinLnBrk="0" hangingPunct="1">
+              <a:lnSpc>
+                <a:spcPct val="90000"/>
+              </a:lnSpc>
+              <a:spcBef>
+                <a:spcPts val="375"/>
+              </a:spcBef>
+              <a:buFont typeface="Arial"/>
+              <a:buChar char="•"/>
+              <a:defRPr sz="1350" kern="1200">
+                <a:solidFill>
+                  <a:schemeClr val="tx1"/>
+                </a:solidFill>
+                <a:latin typeface="+mn-lt"/>
+                <a:ea typeface="+mn-ea"/>
+                <a:cs typeface="+mn-cs"/>
+              </a:defRPr>
+            </a:lvl4pPr>
+            <a:lvl5pPr marL="1543050" indent="-171450" algn="l" defTabSz="685800" rtl="0" eaLnBrk="1" latinLnBrk="0" hangingPunct="1">
+              <a:lnSpc>
+                <a:spcPct val="90000"/>
+              </a:lnSpc>
+              <a:spcBef>
+                <a:spcPts val="375"/>
+              </a:spcBef>
+              <a:buFont typeface="Arial"/>
+              <a:buChar char="•"/>
+              <a:defRPr sz="1350" kern="1200">
+                <a:solidFill>
+                  <a:schemeClr val="tx1"/>
+                </a:solidFill>
+                <a:latin typeface="+mn-lt"/>
+                <a:ea typeface="+mn-ea"/>
+                <a:cs typeface="+mn-cs"/>
+              </a:defRPr>
+            </a:lvl5pPr>
+            <a:lvl6pPr marL="1885950" indent="-171450" algn="l" defTabSz="685800" rtl="0" eaLnBrk="1" latinLnBrk="0" hangingPunct="1">
+              <a:lnSpc>
+                <a:spcPct val="90000"/>
+              </a:lnSpc>
+              <a:spcBef>
+                <a:spcPts val="375"/>
+              </a:spcBef>
+              <a:buFont typeface="Arial"/>
+              <a:buChar char="•"/>
+              <a:defRPr sz="1350" kern="1200">
+                <a:solidFill>
+                  <a:schemeClr val="tx1"/>
+                </a:solidFill>
+                <a:latin typeface="+mn-lt"/>
+                <a:ea typeface="+mn-ea"/>
+                <a:cs typeface="+mn-cs"/>
+              </a:defRPr>
+            </a:lvl6pPr>
+            <a:lvl7pPr marL="2228850" indent="-171450" algn="l" defTabSz="685800" rtl="0" eaLnBrk="1" latinLnBrk="0" hangingPunct="1">
+              <a:lnSpc>
+                <a:spcPct val="90000"/>
+              </a:lnSpc>
+              <a:spcBef>
+                <a:spcPts val="375"/>
+              </a:spcBef>
+              <a:buFont typeface="Arial"/>
+              <a:buChar char="•"/>
+              <a:defRPr sz="1350" kern="1200">
+                <a:solidFill>
+                  <a:schemeClr val="tx1"/>
+                </a:solidFill>
+                <a:latin typeface="+mn-lt"/>
+                <a:ea typeface="+mn-ea"/>
+                <a:cs typeface="+mn-cs"/>
+              </a:defRPr>
+            </a:lvl7pPr>
+            <a:lvl8pPr marL="2571750" indent="-171450" algn="l" defTabSz="685800" rtl="0" eaLnBrk="1" latinLnBrk="0" hangingPunct="1">
+              <a:lnSpc>
+                <a:spcPct val="90000"/>
+              </a:lnSpc>
+              <a:spcBef>
+                <a:spcPts val="375"/>
+              </a:spcBef>
+              <a:buFont typeface="Arial"/>
+              <a:buChar char="•"/>
+              <a:defRPr sz="1350" kern="1200">
+                <a:solidFill>
+                  <a:schemeClr val="tx1"/>
+                </a:solidFill>
+                <a:latin typeface="+mn-lt"/>
+                <a:ea typeface="+mn-ea"/>
+                <a:cs typeface="+mn-cs"/>
+              </a:defRPr>
+            </a:lvl8pPr>
+            <a:lvl9pPr marL="2914650" indent="-171450" algn="l" defTabSz="685800" rtl="0" eaLnBrk="1" latinLnBrk="0" hangingPunct="1">
+              <a:lnSpc>
+                <a:spcPct val="90000"/>
+              </a:lnSpc>
+              <a:spcBef>
+                <a:spcPts val="375"/>
+              </a:spcBef>
+              <a:buFont typeface="Arial"/>
+              <a:buChar char="•"/>
+              <a:defRPr sz="1350" kern="1200">
+                <a:solidFill>
+                  <a:schemeClr val="tx1"/>
+                </a:solidFill>
+                <a:latin typeface="+mn-lt"/>
+                <a:ea typeface="+mn-ea"/>
+                <a:cs typeface="+mn-cs"/>
+              </a:defRPr>
+            </a:lvl9pPr>
+          </a:lstStyle>
+          <a:p>
+            <a:pPr algn="ctr"/>
+            <a:r>
+              <a:rPr lang="en-US" sz="2500" dirty="0">
+                <a:solidFill>
+                  <a:schemeClr val="bg1"/>
+                </a:solidFill>
+                <a:latin typeface="FontAwesome" pitchFamily="2" charset="0"/>
+              </a:rPr>
+              <a:t></a:t>
+            </a:r>
+            <a:endParaRPr lang="en-US" sz="2500" dirty="0">
+              <a:solidFill>
+                <a:schemeClr val="bg1"/>
+              </a:solidFill>
+              <a:latin typeface="FontAwesome" charset="0"/>
+              <a:ea typeface="FontAwesome" charset="0"/>
+              <a:cs typeface="FontAwesome" charset="0"/>
+            </a:endParaRPr>
+          </a:p>
+        </p:txBody>
+      </p:sp>
+      <p:sp>
+        <p:nvSpPr>
+          <p:cNvPr id="27" name="Text Placeholder 20"/>
+          <p:cNvSpPr txBox="1">
+            <a:spLocks/>
+          </p:cNvSpPr>
+          <p:nvPr/>
+        </p:nvSpPr>
+        <p:spPr>
+          <a:xfrm>
+            <a:off x="4315559" y="2116839"/>
+            <a:ext cx="516670" cy="346249"/>
+          </a:xfrm>
+          <a:prstGeom prst="rect">
+            <a:avLst/>
+          </a:prstGeom>
+        </p:spPr>
+        <p:txBody>
+          <a:bodyPr wrap="square" lIns="0" tIns="0" rIns="0" bIns="0" anchor="t" anchorCtr="0">
+            <a:spAutoFit/>
+          </a:bodyPr>
+          <a:lstStyle>
+            <a:lvl1pPr marL="0" indent="0" algn="l" defTabSz="685800" rtl="0" eaLnBrk="1" latinLnBrk="0" hangingPunct="1">
+              <a:lnSpc>
+                <a:spcPct val="90000"/>
+              </a:lnSpc>
+              <a:spcBef>
+                <a:spcPts val="750"/>
+              </a:spcBef>
+              <a:buFont typeface="Arial"/>
+              <a:buNone/>
+              <a:defRPr sz="3500" b="1" i="0" kern="1200">
+                <a:solidFill>
+                  <a:srgbClr val="E8E7E9"/>
+                </a:solidFill>
+                <a:latin typeface="Raleway Black" charset="0"/>
+                <a:ea typeface="Raleway Black" charset="0"/>
+                <a:cs typeface="Raleway Black" charset="0"/>
+              </a:defRPr>
+            </a:lvl1pPr>
+            <a:lvl2pPr marL="514350" indent="-171450" algn="l" defTabSz="685800" rtl="0" eaLnBrk="1" latinLnBrk="0" hangingPunct="1">
+              <a:lnSpc>
+                <a:spcPct val="90000"/>
+              </a:lnSpc>
+              <a:spcBef>
+                <a:spcPts val="375"/>
+              </a:spcBef>
+              <a:buFont typeface="Arial"/>
+              <a:buChar char="•"/>
+              <a:defRPr sz="1800" kern="1200">
+                <a:solidFill>
+                  <a:schemeClr val="tx1"/>
+                </a:solidFill>
+                <a:latin typeface="+mn-lt"/>
+                <a:ea typeface="+mn-ea"/>
+                <a:cs typeface="+mn-cs"/>
+              </a:defRPr>
+            </a:lvl2pPr>
+            <a:lvl3pPr marL="857250" indent="-171450" algn="l" defTabSz="685800" rtl="0" eaLnBrk="1" latinLnBrk="0" hangingPunct="1">
+              <a:lnSpc>
+                <a:spcPct val="90000"/>
+              </a:lnSpc>
+              <a:spcBef>
+                <a:spcPts val="375"/>
+              </a:spcBef>
+              <a:buFont typeface="Arial"/>
+              <a:buChar char="•"/>
+              <a:defRPr sz="1500" kern="1200">
+                <a:solidFill>
+                  <a:schemeClr val="tx1"/>
+                </a:solidFill>
+                <a:latin typeface="+mn-lt"/>
+                <a:ea typeface="+mn-ea"/>
+                <a:cs typeface="+mn-cs"/>
+              </a:defRPr>
+            </a:lvl3pPr>
+            <a:lvl4pPr marL="1200150" indent="-171450" algn="l" defTabSz="685800" rtl="0" eaLnBrk="1" latinLnBrk="0" hangingPunct="1">
+              <a:lnSpc>
+                <a:spcPct val="90000"/>
+              </a:lnSpc>
+              <a:spcBef>
+                <a:spcPts val="375"/>
+              </a:spcBef>
+              <a:buFont typeface="Arial"/>
+              <a:buChar char="•"/>
+              <a:defRPr sz="1350" kern="1200">
+                <a:solidFill>
+                  <a:schemeClr val="tx1"/>
+                </a:solidFill>
+                <a:latin typeface="+mn-lt"/>
+                <a:ea typeface="+mn-ea"/>
+                <a:cs typeface="+mn-cs"/>
+              </a:defRPr>
+            </a:lvl4pPr>
+            <a:lvl5pPr marL="1543050" indent="-171450" algn="l" defTabSz="685800" rtl="0" eaLnBrk="1" latinLnBrk="0" hangingPunct="1">
+              <a:lnSpc>
+                <a:spcPct val="90000"/>
+              </a:lnSpc>
+              <a:spcBef>
+                <a:spcPts val="375"/>
+              </a:spcBef>
+              <a:buFont typeface="Arial"/>
+              <a:buChar char="•"/>
+              <a:defRPr sz="1350" kern="1200">
+                <a:solidFill>
+                  <a:schemeClr val="tx1"/>
+                </a:solidFill>
+                <a:latin typeface="+mn-lt"/>
+                <a:ea typeface="+mn-ea"/>
+                <a:cs typeface="+mn-cs"/>
+              </a:defRPr>
+            </a:lvl5pPr>
+            <a:lvl6pPr marL="1885950" indent="-171450" algn="l" defTabSz="685800" rtl="0" eaLnBrk="1" latinLnBrk="0" hangingPunct="1">
+              <a:lnSpc>
+                <a:spcPct val="90000"/>
+              </a:lnSpc>
+              <a:spcBef>
+                <a:spcPts val="375"/>
+              </a:spcBef>
+              <a:buFont typeface="Arial"/>
+              <a:buChar char="•"/>
+              <a:defRPr sz="1350" kern="1200">
+                <a:solidFill>
+                  <a:schemeClr val="tx1"/>
+                </a:solidFill>
+                <a:latin typeface="+mn-lt"/>
+                <a:ea typeface="+mn-ea"/>
+                <a:cs typeface="+mn-cs"/>
+              </a:defRPr>
+            </a:lvl6pPr>
+            <a:lvl7pPr marL="2228850" indent="-171450" algn="l" defTabSz="685800" rtl="0" eaLnBrk="1" latinLnBrk="0" hangingPunct="1">
+              <a:lnSpc>
+                <a:spcPct val="90000"/>
+              </a:lnSpc>
+              <a:spcBef>
+                <a:spcPts val="375"/>
+              </a:spcBef>
+              <a:buFont typeface="Arial"/>
+              <a:buChar char="•"/>
+              <a:defRPr sz="1350" kern="1200">
+                <a:solidFill>
+                  <a:schemeClr val="tx1"/>
+                </a:solidFill>
+                <a:latin typeface="+mn-lt"/>
+                <a:ea typeface="+mn-ea"/>
+                <a:cs typeface="+mn-cs"/>
+              </a:defRPr>
+            </a:lvl7pPr>
+            <a:lvl8pPr marL="2571750" indent="-171450" algn="l" defTabSz="685800" rtl="0" eaLnBrk="1" latinLnBrk="0" hangingPunct="1">
+              <a:lnSpc>
+                <a:spcPct val="90000"/>
+              </a:lnSpc>
+              <a:spcBef>
+                <a:spcPts val="375"/>
+              </a:spcBef>
+              <a:buFont typeface="Arial"/>
+              <a:buChar char="•"/>
+              <a:defRPr sz="1350" kern="1200">
+                <a:solidFill>
+                  <a:schemeClr val="tx1"/>
+                </a:solidFill>
+                <a:latin typeface="+mn-lt"/>
+                <a:ea typeface="+mn-ea"/>
+                <a:cs typeface="+mn-cs"/>
+              </a:defRPr>
+            </a:lvl8pPr>
+            <a:lvl9pPr marL="2914650" indent="-171450" algn="l" defTabSz="685800" rtl="0" eaLnBrk="1" latinLnBrk="0" hangingPunct="1">
+              <a:lnSpc>
+                <a:spcPct val="90000"/>
+              </a:lnSpc>
+              <a:spcBef>
+                <a:spcPts val="375"/>
+              </a:spcBef>
+              <a:buFont typeface="Arial"/>
+              <a:buChar char="•"/>
+              <a:defRPr sz="1350" kern="1200">
+                <a:solidFill>
+                  <a:schemeClr val="tx1"/>
+                </a:solidFill>
+                <a:latin typeface="+mn-lt"/>
+                <a:ea typeface="+mn-ea"/>
+                <a:cs typeface="+mn-cs"/>
+              </a:defRPr>
+            </a:lvl9pPr>
+          </a:lstStyle>
+          <a:p>
+            <a:pPr algn="ctr"/>
+            <a:r>
+              <a:rPr lang="en-US" sz="2500" dirty="0">
+                <a:solidFill>
+                  <a:schemeClr val="bg1"/>
+                </a:solidFill>
+                <a:latin typeface="FontAwesome" pitchFamily="2" charset="0"/>
+              </a:rPr>
+              <a:t></a:t>
+            </a:r>
+            <a:endParaRPr lang="en-US" sz="2500" dirty="0">
+              <a:solidFill>
+                <a:schemeClr val="bg1"/>
+              </a:solidFill>
+              <a:latin typeface="FontAwesome" charset="0"/>
+              <a:ea typeface="FontAwesome" charset="0"/>
+              <a:cs typeface="FontAwesome" charset="0"/>
+            </a:endParaRPr>
+          </a:p>
+        </p:txBody>
+      </p:sp>
+      <p:sp>
+        <p:nvSpPr>
+          <p:cNvPr id="29" name="Text Placeholder 20"/>
+          <p:cNvSpPr txBox="1">
+            <a:spLocks/>
+          </p:cNvSpPr>
+          <p:nvPr/>
+        </p:nvSpPr>
+        <p:spPr>
+          <a:xfrm>
+            <a:off x="7542148" y="2116839"/>
+            <a:ext cx="516670" cy="387798"/>
+          </a:xfrm>
+          <a:prstGeom prst="rect">
+            <a:avLst/>
+          </a:prstGeom>
+        </p:spPr>
+        <p:txBody>
+          <a:bodyPr wrap="square" lIns="0" tIns="0" rIns="0" bIns="0" anchor="t" anchorCtr="0">
+            <a:spAutoFit/>
+          </a:bodyPr>
+          <a:lstStyle>
+            <a:lvl1pPr marL="0" indent="0" algn="l" defTabSz="685800" rtl="0" eaLnBrk="1" latinLnBrk="0" hangingPunct="1">
+              <a:lnSpc>
+                <a:spcPct val="90000"/>
+              </a:lnSpc>
+              <a:spcBef>
+                <a:spcPts val="750"/>
+              </a:spcBef>
+              <a:buFont typeface="Arial"/>
+              <a:buNone/>
+              <a:defRPr sz="3500" b="1" i="0" kern="1200">
+                <a:solidFill>
+                  <a:srgbClr val="E8E7E9"/>
+                </a:solidFill>
+                <a:latin typeface="Raleway Black" charset="0"/>
+                <a:ea typeface="Raleway Black" charset="0"/>
+                <a:cs typeface="Raleway Black" charset="0"/>
+              </a:defRPr>
+            </a:lvl1pPr>
+            <a:lvl2pPr marL="514350" indent="-171450" algn="l" defTabSz="685800" rtl="0" eaLnBrk="1" latinLnBrk="0" hangingPunct="1">
+              <a:lnSpc>
+                <a:spcPct val="90000"/>
+              </a:lnSpc>
+              <a:spcBef>
+                <a:spcPts val="375"/>
+              </a:spcBef>
+              <a:buFont typeface="Arial"/>
+              <a:buChar char="•"/>
+              <a:defRPr sz="1800" kern="1200">
+                <a:solidFill>
+                  <a:schemeClr val="tx1"/>
+                </a:solidFill>
+                <a:latin typeface="+mn-lt"/>
+                <a:ea typeface="+mn-ea"/>
+                <a:cs typeface="+mn-cs"/>
+              </a:defRPr>
+            </a:lvl2pPr>
+            <a:lvl3pPr marL="857250" indent="-171450" algn="l" defTabSz="685800" rtl="0" eaLnBrk="1" latinLnBrk="0" hangingPunct="1">
+              <a:lnSpc>
+                <a:spcPct val="90000"/>
+              </a:lnSpc>
+              <a:spcBef>
+                <a:spcPts val="375"/>
+              </a:spcBef>
+              <a:buFont typeface="Arial"/>
+              <a:buChar char="•"/>
+              <a:defRPr sz="1500" kern="1200">
+                <a:solidFill>
+                  <a:schemeClr val="tx1"/>
+                </a:solidFill>
+                <a:latin typeface="+mn-lt"/>
+                <a:ea typeface="+mn-ea"/>
+                <a:cs typeface="+mn-cs"/>
+              </a:defRPr>
+            </a:lvl3pPr>
+            <a:lvl4pPr marL="1200150" indent="-171450" algn="l" defTabSz="685800" rtl="0" eaLnBrk="1" latinLnBrk="0" hangingPunct="1">
+              <a:lnSpc>
+                <a:spcPct val="90000"/>
+              </a:lnSpc>
+              <a:spcBef>
+                <a:spcPts val="375"/>
+              </a:spcBef>
+              <a:buFont typeface="Arial"/>
+              <a:buChar char="•"/>
+              <a:defRPr sz="1350" kern="1200">
+                <a:solidFill>
+                  <a:schemeClr val="tx1"/>
+                </a:solidFill>
+                <a:latin typeface="+mn-lt"/>
+                <a:ea typeface="+mn-ea"/>
+                <a:cs typeface="+mn-cs"/>
+              </a:defRPr>
+            </a:lvl4pPr>
+            <a:lvl5pPr marL="1543050" indent="-171450" algn="l" defTabSz="685800" rtl="0" eaLnBrk="1" latinLnBrk="0" hangingPunct="1">
+              <a:lnSpc>
+                <a:spcPct val="90000"/>
+              </a:lnSpc>
+              <a:spcBef>
+                <a:spcPts val="375"/>
+              </a:spcBef>
+              <a:buFont typeface="Arial"/>
+              <a:buChar char="•"/>
+              <a:defRPr sz="1350" kern="1200">
+                <a:solidFill>
+                  <a:schemeClr val="tx1"/>
+                </a:solidFill>
+                <a:latin typeface="+mn-lt"/>
+                <a:ea typeface="+mn-ea"/>
+                <a:cs typeface="+mn-cs"/>
+              </a:defRPr>
+            </a:lvl5pPr>
+            <a:lvl6pPr marL="1885950" indent="-171450" algn="l" defTabSz="685800" rtl="0" eaLnBrk="1" latinLnBrk="0" hangingPunct="1">
+              <a:lnSpc>
+                <a:spcPct val="90000"/>
+              </a:lnSpc>
+              <a:spcBef>
+                <a:spcPts val="375"/>
+              </a:spcBef>
+              <a:buFont typeface="Arial"/>
+              <a:buChar char="•"/>
+              <a:defRPr sz="1350" kern="1200">
+                <a:solidFill>
+                  <a:schemeClr val="tx1"/>
+                </a:solidFill>
+                <a:latin typeface="+mn-lt"/>
+                <a:ea typeface="+mn-ea"/>
+                <a:cs typeface="+mn-cs"/>
+              </a:defRPr>
+            </a:lvl6pPr>
+            <a:lvl7pPr marL="2228850" indent="-171450" algn="l" defTabSz="685800" rtl="0" eaLnBrk="1" latinLnBrk="0" hangingPunct="1">
+              <a:lnSpc>
+                <a:spcPct val="90000"/>
+              </a:lnSpc>
+              <a:spcBef>
+                <a:spcPts val="375"/>
+              </a:spcBef>
+              <a:buFont typeface="Arial"/>
+              <a:buChar char="•"/>
+              <a:defRPr sz="1350" kern="1200">
+                <a:solidFill>
+                  <a:schemeClr val="tx1"/>
+                </a:solidFill>
+                <a:latin typeface="+mn-lt"/>
+                <a:ea typeface="+mn-ea"/>
+                <a:cs typeface="+mn-cs"/>
+              </a:defRPr>
+            </a:lvl7pPr>
+            <a:lvl8pPr marL="2571750" indent="-171450" algn="l" defTabSz="685800" rtl="0" eaLnBrk="1" latinLnBrk="0" hangingPunct="1">
+              <a:lnSpc>
+                <a:spcPct val="90000"/>
+              </a:lnSpc>
+              <a:spcBef>
+                <a:spcPts val="375"/>
+              </a:spcBef>
+              <a:buFont typeface="Arial"/>
+              <a:buChar char="•"/>
+              <a:defRPr sz="1350" kern="1200">
+                <a:solidFill>
+                  <a:schemeClr val="tx1"/>
+                </a:solidFill>
+                <a:latin typeface="+mn-lt"/>
+                <a:ea typeface="+mn-ea"/>
+                <a:cs typeface="+mn-cs"/>
+              </a:defRPr>
+            </a:lvl8pPr>
+            <a:lvl9pPr marL="2914650" indent="-171450" algn="l" defTabSz="685800" rtl="0" eaLnBrk="1" latinLnBrk="0" hangingPunct="1">
+              <a:lnSpc>
+                <a:spcPct val="90000"/>
+              </a:lnSpc>
+              <a:spcBef>
+                <a:spcPts val="375"/>
+              </a:spcBef>
+              <a:buFont typeface="Arial"/>
+              <a:buChar char="•"/>
+              <a:defRPr sz="1350" kern="1200">
+                <a:solidFill>
+                  <a:schemeClr val="tx1"/>
+                </a:solidFill>
+                <a:latin typeface="+mn-lt"/>
+                <a:ea typeface="+mn-ea"/>
+                <a:cs typeface="+mn-cs"/>
+              </a:defRPr>
+            </a:lvl9pPr>
+          </a:lstStyle>
+          <a:p>
+            <a:pPr algn="ctr"/>
+            <a:r>
+              <a:rPr lang="es-ES_tradnl" sz="2800">
+                <a:solidFill>
+                  <a:schemeClr val="bg1"/>
+                </a:solidFill>
+                <a:latin typeface="FontAwesome"/>
+                <a:ea typeface="FontAwesome"/>
+                <a:cs typeface="FontAwesome"/>
+                <a:sym typeface="FontAwesome"/>
+              </a:rPr>
+              <a:t></a:t>
+            </a:r>
+            <a:endParaRPr lang="en-US" sz="2500" dirty="0">
+              <a:solidFill>
+                <a:schemeClr val="bg1"/>
+              </a:solidFill>
+              <a:latin typeface="FontAwesome" charset="0"/>
+              <a:ea typeface="FontAwesome" charset="0"/>
+              <a:cs typeface="FontAwesome" charset="0"/>
+            </a:endParaRPr>
+          </a:p>
+        </p:txBody>
+      </p:sp>
+      <p:pic>
+        <p:nvPicPr>
+          <p:cNvPr id="10" name="Picture 9">
+            <a:extLst>
+              <a:ext uri="{FF2B5EF4-FFF2-40B4-BE49-F238E27FC236}">
+                <a16:creationId xmlns:a16="http://schemas.microsoft.com/office/drawing/2014/main" id="{1C35D81C-BD7C-4BA3-BE3A-4EF39F64CD77}"/>
+              </a:ext>
+            </a:extLst>
+          </p:cNvPr>
+          <p:cNvPicPr>
+            <a:picLocks noChangeAspect="1"/>
+          </p:cNvPicPr>
+          <p:nvPr/>
+        </p:nvPicPr>
+        <p:blipFill>
+          <a:blip r:embed="rId2"/>
+          <a:stretch>
+            <a:fillRect/>
+          </a:stretch>
+        </p:blipFill>
+        <p:spPr>
+          <a:xfrm>
+            <a:off x="7372900" y="137987"/>
+            <a:ext cx="1316221" cy="568607"/>
+          </a:xfrm>
+          <a:prstGeom prst="rect">
+            <a:avLst/>
+          </a:prstGeom>
+        </p:spPr>
+      </p:pic>
+      <p:sp>
+        <p:nvSpPr>
+          <p:cNvPr id="12" name="TextBox 11">
+            <a:extLst>
+              <a:ext uri="{FF2B5EF4-FFF2-40B4-BE49-F238E27FC236}">
+                <a16:creationId xmlns:a16="http://schemas.microsoft.com/office/drawing/2014/main" id="{2EA54471-B851-4FEE-BE69-5A82BF48AD93}"/>
+              </a:ext>
+            </a:extLst>
+          </p:cNvPr>
+          <p:cNvSpPr txBox="1"/>
+          <p:nvPr/>
+        </p:nvSpPr>
+        <p:spPr>
+          <a:xfrm>
+            <a:off x="1231910" y="2028500"/>
+            <a:ext cx="6505073" cy="338554"/>
+          </a:xfrm>
+          <a:prstGeom prst="rect">
+            <a:avLst/>
+          </a:prstGeom>
+          <a:noFill/>
+        </p:spPr>
+        <p:txBody>
+          <a:bodyPr wrap="square" rtlCol="0">
+            <a:spAutoFit/>
+          </a:bodyPr>
+          <a:lstStyle/>
+          <a:p>
+            <a:r>
+              <a:rPr lang="en-US" sz="1600" dirty="0"/>
+              <a:t>- Automatic logging.</a:t>
+            </a:r>
+          </a:p>
+        </p:txBody>
+      </p:sp>
+      <p:sp>
+        <p:nvSpPr>
+          <p:cNvPr id="13" name="TextBox 12">
+            <a:extLst>
+              <a:ext uri="{FF2B5EF4-FFF2-40B4-BE49-F238E27FC236}">
+                <a16:creationId xmlns:a16="http://schemas.microsoft.com/office/drawing/2014/main" id="{CB65BB71-08F4-4030-934A-ABF57D953F4A}"/>
+              </a:ext>
+            </a:extLst>
+          </p:cNvPr>
+          <p:cNvSpPr txBox="1"/>
+          <p:nvPr/>
+        </p:nvSpPr>
+        <p:spPr>
+          <a:xfrm>
+            <a:off x="1231910" y="3201246"/>
+            <a:ext cx="6505073" cy="338554"/>
+          </a:xfrm>
+          <a:prstGeom prst="rect">
+            <a:avLst/>
+          </a:prstGeom>
+          <a:noFill/>
+        </p:spPr>
+        <p:txBody>
+          <a:bodyPr wrap="square" rtlCol="0">
+            <a:spAutoFit/>
+          </a:bodyPr>
+          <a:lstStyle/>
+          <a:p>
+            <a:r>
+              <a:rPr lang="en-US" sz="1600" dirty="0"/>
+              <a:t>- Docker build is so simple and easy.</a:t>
+            </a:r>
+          </a:p>
+        </p:txBody>
+      </p:sp>
+    </p:spTree>
+    <p:extLst>
+      <p:ext uri="{BB962C8B-B14F-4D97-AF65-F5344CB8AC3E}">
+        <p14:creationId xmlns:p14="http://schemas.microsoft.com/office/powerpoint/2010/main" val="567873622"/>
+      </p:ext>
+    </p:extLst>
+  </p:cSld>
+  <p:clrMapOvr>
+    <a:masterClrMapping/>
+  </p:clrMapOvr>
+</p:sld>
+</file>
+
+<file path=ppt/slides/slide25.xml><?xml version="1.0" encoding="utf-8"?>
+<p:sld xmlns:a="http://schemas.openxmlformats.org/drawingml/2006/main" xmlns:r="http://schemas.openxmlformats.org/officeDocument/2006/relationships" xmlns:p="http://schemas.openxmlformats.org/presentationml/2006/main" showMasterSp="0">
+  <p:cSld>
+    <p:spTree>
+      <p:nvGrpSpPr>
+        <p:cNvPr id="1" name=""/>
+        <p:cNvGrpSpPr/>
+        <p:nvPr/>
+      </p:nvGrpSpPr>
+      <p:grpSpPr>
+        <a:xfrm>
+          <a:off x="0" y="0"/>
+          <a:ext cx="0" cy="0"/>
+          <a:chOff x="0" y="0"/>
+          <a:chExt cx="0" cy="0"/>
+        </a:xfrm>
+      </p:grpSpPr>
+      <p:sp>
+        <p:nvSpPr>
+          <p:cNvPr id="5" name="Marcador de texto 4"/>
+          <p:cNvSpPr>
+            <a:spLocks noGrp="1"/>
+          </p:cNvSpPr>
+          <p:nvPr>
+            <p:ph type="body" sz="quarter" idx="10"/>
+          </p:nvPr>
+        </p:nvSpPr>
+        <p:spPr>
+          <a:xfrm>
+            <a:off x="503238" y="892206"/>
+            <a:ext cx="3109826" cy="2769989"/>
+          </a:xfrm>
+        </p:spPr>
+        <p:txBody>
+          <a:bodyPr/>
+          <a:lstStyle/>
+          <a:p>
+            <a:r>
+              <a:rPr lang="es-ES_tradnl" dirty="0"/>
+              <a:t>02</a:t>
+            </a:r>
+          </a:p>
+        </p:txBody>
+      </p:sp>
+      <p:sp>
+        <p:nvSpPr>
+          <p:cNvPr id="16" name="Marcador de texto 15"/>
+          <p:cNvSpPr>
+            <a:spLocks noGrp="1"/>
+          </p:cNvSpPr>
+          <p:nvPr>
+            <p:ph type="body" sz="quarter" idx="11"/>
+          </p:nvPr>
+        </p:nvSpPr>
+        <p:spPr>
+          <a:xfrm>
+            <a:off x="512030" y="2453044"/>
+            <a:ext cx="3574195" cy="1090255"/>
+          </a:xfrm>
+        </p:spPr>
+        <p:txBody>
+          <a:bodyPr/>
+          <a:lstStyle/>
+          <a:p>
+            <a:pPr algn="l"/>
+            <a:r>
+              <a:rPr lang="en-US" dirty="0"/>
+              <a:t>BAD THINGS</a:t>
+            </a:r>
+          </a:p>
+        </p:txBody>
+      </p:sp>
+      <p:cxnSp>
+        <p:nvCxnSpPr>
+          <p:cNvPr id="9" name="Conector recto 8"/>
+          <p:cNvCxnSpPr/>
+          <p:nvPr/>
+        </p:nvCxnSpPr>
+        <p:spPr>
+          <a:xfrm>
+            <a:off x="503238" y="2453045"/>
+            <a:ext cx="2985569" cy="0"/>
+          </a:xfrm>
+          <a:prstGeom prst="line">
+            <a:avLst/>
+          </a:prstGeom>
+          <a:ln w="9525">
+            <a:solidFill>
+              <a:schemeClr val="accent5">
+                <a:lumMod val="75000"/>
+              </a:schemeClr>
+            </a:solidFill>
+            <a:headEnd type="oval"/>
+          </a:ln>
+        </p:spPr>
+        <p:style>
+          <a:lnRef idx="1">
+            <a:schemeClr val="accent1"/>
+          </a:lnRef>
+          <a:fillRef idx="0">
+            <a:schemeClr val="accent1"/>
+          </a:fillRef>
+          <a:effectRef idx="0">
+            <a:schemeClr val="accent1"/>
+          </a:effectRef>
+          <a:fontRef idx="minor">
+            <a:schemeClr val="tx1"/>
+          </a:fontRef>
+        </p:style>
+      </p:cxnSp>
+      <p:pic>
+        <p:nvPicPr>
+          <p:cNvPr id="7" name="Picture 6">
+            <a:extLst>
+              <a:ext uri="{FF2B5EF4-FFF2-40B4-BE49-F238E27FC236}">
+                <a16:creationId xmlns:a16="http://schemas.microsoft.com/office/drawing/2014/main" id="{2E44F01D-3325-48BD-9D87-C4DBE3357940}"/>
+              </a:ext>
+            </a:extLst>
+          </p:cNvPr>
+          <p:cNvPicPr>
+            <a:picLocks noChangeAspect="1"/>
+          </p:cNvPicPr>
+          <p:nvPr/>
+        </p:nvPicPr>
+        <p:blipFill>
+          <a:blip r:embed="rId2"/>
+          <a:stretch>
+            <a:fillRect/>
+          </a:stretch>
+        </p:blipFill>
+        <p:spPr>
+          <a:xfrm>
+            <a:off x="7372900" y="137987"/>
+            <a:ext cx="1316221" cy="568607"/>
+          </a:xfrm>
+          <a:prstGeom prst="rect">
+            <a:avLst/>
+          </a:prstGeom>
+        </p:spPr>
+      </p:pic>
+    </p:spTree>
+    <p:extLst>
+      <p:ext uri="{BB962C8B-B14F-4D97-AF65-F5344CB8AC3E}">
+        <p14:creationId xmlns:p14="http://schemas.microsoft.com/office/powerpoint/2010/main" val="3004263870"/>
+      </p:ext>
+    </p:extLst>
+  </p:cSld>
+  <p:clrMapOvr>
+    <a:masterClrMapping/>
+  </p:clrMapOvr>
+</p:sld>
+</file>
+
+<file path=ppt/slides/slide26.xml><?xml version="1.0" encoding="utf-8"?>
+<p:sld xmlns:a="http://schemas.openxmlformats.org/drawingml/2006/main" xmlns:r="http://schemas.openxmlformats.org/officeDocument/2006/relationships" xmlns:p="http://schemas.openxmlformats.org/presentationml/2006/main" showMasterSp="0">
+  <p:cSld>
+    <p:spTree>
+      <p:nvGrpSpPr>
+        <p:cNvPr id="1" name=""/>
+        <p:cNvGrpSpPr/>
+        <p:nvPr/>
+      </p:nvGrpSpPr>
+      <p:grpSpPr>
+        <a:xfrm>
+          <a:off x="0" y="0"/>
+          <a:ext cx="0" cy="0"/>
+          <a:chOff x="0" y="0"/>
+          <a:chExt cx="0" cy="0"/>
+        </a:xfrm>
+      </p:grpSpPr>
+      <p:sp>
+        <p:nvSpPr>
+          <p:cNvPr id="5" name="Marcador de texto 4"/>
+          <p:cNvSpPr>
+            <a:spLocks noGrp="1"/>
+          </p:cNvSpPr>
+          <p:nvPr>
+            <p:ph type="body" sz="quarter" idx="10"/>
+          </p:nvPr>
+        </p:nvSpPr>
+        <p:spPr>
+          <a:xfrm>
+            <a:off x="512029" y="440817"/>
+            <a:ext cx="4367701" cy="597510"/>
+          </a:xfrm>
+        </p:spPr>
+        <p:txBody>
+          <a:bodyPr/>
+          <a:lstStyle/>
+          <a:p>
+            <a:r>
+              <a:rPr lang="es-ES_tradnl" dirty="0"/>
+              <a:t>02</a:t>
+            </a:r>
+          </a:p>
+        </p:txBody>
+      </p:sp>
+      <p:sp>
+        <p:nvSpPr>
+          <p:cNvPr id="16" name="Marcador de texto 15"/>
+          <p:cNvSpPr>
+            <a:spLocks noGrp="1"/>
+          </p:cNvSpPr>
+          <p:nvPr>
+            <p:ph type="body" sz="quarter" idx="11"/>
+          </p:nvPr>
+        </p:nvSpPr>
+        <p:spPr>
+          <a:xfrm>
+            <a:off x="503238" y="842626"/>
+            <a:ext cx="2635616" cy="423464"/>
+          </a:xfrm>
+        </p:spPr>
+        <p:txBody>
+          <a:bodyPr/>
+          <a:lstStyle/>
+          <a:p>
+            <a:r>
+              <a:rPr lang="en-US" sz="1600" dirty="0"/>
+              <a:t>GOOD THINGS</a:t>
+            </a:r>
+          </a:p>
+        </p:txBody>
+      </p:sp>
+      <p:cxnSp>
+        <p:nvCxnSpPr>
+          <p:cNvPr id="9" name="Conector recto 8"/>
+          <p:cNvCxnSpPr/>
+          <p:nvPr/>
+        </p:nvCxnSpPr>
+        <p:spPr>
+          <a:xfrm>
+            <a:off x="503238" y="844190"/>
+            <a:ext cx="8281987" cy="0"/>
+          </a:xfrm>
+          <a:prstGeom prst="line">
+            <a:avLst/>
+          </a:prstGeom>
+          <a:ln w="9525">
+            <a:solidFill>
+              <a:schemeClr val="accent5">
+                <a:lumMod val="75000"/>
+              </a:schemeClr>
+            </a:solidFill>
+            <a:headEnd type="oval"/>
+          </a:ln>
+        </p:spPr>
+        <p:style>
+          <a:lnRef idx="1">
+            <a:schemeClr val="accent1"/>
+          </a:lnRef>
+          <a:fillRef idx="0">
+            <a:schemeClr val="accent1"/>
+          </a:fillRef>
+          <a:effectRef idx="0">
+            <a:schemeClr val="accent1"/>
+          </a:effectRef>
+          <a:fontRef idx="minor">
+            <a:schemeClr val="tx1"/>
+          </a:fontRef>
+        </p:style>
+      </p:cxnSp>
+      <p:sp>
+        <p:nvSpPr>
+          <p:cNvPr id="26" name="Text Placeholder 20"/>
+          <p:cNvSpPr txBox="1">
+            <a:spLocks/>
+          </p:cNvSpPr>
+          <p:nvPr/>
+        </p:nvSpPr>
+        <p:spPr>
+          <a:xfrm>
+            <a:off x="1329714" y="2116839"/>
+            <a:ext cx="516670" cy="346249"/>
+          </a:xfrm>
+          <a:prstGeom prst="rect">
+            <a:avLst/>
+          </a:prstGeom>
+        </p:spPr>
+        <p:txBody>
+          <a:bodyPr wrap="square" lIns="0" tIns="0" rIns="0" bIns="0" anchor="t" anchorCtr="0">
+            <a:spAutoFit/>
+          </a:bodyPr>
+          <a:lstStyle>
+            <a:lvl1pPr marL="0" indent="0" algn="l" defTabSz="685800" rtl="0" eaLnBrk="1" latinLnBrk="0" hangingPunct="1">
+              <a:lnSpc>
+                <a:spcPct val="90000"/>
+              </a:lnSpc>
+              <a:spcBef>
+                <a:spcPts val="750"/>
+              </a:spcBef>
+              <a:buFont typeface="Arial"/>
+              <a:buNone/>
+              <a:defRPr sz="3500" b="1" i="0" kern="1200">
+                <a:solidFill>
+                  <a:srgbClr val="E8E7E9"/>
+                </a:solidFill>
+                <a:latin typeface="Raleway Black" charset="0"/>
+                <a:ea typeface="Raleway Black" charset="0"/>
+                <a:cs typeface="Raleway Black" charset="0"/>
+              </a:defRPr>
+            </a:lvl1pPr>
+            <a:lvl2pPr marL="514350" indent="-171450" algn="l" defTabSz="685800" rtl="0" eaLnBrk="1" latinLnBrk="0" hangingPunct="1">
+              <a:lnSpc>
+                <a:spcPct val="90000"/>
+              </a:lnSpc>
+              <a:spcBef>
+                <a:spcPts val="375"/>
+              </a:spcBef>
+              <a:buFont typeface="Arial"/>
+              <a:buChar char="•"/>
+              <a:defRPr sz="1800" kern="1200">
+                <a:solidFill>
+                  <a:schemeClr val="tx1"/>
+                </a:solidFill>
+                <a:latin typeface="+mn-lt"/>
+                <a:ea typeface="+mn-ea"/>
+                <a:cs typeface="+mn-cs"/>
+              </a:defRPr>
+            </a:lvl2pPr>
+            <a:lvl3pPr marL="857250" indent="-171450" algn="l" defTabSz="685800" rtl="0" eaLnBrk="1" latinLnBrk="0" hangingPunct="1">
+              <a:lnSpc>
+                <a:spcPct val="90000"/>
+              </a:lnSpc>
+              <a:spcBef>
+                <a:spcPts val="375"/>
+              </a:spcBef>
+              <a:buFont typeface="Arial"/>
+              <a:buChar char="•"/>
+              <a:defRPr sz="1500" kern="1200">
+                <a:solidFill>
+                  <a:schemeClr val="tx1"/>
+                </a:solidFill>
+                <a:latin typeface="+mn-lt"/>
+                <a:ea typeface="+mn-ea"/>
+                <a:cs typeface="+mn-cs"/>
+              </a:defRPr>
+            </a:lvl3pPr>
+            <a:lvl4pPr marL="1200150" indent="-171450" algn="l" defTabSz="685800" rtl="0" eaLnBrk="1" latinLnBrk="0" hangingPunct="1">
+              <a:lnSpc>
+                <a:spcPct val="90000"/>
+              </a:lnSpc>
+              <a:spcBef>
+                <a:spcPts val="375"/>
+              </a:spcBef>
+              <a:buFont typeface="Arial"/>
+              <a:buChar char="•"/>
+              <a:defRPr sz="1350" kern="1200">
+                <a:solidFill>
+                  <a:schemeClr val="tx1"/>
+                </a:solidFill>
+                <a:latin typeface="+mn-lt"/>
+                <a:ea typeface="+mn-ea"/>
+                <a:cs typeface="+mn-cs"/>
+              </a:defRPr>
+            </a:lvl4pPr>
+            <a:lvl5pPr marL="1543050" indent="-171450" algn="l" defTabSz="685800" rtl="0" eaLnBrk="1" latinLnBrk="0" hangingPunct="1">
+              <a:lnSpc>
+                <a:spcPct val="90000"/>
+              </a:lnSpc>
+              <a:spcBef>
+                <a:spcPts val="375"/>
+              </a:spcBef>
+              <a:buFont typeface="Arial"/>
+              <a:buChar char="•"/>
+              <a:defRPr sz="1350" kern="1200">
+                <a:solidFill>
+                  <a:schemeClr val="tx1"/>
+                </a:solidFill>
+                <a:latin typeface="+mn-lt"/>
+                <a:ea typeface="+mn-ea"/>
+                <a:cs typeface="+mn-cs"/>
+              </a:defRPr>
+            </a:lvl5pPr>
+            <a:lvl6pPr marL="1885950" indent="-171450" algn="l" defTabSz="685800" rtl="0" eaLnBrk="1" latinLnBrk="0" hangingPunct="1">
+              <a:lnSpc>
+                <a:spcPct val="90000"/>
+              </a:lnSpc>
+              <a:spcBef>
+                <a:spcPts val="375"/>
+              </a:spcBef>
+              <a:buFont typeface="Arial"/>
+              <a:buChar char="•"/>
+              <a:defRPr sz="1350" kern="1200">
+                <a:solidFill>
+                  <a:schemeClr val="tx1"/>
+                </a:solidFill>
+                <a:latin typeface="+mn-lt"/>
+                <a:ea typeface="+mn-ea"/>
+                <a:cs typeface="+mn-cs"/>
+              </a:defRPr>
+            </a:lvl6pPr>
+            <a:lvl7pPr marL="2228850" indent="-171450" algn="l" defTabSz="685800" rtl="0" eaLnBrk="1" latinLnBrk="0" hangingPunct="1">
+              <a:lnSpc>
+                <a:spcPct val="90000"/>
+              </a:lnSpc>
+              <a:spcBef>
+                <a:spcPts val="375"/>
+              </a:spcBef>
+              <a:buFont typeface="Arial"/>
+              <a:buChar char="•"/>
+              <a:defRPr sz="1350" kern="1200">
+                <a:solidFill>
+                  <a:schemeClr val="tx1"/>
+                </a:solidFill>
+                <a:latin typeface="+mn-lt"/>
+                <a:ea typeface="+mn-ea"/>
+                <a:cs typeface="+mn-cs"/>
+              </a:defRPr>
+            </a:lvl7pPr>
+            <a:lvl8pPr marL="2571750" indent="-171450" algn="l" defTabSz="685800" rtl="0" eaLnBrk="1" latinLnBrk="0" hangingPunct="1">
+              <a:lnSpc>
+                <a:spcPct val="90000"/>
+              </a:lnSpc>
+              <a:spcBef>
+                <a:spcPts val="375"/>
+              </a:spcBef>
+              <a:buFont typeface="Arial"/>
+              <a:buChar char="•"/>
+              <a:defRPr sz="1350" kern="1200">
+                <a:solidFill>
+                  <a:schemeClr val="tx1"/>
+                </a:solidFill>
+                <a:latin typeface="+mn-lt"/>
+                <a:ea typeface="+mn-ea"/>
+                <a:cs typeface="+mn-cs"/>
+              </a:defRPr>
+            </a:lvl8pPr>
+            <a:lvl9pPr marL="2914650" indent="-171450" algn="l" defTabSz="685800" rtl="0" eaLnBrk="1" latinLnBrk="0" hangingPunct="1">
+              <a:lnSpc>
+                <a:spcPct val="90000"/>
+              </a:lnSpc>
+              <a:spcBef>
+                <a:spcPts val="375"/>
+              </a:spcBef>
+              <a:buFont typeface="Arial"/>
+              <a:buChar char="•"/>
+              <a:defRPr sz="1350" kern="1200">
+                <a:solidFill>
+                  <a:schemeClr val="tx1"/>
+                </a:solidFill>
+                <a:latin typeface="+mn-lt"/>
+                <a:ea typeface="+mn-ea"/>
+                <a:cs typeface="+mn-cs"/>
+              </a:defRPr>
+            </a:lvl9pPr>
+          </a:lstStyle>
+          <a:p>
+            <a:pPr algn="ctr"/>
+            <a:r>
+              <a:rPr lang="en-US" sz="2500" dirty="0">
+                <a:solidFill>
+                  <a:schemeClr val="bg1"/>
+                </a:solidFill>
+                <a:latin typeface="FontAwesome" pitchFamily="2" charset="0"/>
+              </a:rPr>
+              <a:t></a:t>
+            </a:r>
+            <a:endParaRPr lang="en-US" sz="2500" dirty="0">
+              <a:solidFill>
+                <a:schemeClr val="bg1"/>
+              </a:solidFill>
+              <a:latin typeface="FontAwesome" charset="0"/>
+              <a:ea typeface="FontAwesome" charset="0"/>
+              <a:cs typeface="FontAwesome" charset="0"/>
+            </a:endParaRPr>
+          </a:p>
+        </p:txBody>
+      </p:sp>
+      <p:sp>
+        <p:nvSpPr>
+          <p:cNvPr id="27" name="Text Placeholder 20"/>
+          <p:cNvSpPr txBox="1">
+            <a:spLocks/>
+          </p:cNvSpPr>
+          <p:nvPr/>
+        </p:nvSpPr>
+        <p:spPr>
+          <a:xfrm>
+            <a:off x="4315559" y="2116839"/>
+            <a:ext cx="516670" cy="346249"/>
+          </a:xfrm>
+          <a:prstGeom prst="rect">
+            <a:avLst/>
+          </a:prstGeom>
+        </p:spPr>
+        <p:txBody>
+          <a:bodyPr wrap="square" lIns="0" tIns="0" rIns="0" bIns="0" anchor="t" anchorCtr="0">
+            <a:spAutoFit/>
+          </a:bodyPr>
+          <a:lstStyle>
+            <a:lvl1pPr marL="0" indent="0" algn="l" defTabSz="685800" rtl="0" eaLnBrk="1" latinLnBrk="0" hangingPunct="1">
+              <a:lnSpc>
+                <a:spcPct val="90000"/>
+              </a:lnSpc>
+              <a:spcBef>
+                <a:spcPts val="750"/>
+              </a:spcBef>
+              <a:buFont typeface="Arial"/>
+              <a:buNone/>
+              <a:defRPr sz="3500" b="1" i="0" kern="1200">
+                <a:solidFill>
+                  <a:srgbClr val="E8E7E9"/>
+                </a:solidFill>
+                <a:latin typeface="Raleway Black" charset="0"/>
+                <a:ea typeface="Raleway Black" charset="0"/>
+                <a:cs typeface="Raleway Black" charset="0"/>
+              </a:defRPr>
+            </a:lvl1pPr>
+            <a:lvl2pPr marL="514350" indent="-171450" algn="l" defTabSz="685800" rtl="0" eaLnBrk="1" latinLnBrk="0" hangingPunct="1">
+              <a:lnSpc>
+                <a:spcPct val="90000"/>
+              </a:lnSpc>
+              <a:spcBef>
+                <a:spcPts val="375"/>
+              </a:spcBef>
+              <a:buFont typeface="Arial"/>
+              <a:buChar char="•"/>
+              <a:defRPr sz="1800" kern="1200">
+                <a:solidFill>
+                  <a:schemeClr val="tx1"/>
+                </a:solidFill>
+                <a:latin typeface="+mn-lt"/>
+                <a:ea typeface="+mn-ea"/>
+                <a:cs typeface="+mn-cs"/>
+              </a:defRPr>
+            </a:lvl2pPr>
+            <a:lvl3pPr marL="857250" indent="-171450" algn="l" defTabSz="685800" rtl="0" eaLnBrk="1" latinLnBrk="0" hangingPunct="1">
+              <a:lnSpc>
+                <a:spcPct val="90000"/>
+              </a:lnSpc>
+              <a:spcBef>
+                <a:spcPts val="375"/>
+              </a:spcBef>
+              <a:buFont typeface="Arial"/>
+              <a:buChar char="•"/>
+              <a:defRPr sz="1500" kern="1200">
+                <a:solidFill>
+                  <a:schemeClr val="tx1"/>
+                </a:solidFill>
+                <a:latin typeface="+mn-lt"/>
+                <a:ea typeface="+mn-ea"/>
+                <a:cs typeface="+mn-cs"/>
+              </a:defRPr>
+            </a:lvl3pPr>
+            <a:lvl4pPr marL="1200150" indent="-171450" algn="l" defTabSz="685800" rtl="0" eaLnBrk="1" latinLnBrk="0" hangingPunct="1">
+              <a:lnSpc>
+                <a:spcPct val="90000"/>
+              </a:lnSpc>
+              <a:spcBef>
+                <a:spcPts val="375"/>
+              </a:spcBef>
+              <a:buFont typeface="Arial"/>
+              <a:buChar char="•"/>
+              <a:defRPr sz="1350" kern="1200">
+                <a:solidFill>
+                  <a:schemeClr val="tx1"/>
+                </a:solidFill>
+                <a:latin typeface="+mn-lt"/>
+                <a:ea typeface="+mn-ea"/>
+                <a:cs typeface="+mn-cs"/>
+              </a:defRPr>
+            </a:lvl4pPr>
+            <a:lvl5pPr marL="1543050" indent="-171450" algn="l" defTabSz="685800" rtl="0" eaLnBrk="1" latinLnBrk="0" hangingPunct="1">
+              <a:lnSpc>
+                <a:spcPct val="90000"/>
+              </a:lnSpc>
+              <a:spcBef>
+                <a:spcPts val="375"/>
+              </a:spcBef>
+              <a:buFont typeface="Arial"/>
+              <a:buChar char="•"/>
+              <a:defRPr sz="1350" kern="1200">
+                <a:solidFill>
+                  <a:schemeClr val="tx1"/>
+                </a:solidFill>
+                <a:latin typeface="+mn-lt"/>
+                <a:ea typeface="+mn-ea"/>
+                <a:cs typeface="+mn-cs"/>
+              </a:defRPr>
+            </a:lvl5pPr>
+            <a:lvl6pPr marL="1885950" indent="-171450" algn="l" defTabSz="685800" rtl="0" eaLnBrk="1" latinLnBrk="0" hangingPunct="1">
+              <a:lnSpc>
+                <a:spcPct val="90000"/>
+              </a:lnSpc>
+              <a:spcBef>
+                <a:spcPts val="375"/>
+              </a:spcBef>
+              <a:buFont typeface="Arial"/>
+              <a:buChar char="•"/>
+              <a:defRPr sz="1350" kern="1200">
+                <a:solidFill>
+                  <a:schemeClr val="tx1"/>
+                </a:solidFill>
+                <a:latin typeface="+mn-lt"/>
+                <a:ea typeface="+mn-ea"/>
+                <a:cs typeface="+mn-cs"/>
+              </a:defRPr>
+            </a:lvl6pPr>
+            <a:lvl7pPr marL="2228850" indent="-171450" algn="l" defTabSz="685800" rtl="0" eaLnBrk="1" latinLnBrk="0" hangingPunct="1">
+              <a:lnSpc>
+                <a:spcPct val="90000"/>
+              </a:lnSpc>
+              <a:spcBef>
+                <a:spcPts val="375"/>
+              </a:spcBef>
+              <a:buFont typeface="Arial"/>
+              <a:buChar char="•"/>
+              <a:defRPr sz="1350" kern="1200">
+                <a:solidFill>
+                  <a:schemeClr val="tx1"/>
+                </a:solidFill>
+                <a:latin typeface="+mn-lt"/>
+                <a:ea typeface="+mn-ea"/>
+                <a:cs typeface="+mn-cs"/>
+              </a:defRPr>
+            </a:lvl7pPr>
+            <a:lvl8pPr marL="2571750" indent="-171450" algn="l" defTabSz="685800" rtl="0" eaLnBrk="1" latinLnBrk="0" hangingPunct="1">
+              <a:lnSpc>
+                <a:spcPct val="90000"/>
+              </a:lnSpc>
+              <a:spcBef>
+                <a:spcPts val="375"/>
+              </a:spcBef>
+              <a:buFont typeface="Arial"/>
+              <a:buChar char="•"/>
+              <a:defRPr sz="1350" kern="1200">
+                <a:solidFill>
+                  <a:schemeClr val="tx1"/>
+                </a:solidFill>
+                <a:latin typeface="+mn-lt"/>
+                <a:ea typeface="+mn-ea"/>
+                <a:cs typeface="+mn-cs"/>
+              </a:defRPr>
+            </a:lvl8pPr>
+            <a:lvl9pPr marL="2914650" indent="-171450" algn="l" defTabSz="685800" rtl="0" eaLnBrk="1" latinLnBrk="0" hangingPunct="1">
+              <a:lnSpc>
+                <a:spcPct val="90000"/>
+              </a:lnSpc>
+              <a:spcBef>
+                <a:spcPts val="375"/>
+              </a:spcBef>
+              <a:buFont typeface="Arial"/>
+              <a:buChar char="•"/>
+              <a:defRPr sz="1350" kern="1200">
+                <a:solidFill>
+                  <a:schemeClr val="tx1"/>
+                </a:solidFill>
+                <a:latin typeface="+mn-lt"/>
+                <a:ea typeface="+mn-ea"/>
+                <a:cs typeface="+mn-cs"/>
+              </a:defRPr>
+            </a:lvl9pPr>
+          </a:lstStyle>
+          <a:p>
+            <a:pPr algn="ctr"/>
+            <a:r>
+              <a:rPr lang="en-US" sz="2500" dirty="0">
+                <a:solidFill>
+                  <a:schemeClr val="bg1"/>
+                </a:solidFill>
+                <a:latin typeface="FontAwesome" pitchFamily="2" charset="0"/>
+              </a:rPr>
+              <a:t></a:t>
+            </a:r>
+            <a:endParaRPr lang="en-US" sz="2500" dirty="0">
+              <a:solidFill>
+                <a:schemeClr val="bg1"/>
+              </a:solidFill>
+              <a:latin typeface="FontAwesome" charset="0"/>
+              <a:ea typeface="FontAwesome" charset="0"/>
+              <a:cs typeface="FontAwesome" charset="0"/>
+            </a:endParaRPr>
+          </a:p>
+        </p:txBody>
+      </p:sp>
+      <p:sp>
+        <p:nvSpPr>
+          <p:cNvPr id="29" name="Text Placeholder 20"/>
+          <p:cNvSpPr txBox="1">
+            <a:spLocks/>
+          </p:cNvSpPr>
+          <p:nvPr/>
+        </p:nvSpPr>
+        <p:spPr>
+          <a:xfrm>
+            <a:off x="7542148" y="2116839"/>
+            <a:ext cx="516670" cy="387798"/>
+          </a:xfrm>
+          <a:prstGeom prst="rect">
+            <a:avLst/>
+          </a:prstGeom>
+        </p:spPr>
+        <p:txBody>
+          <a:bodyPr wrap="square" lIns="0" tIns="0" rIns="0" bIns="0" anchor="t" anchorCtr="0">
+            <a:spAutoFit/>
+          </a:bodyPr>
+          <a:lstStyle>
+            <a:lvl1pPr marL="0" indent="0" algn="l" defTabSz="685800" rtl="0" eaLnBrk="1" latinLnBrk="0" hangingPunct="1">
+              <a:lnSpc>
+                <a:spcPct val="90000"/>
+              </a:lnSpc>
+              <a:spcBef>
+                <a:spcPts val="750"/>
+              </a:spcBef>
+              <a:buFont typeface="Arial"/>
+              <a:buNone/>
+              <a:defRPr sz="3500" b="1" i="0" kern="1200">
+                <a:solidFill>
+                  <a:srgbClr val="E8E7E9"/>
+                </a:solidFill>
+                <a:latin typeface="Raleway Black" charset="0"/>
+                <a:ea typeface="Raleway Black" charset="0"/>
+                <a:cs typeface="Raleway Black" charset="0"/>
+              </a:defRPr>
+            </a:lvl1pPr>
+            <a:lvl2pPr marL="514350" indent="-171450" algn="l" defTabSz="685800" rtl="0" eaLnBrk="1" latinLnBrk="0" hangingPunct="1">
+              <a:lnSpc>
+                <a:spcPct val="90000"/>
+              </a:lnSpc>
+              <a:spcBef>
+                <a:spcPts val="375"/>
+              </a:spcBef>
+              <a:buFont typeface="Arial"/>
+              <a:buChar char="•"/>
+              <a:defRPr sz="1800" kern="1200">
+                <a:solidFill>
+                  <a:schemeClr val="tx1"/>
+                </a:solidFill>
+                <a:latin typeface="+mn-lt"/>
+                <a:ea typeface="+mn-ea"/>
+                <a:cs typeface="+mn-cs"/>
+              </a:defRPr>
+            </a:lvl2pPr>
+            <a:lvl3pPr marL="857250" indent="-171450" algn="l" defTabSz="685800" rtl="0" eaLnBrk="1" latinLnBrk="0" hangingPunct="1">
+              <a:lnSpc>
+                <a:spcPct val="90000"/>
+              </a:lnSpc>
+              <a:spcBef>
+                <a:spcPts val="375"/>
+              </a:spcBef>
+              <a:buFont typeface="Arial"/>
+              <a:buChar char="•"/>
+              <a:defRPr sz="1500" kern="1200">
+                <a:solidFill>
+                  <a:schemeClr val="tx1"/>
+                </a:solidFill>
+                <a:latin typeface="+mn-lt"/>
+                <a:ea typeface="+mn-ea"/>
+                <a:cs typeface="+mn-cs"/>
+              </a:defRPr>
+            </a:lvl3pPr>
+            <a:lvl4pPr marL="1200150" indent="-171450" algn="l" defTabSz="685800" rtl="0" eaLnBrk="1" latinLnBrk="0" hangingPunct="1">
+              <a:lnSpc>
+                <a:spcPct val="90000"/>
+              </a:lnSpc>
+              <a:spcBef>
+                <a:spcPts val="375"/>
+              </a:spcBef>
+              <a:buFont typeface="Arial"/>
+              <a:buChar char="•"/>
+              <a:defRPr sz="1350" kern="1200">
+                <a:solidFill>
+                  <a:schemeClr val="tx1"/>
+                </a:solidFill>
+                <a:latin typeface="+mn-lt"/>
+                <a:ea typeface="+mn-ea"/>
+                <a:cs typeface="+mn-cs"/>
+              </a:defRPr>
+            </a:lvl4pPr>
+            <a:lvl5pPr marL="1543050" indent="-171450" algn="l" defTabSz="685800" rtl="0" eaLnBrk="1" latinLnBrk="0" hangingPunct="1">
+              <a:lnSpc>
+                <a:spcPct val="90000"/>
+              </a:lnSpc>
+              <a:spcBef>
+                <a:spcPts val="375"/>
+              </a:spcBef>
+              <a:buFont typeface="Arial"/>
+              <a:buChar char="•"/>
+              <a:defRPr sz="1350" kern="1200">
+                <a:solidFill>
+                  <a:schemeClr val="tx1"/>
+                </a:solidFill>
+                <a:latin typeface="+mn-lt"/>
+                <a:ea typeface="+mn-ea"/>
+                <a:cs typeface="+mn-cs"/>
+              </a:defRPr>
+            </a:lvl5pPr>
+            <a:lvl6pPr marL="1885950" indent="-171450" algn="l" defTabSz="685800" rtl="0" eaLnBrk="1" latinLnBrk="0" hangingPunct="1">
+              <a:lnSpc>
+                <a:spcPct val="90000"/>
+              </a:lnSpc>
+              <a:spcBef>
+                <a:spcPts val="375"/>
+              </a:spcBef>
+              <a:buFont typeface="Arial"/>
+              <a:buChar char="•"/>
+              <a:defRPr sz="1350" kern="1200">
+                <a:solidFill>
+                  <a:schemeClr val="tx1"/>
+                </a:solidFill>
+                <a:latin typeface="+mn-lt"/>
+                <a:ea typeface="+mn-ea"/>
+                <a:cs typeface="+mn-cs"/>
+              </a:defRPr>
+            </a:lvl6pPr>
+            <a:lvl7pPr marL="2228850" indent="-171450" algn="l" defTabSz="685800" rtl="0" eaLnBrk="1" latinLnBrk="0" hangingPunct="1">
+              <a:lnSpc>
+                <a:spcPct val="90000"/>
+              </a:lnSpc>
+              <a:spcBef>
+                <a:spcPts val="375"/>
+              </a:spcBef>
+              <a:buFont typeface="Arial"/>
+              <a:buChar char="•"/>
+              <a:defRPr sz="1350" kern="1200">
+                <a:solidFill>
+                  <a:schemeClr val="tx1"/>
+                </a:solidFill>
+                <a:latin typeface="+mn-lt"/>
+                <a:ea typeface="+mn-ea"/>
+                <a:cs typeface="+mn-cs"/>
+              </a:defRPr>
+            </a:lvl7pPr>
+            <a:lvl8pPr marL="2571750" indent="-171450" algn="l" defTabSz="685800" rtl="0" eaLnBrk="1" latinLnBrk="0" hangingPunct="1">
+              <a:lnSpc>
+                <a:spcPct val="90000"/>
+              </a:lnSpc>
+              <a:spcBef>
+                <a:spcPts val="375"/>
+              </a:spcBef>
+              <a:buFont typeface="Arial"/>
+              <a:buChar char="•"/>
+              <a:defRPr sz="1350" kern="1200">
+                <a:solidFill>
+                  <a:schemeClr val="tx1"/>
+                </a:solidFill>
+                <a:latin typeface="+mn-lt"/>
+                <a:ea typeface="+mn-ea"/>
+                <a:cs typeface="+mn-cs"/>
+              </a:defRPr>
+            </a:lvl8pPr>
+            <a:lvl9pPr marL="2914650" indent="-171450" algn="l" defTabSz="685800" rtl="0" eaLnBrk="1" latinLnBrk="0" hangingPunct="1">
+              <a:lnSpc>
+                <a:spcPct val="90000"/>
+              </a:lnSpc>
+              <a:spcBef>
+                <a:spcPts val="375"/>
+              </a:spcBef>
+              <a:buFont typeface="Arial"/>
+              <a:buChar char="•"/>
+              <a:defRPr sz="1350" kern="1200">
+                <a:solidFill>
+                  <a:schemeClr val="tx1"/>
+                </a:solidFill>
+                <a:latin typeface="+mn-lt"/>
+                <a:ea typeface="+mn-ea"/>
+                <a:cs typeface="+mn-cs"/>
+              </a:defRPr>
+            </a:lvl9pPr>
+          </a:lstStyle>
+          <a:p>
+            <a:pPr algn="ctr"/>
+            <a:r>
+              <a:rPr lang="es-ES_tradnl" sz="2800">
+                <a:solidFill>
+                  <a:schemeClr val="bg1"/>
+                </a:solidFill>
+                <a:latin typeface="FontAwesome"/>
+                <a:ea typeface="FontAwesome"/>
+                <a:cs typeface="FontAwesome"/>
+                <a:sym typeface="FontAwesome"/>
+              </a:rPr>
+              <a:t></a:t>
+            </a:r>
+            <a:endParaRPr lang="en-US" sz="2500" dirty="0">
+              <a:solidFill>
+                <a:schemeClr val="bg1"/>
+              </a:solidFill>
+              <a:latin typeface="FontAwesome" charset="0"/>
+              <a:ea typeface="FontAwesome" charset="0"/>
+              <a:cs typeface="FontAwesome" charset="0"/>
+            </a:endParaRPr>
+          </a:p>
+        </p:txBody>
+      </p:sp>
+      <p:pic>
+        <p:nvPicPr>
+          <p:cNvPr id="10" name="Picture 9">
+            <a:extLst>
+              <a:ext uri="{FF2B5EF4-FFF2-40B4-BE49-F238E27FC236}">
+                <a16:creationId xmlns:a16="http://schemas.microsoft.com/office/drawing/2014/main" id="{1C35D81C-BD7C-4BA3-BE3A-4EF39F64CD77}"/>
+              </a:ext>
+            </a:extLst>
+          </p:cNvPr>
+          <p:cNvPicPr>
+            <a:picLocks noChangeAspect="1"/>
+          </p:cNvPicPr>
+          <p:nvPr/>
+        </p:nvPicPr>
+        <p:blipFill>
+          <a:blip r:embed="rId2"/>
+          <a:stretch>
+            <a:fillRect/>
+          </a:stretch>
+        </p:blipFill>
+        <p:spPr>
+          <a:xfrm>
+            <a:off x="7372900" y="137987"/>
+            <a:ext cx="1316221" cy="568607"/>
+          </a:xfrm>
+          <a:prstGeom prst="rect">
+            <a:avLst/>
+          </a:prstGeom>
+        </p:spPr>
+      </p:pic>
+      <p:sp>
+        <p:nvSpPr>
+          <p:cNvPr id="12" name="TextBox 11">
+            <a:extLst>
+              <a:ext uri="{FF2B5EF4-FFF2-40B4-BE49-F238E27FC236}">
+                <a16:creationId xmlns:a16="http://schemas.microsoft.com/office/drawing/2014/main" id="{2EA54471-B851-4FEE-BE69-5A82BF48AD93}"/>
+              </a:ext>
+            </a:extLst>
+          </p:cNvPr>
+          <p:cNvSpPr txBox="1"/>
+          <p:nvPr/>
+        </p:nvSpPr>
+        <p:spPr>
+          <a:xfrm>
+            <a:off x="1231910" y="1501854"/>
+            <a:ext cx="6505073" cy="338554"/>
+          </a:xfrm>
+          <a:prstGeom prst="rect">
+            <a:avLst/>
+          </a:prstGeom>
+          <a:noFill/>
+        </p:spPr>
+        <p:txBody>
+          <a:bodyPr wrap="square" rtlCol="0">
+            <a:spAutoFit/>
+          </a:bodyPr>
+          <a:lstStyle/>
+          <a:p>
+            <a:r>
+              <a:rPr lang="en-US" sz="1600" dirty="0"/>
+              <a:t>- </a:t>
+            </a:r>
+            <a:r>
+              <a:rPr lang="en-US" sz="1600" dirty="0" err="1"/>
+              <a:t>EFK</a:t>
+            </a:r>
+            <a:r>
+              <a:rPr lang="en-US" sz="1600" dirty="0"/>
+              <a:t> version is not newest version.</a:t>
+            </a:r>
+          </a:p>
+        </p:txBody>
+      </p:sp>
+      <p:sp>
+        <p:nvSpPr>
+          <p:cNvPr id="13" name="TextBox 12">
+            <a:extLst>
+              <a:ext uri="{FF2B5EF4-FFF2-40B4-BE49-F238E27FC236}">
+                <a16:creationId xmlns:a16="http://schemas.microsoft.com/office/drawing/2014/main" id="{CB65BB71-08F4-4030-934A-ABF57D953F4A}"/>
+              </a:ext>
+            </a:extLst>
+          </p:cNvPr>
+          <p:cNvSpPr txBox="1"/>
+          <p:nvPr/>
+        </p:nvSpPr>
+        <p:spPr>
+          <a:xfrm>
+            <a:off x="1231909" y="2134658"/>
+            <a:ext cx="6505073" cy="338554"/>
+          </a:xfrm>
+          <a:prstGeom prst="rect">
+            <a:avLst/>
+          </a:prstGeom>
+          <a:noFill/>
+        </p:spPr>
+        <p:txBody>
+          <a:bodyPr wrap="square" rtlCol="0">
+            <a:spAutoFit/>
+          </a:bodyPr>
+          <a:lstStyle/>
+          <a:p>
+            <a:r>
+              <a:rPr lang="en-US" sz="1600" dirty="0"/>
+              <a:t>- Imperfect </a:t>
+            </a:r>
+            <a:r>
+              <a:rPr lang="en-US" sz="1600" dirty="0" err="1"/>
+              <a:t>fluentd</a:t>
+            </a:r>
+            <a:r>
+              <a:rPr lang="en-US" sz="1600" dirty="0"/>
+              <a:t> pattern.</a:t>
+            </a:r>
+          </a:p>
+        </p:txBody>
+      </p:sp>
+      <p:sp>
+        <p:nvSpPr>
+          <p:cNvPr id="11" name="TextBox 10">
+            <a:extLst>
+              <a:ext uri="{FF2B5EF4-FFF2-40B4-BE49-F238E27FC236}">
+                <a16:creationId xmlns:a16="http://schemas.microsoft.com/office/drawing/2014/main" id="{68809208-006B-43E7-9DC2-B3CBD15BA056}"/>
+              </a:ext>
+            </a:extLst>
+          </p:cNvPr>
+          <p:cNvSpPr txBox="1"/>
+          <p:nvPr/>
+        </p:nvSpPr>
+        <p:spPr>
+          <a:xfrm>
+            <a:off x="1231910" y="2770524"/>
+            <a:ext cx="6505073" cy="338554"/>
+          </a:xfrm>
+          <a:prstGeom prst="rect">
+            <a:avLst/>
+          </a:prstGeom>
+          <a:noFill/>
+        </p:spPr>
+        <p:txBody>
+          <a:bodyPr wrap="square" rtlCol="0">
+            <a:spAutoFit/>
+          </a:bodyPr>
+          <a:lstStyle/>
+          <a:p>
+            <a:r>
+              <a:rPr lang="en-US" sz="1600" dirty="0"/>
+              <a:t>- Multiple line log (error, exception, …): not yet.</a:t>
+            </a:r>
+          </a:p>
+        </p:txBody>
+      </p:sp>
+      <p:sp>
+        <p:nvSpPr>
+          <p:cNvPr id="14" name="TextBox 13">
+            <a:extLst>
+              <a:ext uri="{FF2B5EF4-FFF2-40B4-BE49-F238E27FC236}">
+                <a16:creationId xmlns:a16="http://schemas.microsoft.com/office/drawing/2014/main" id="{6804C83C-6131-4849-979A-AEECA8F583B3}"/>
+              </a:ext>
+            </a:extLst>
+          </p:cNvPr>
+          <p:cNvSpPr txBox="1"/>
+          <p:nvPr/>
+        </p:nvSpPr>
+        <p:spPr>
+          <a:xfrm>
+            <a:off x="1231910" y="3406390"/>
+            <a:ext cx="6505073" cy="338554"/>
+          </a:xfrm>
+          <a:prstGeom prst="rect">
+            <a:avLst/>
+          </a:prstGeom>
+          <a:noFill/>
+        </p:spPr>
+        <p:txBody>
+          <a:bodyPr wrap="square" rtlCol="0">
+            <a:spAutoFit/>
+          </a:bodyPr>
+          <a:lstStyle/>
+          <a:p>
+            <a:r>
+              <a:rPr lang="en-US" sz="1600" dirty="0"/>
+              <a:t>- X – pack security for </a:t>
+            </a:r>
+            <a:r>
+              <a:rPr lang="en-US" sz="1600" dirty="0" err="1"/>
+              <a:t>EFK</a:t>
+            </a:r>
+            <a:r>
+              <a:rPr lang="en-US" sz="1600" dirty="0"/>
+              <a:t>: not yet.</a:t>
+            </a:r>
+          </a:p>
+        </p:txBody>
+      </p:sp>
+      <p:sp>
+        <p:nvSpPr>
+          <p:cNvPr id="15" name="TextBox 14">
+            <a:extLst>
+              <a:ext uri="{FF2B5EF4-FFF2-40B4-BE49-F238E27FC236}">
+                <a16:creationId xmlns:a16="http://schemas.microsoft.com/office/drawing/2014/main" id="{67E936FA-80B7-4964-8C75-88ED1DC0C45B}"/>
+              </a:ext>
+            </a:extLst>
+          </p:cNvPr>
+          <p:cNvSpPr txBox="1"/>
+          <p:nvPr/>
+        </p:nvSpPr>
+        <p:spPr>
+          <a:xfrm>
+            <a:off x="1231908" y="4042256"/>
+            <a:ext cx="6505073" cy="338554"/>
+          </a:xfrm>
+          <a:prstGeom prst="rect">
+            <a:avLst/>
+          </a:prstGeom>
+          <a:noFill/>
+        </p:spPr>
+        <p:txBody>
+          <a:bodyPr wrap="square" rtlCol="0">
+            <a:spAutoFit/>
+          </a:bodyPr>
+          <a:lstStyle/>
+          <a:p>
+            <a:r>
+              <a:rPr lang="en-US" sz="1600" dirty="0"/>
+              <a:t>- All java services are under the log prefix </a:t>
+            </a:r>
+            <a:r>
+              <a:rPr lang="en-US" sz="1600" b="1" i="1" dirty="0" err="1"/>
+              <a:t>fluentd</a:t>
+            </a:r>
+            <a:r>
+              <a:rPr lang="en-US" sz="1600" b="1" i="1" dirty="0"/>
+              <a:t>-* </a:t>
+            </a:r>
+            <a:r>
+              <a:rPr lang="en-US" sz="1600" dirty="0"/>
+              <a:t>=&gt; hard </a:t>
+            </a:r>
+            <a:r>
+              <a:rPr lang="en-US" sz="1600"/>
+              <a:t>to manage.</a:t>
+            </a:r>
+            <a:endParaRPr lang="en-US" sz="1600" dirty="0"/>
+          </a:p>
+        </p:txBody>
+      </p:sp>
+    </p:spTree>
+    <p:extLst>
+      <p:ext uri="{BB962C8B-B14F-4D97-AF65-F5344CB8AC3E}">
+        <p14:creationId xmlns:p14="http://schemas.microsoft.com/office/powerpoint/2010/main" val="3554329089"/>
+      </p:ext>
+    </p:extLst>
+  </p:cSld>
+  <p:clrMapOvr>
+    <a:masterClrMapping/>
+  </p:clrMapOvr>
+</p:sld>
+</file>
+
+<file path=ppt/slides/slide27.xml><?xml version="1.0" encoding="utf-8"?>
 <p:sld xmlns:a="http://schemas.openxmlformats.org/drawingml/2006/main" xmlns:r="http://schemas.openxmlformats.org/officeDocument/2006/relationships" xmlns:p="http://schemas.openxmlformats.org/presentationml/2006/main">
   <p:cSld>
     <p:bg>
@@ -12148,7 +15750,7 @@
 </p:sld>
 </file>
 
-<file path=ppt/slides/slide21.xml><?xml version="1.0" encoding="utf-8"?>
+<file path=ppt/slides/slide28.xml><?xml version="1.0" encoding="utf-8"?>
 <p:sld xmlns:a="http://schemas.openxmlformats.org/drawingml/2006/main" xmlns:r="http://schemas.openxmlformats.org/officeDocument/2006/relationships" xmlns:p="http://schemas.openxmlformats.org/presentationml/2006/main">
   <p:cSld>
     <p:bg>
@@ -12211,7 +15813,7 @@
         <p:spPr>
           <a:xfrm>
             <a:off x="2566683" y="3246449"/>
-            <a:ext cx="4010633" cy="345991"/>
+            <a:ext cx="4010633" cy="519101"/>
           </a:xfrm>
           <a:prstGeom prst="rect">
             <a:avLst/>
@@ -12394,7 +15996,55 @@
                   <a:srgbClr val="FFFF00"/>
                 </a:solidFill>
               </a:rPr>
-              <a:t>I AM NOT GOOGLE</a:t>
+              <a:t>I AM NOT </a:t>
+            </a:r>
+            <a:r>
+              <a:rPr lang="es-ES_tradnl" sz="2800" dirty="0">
+                <a:solidFill>
+                  <a:srgbClr val="00B0F0"/>
+                </a:solidFill>
+              </a:rPr>
+              <a:t>G</a:t>
+            </a:r>
+            <a:r>
+              <a:rPr lang="es-ES_tradnl" sz="2800" dirty="0">
+                <a:solidFill>
+                  <a:srgbClr val="FF0000"/>
+                </a:solidFill>
+              </a:rPr>
+              <a:t>O</a:t>
+            </a:r>
+            <a:r>
+              <a:rPr lang="es-ES_tradnl" sz="2800" dirty="0">
+                <a:solidFill>
+                  <a:srgbClr val="FFFF00"/>
+                </a:solidFill>
+              </a:rPr>
+              <a:t>O</a:t>
+            </a:r>
+            <a:r>
+              <a:rPr lang="es-ES_tradnl" sz="2800" dirty="0">
+                <a:solidFill>
+                  <a:srgbClr val="00B0F0"/>
+                </a:solidFill>
+              </a:rPr>
+              <a:t>G</a:t>
+            </a:r>
+            <a:r>
+              <a:rPr lang="es-ES_tradnl" sz="2800" dirty="0">
+                <a:solidFill>
+                  <a:srgbClr val="00B050"/>
+                </a:solidFill>
+              </a:rPr>
+              <a:t>L</a:t>
+            </a:r>
+            <a:r>
+              <a:rPr lang="es-ES_tradnl" sz="2800" dirty="0">
+                <a:solidFill>
+                  <a:srgbClr val="FF0000"/>
+                </a:solidFill>
+              </a:rPr>
+              <a:t>E</a:t>
             </a:r>
           </a:p>
         </p:txBody>
@@ -13006,10 +16656,10 @@
       </p:cxnSp>
       <p:pic>
         <p:nvPicPr>
-          <p:cNvPr id="6" name="Picture 5">
+          <p:cNvPr id="8" name="Picture 7">
             <a:extLst>
               <a:ext uri="{FF2B5EF4-FFF2-40B4-BE49-F238E27FC236}">
-                <a16:creationId xmlns:a16="http://schemas.microsoft.com/office/drawing/2014/main" id="{E8576A6D-8036-40DF-B461-0A8936306C65}"/>
+                <a16:creationId xmlns:a16="http://schemas.microsoft.com/office/drawing/2014/main" id="{CD20ECE9-D4B1-400A-AE6F-AC861C60C44F}"/>
               </a:ext>
             </a:extLst>
           </p:cNvPr>
@@ -13026,8 +16676,8 @@
         </p:blipFill>
         <p:spPr>
           <a:xfrm>
-            <a:off x="7102795" y="152307"/>
-            <a:ext cx="1815460" cy="694562"/>
+            <a:off x="7372900" y="137987"/>
+            <a:ext cx="1316221" cy="568607"/>
           </a:xfrm>
           <a:prstGeom prst="rect">
             <a:avLst/>
@@ -13416,10 +17066,10 @@
       </p:sp>
       <p:pic>
         <p:nvPicPr>
-          <p:cNvPr id="25" name="Picture 24">
+          <p:cNvPr id="12" name="Picture 11">
             <a:extLst>
               <a:ext uri="{FF2B5EF4-FFF2-40B4-BE49-F238E27FC236}">
-                <a16:creationId xmlns:a16="http://schemas.microsoft.com/office/drawing/2014/main" id="{0E96BECF-62CF-43CB-93B2-16F77EB22830}"/>
+                <a16:creationId xmlns:a16="http://schemas.microsoft.com/office/drawing/2014/main" id="{ACBFD80E-E56F-47D9-8281-D2A0BC95BF31}"/>
               </a:ext>
             </a:extLst>
           </p:cNvPr>
@@ -13436,8 +17086,8 @@
         </p:blipFill>
         <p:spPr>
           <a:xfrm>
-            <a:off x="7102795" y="152307"/>
-            <a:ext cx="1815460" cy="694562"/>
+            <a:off x="7372900" y="137987"/>
+            <a:ext cx="1316221" cy="568607"/>
           </a:xfrm>
           <a:prstGeom prst="rect">
             <a:avLst/>
@@ -13569,10 +17219,10 @@
       </p:cxnSp>
       <p:pic>
         <p:nvPicPr>
-          <p:cNvPr id="6" name="Picture 5">
+          <p:cNvPr id="7" name="Picture 6">
             <a:extLst>
               <a:ext uri="{FF2B5EF4-FFF2-40B4-BE49-F238E27FC236}">
-                <a16:creationId xmlns:a16="http://schemas.microsoft.com/office/drawing/2014/main" id="{9CC75FE6-40E9-434F-BAD5-0980F391E6A8}"/>
+                <a16:creationId xmlns:a16="http://schemas.microsoft.com/office/drawing/2014/main" id="{2945E345-6861-4148-9EE6-4C42BA1CF73C}"/>
               </a:ext>
             </a:extLst>
           </p:cNvPr>
@@ -13589,8 +17239,8 @@
         </p:blipFill>
         <p:spPr>
           <a:xfrm>
-            <a:off x="7102795" y="152307"/>
-            <a:ext cx="1815460" cy="694562"/>
+            <a:off x="7372900" y="137987"/>
+            <a:ext cx="1316221" cy="568607"/>
           </a:xfrm>
           <a:prstGeom prst="rect">
             <a:avLst/>
@@ -13749,10 +17399,10 @@
       </p:pic>
       <p:pic>
         <p:nvPicPr>
-          <p:cNvPr id="11" name="Picture 10">
+          <p:cNvPr id="7" name="Picture 6">
             <a:extLst>
               <a:ext uri="{FF2B5EF4-FFF2-40B4-BE49-F238E27FC236}">
-                <a16:creationId xmlns:a16="http://schemas.microsoft.com/office/drawing/2014/main" id="{F9A86CA0-B8D6-4A9D-935E-26CBC4C58C8F}"/>
+                <a16:creationId xmlns:a16="http://schemas.microsoft.com/office/drawing/2014/main" id="{066CDDD1-C47A-40B8-877B-8F4D5C9405B1}"/>
               </a:ext>
             </a:extLst>
           </p:cNvPr>
@@ -13769,8 +17419,8 @@
         </p:blipFill>
         <p:spPr>
           <a:xfrm>
-            <a:off x="7102795" y="152307"/>
-            <a:ext cx="1815460" cy="694562"/>
+            <a:off x="7372900" y="137987"/>
+            <a:ext cx="1316221" cy="568607"/>
           </a:xfrm>
           <a:prstGeom prst="rect">
             <a:avLst/>
@@ -13902,10 +17552,10 @@
       </p:cxnSp>
       <p:pic>
         <p:nvPicPr>
-          <p:cNvPr id="6" name="Picture 5">
+          <p:cNvPr id="7" name="Picture 6">
             <a:extLst>
               <a:ext uri="{FF2B5EF4-FFF2-40B4-BE49-F238E27FC236}">
-                <a16:creationId xmlns:a16="http://schemas.microsoft.com/office/drawing/2014/main" id="{6A38182A-653F-4270-A87E-72B714EB14BF}"/>
+                <a16:creationId xmlns:a16="http://schemas.microsoft.com/office/drawing/2014/main" id="{1B35A770-27B3-47D4-AE82-91884BFD7F0F}"/>
               </a:ext>
             </a:extLst>
           </p:cNvPr>
@@ -13922,8 +17572,8 @@
         </p:blipFill>
         <p:spPr>
           <a:xfrm>
-            <a:off x="7102795" y="152307"/>
-            <a:ext cx="1815460" cy="694562"/>
+            <a:off x="7372900" y="137987"/>
+            <a:ext cx="1316221" cy="568607"/>
           </a:xfrm>
           <a:prstGeom prst="rect">
             <a:avLst/>
@@ -14224,10 +17874,10 @@
       </p:sp>
       <p:pic>
         <p:nvPicPr>
-          <p:cNvPr id="14" name="Picture 13">
+          <p:cNvPr id="15" name="Picture 14">
             <a:extLst>
               <a:ext uri="{FF2B5EF4-FFF2-40B4-BE49-F238E27FC236}">
-                <a16:creationId xmlns:a16="http://schemas.microsoft.com/office/drawing/2014/main" id="{125AF80D-5F44-4125-8B28-3547EF0E6E02}"/>
+                <a16:creationId xmlns:a16="http://schemas.microsoft.com/office/drawing/2014/main" id="{D49FA2BF-6836-44F4-B0F4-6683F8787E59}"/>
               </a:ext>
             </a:extLst>
           </p:cNvPr>
@@ -14244,8 +17894,8 @@
         </p:blipFill>
         <p:spPr>
           <a:xfrm>
-            <a:off x="7102795" y="152307"/>
-            <a:ext cx="1815460" cy="694562"/>
+            <a:off x="7372900" y="137987"/>
+            <a:ext cx="1316221" cy="568607"/>
           </a:xfrm>
           <a:prstGeom prst="rect">
             <a:avLst/>
